--- a/curriculum/Unit4/Unit 4 Slides.pptx
+++ b/curriculum/Unit4/Unit 4 Slides.pptx
@@ -2,26 +2,26 @@
 <file path=ppt/presentation.xml><?xml version="1.0" encoding="utf-8"?>
 <p:presentation xmlns:a="http://schemas.openxmlformats.org/drawingml/2006/main" xmlns:r="http://schemas.openxmlformats.org/officeDocument/2006/relationships" xmlns:p="http://schemas.openxmlformats.org/presentationml/2006/main" saveSubsetFonts="1" autoCompressPictures="0">
   <p:sldMasterIdLst>
-    <p:sldMasterId id="2147483648" r:id="rId1"/>
+    <p:sldMasterId id="2147483648" r:id="rId4"/>
   </p:sldMasterIdLst>
   <p:notesMasterIdLst>
-    <p:notesMasterId r:id="rId13"/>
+    <p:notesMasterId r:id="rId16"/>
   </p:notesMasterIdLst>
   <p:handoutMasterIdLst>
-    <p:handoutMasterId r:id="rId14"/>
+    <p:handoutMasterId r:id="rId17"/>
   </p:handoutMasterIdLst>
   <p:sldIdLst>
-    <p:sldId id="271" r:id="rId2"/>
-    <p:sldId id="282" r:id="rId3"/>
-    <p:sldId id="278" r:id="rId4"/>
-    <p:sldId id="279" r:id="rId5"/>
-    <p:sldId id="276" r:id="rId6"/>
-    <p:sldId id="277" r:id="rId7"/>
-    <p:sldId id="274" r:id="rId8"/>
-    <p:sldId id="275" r:id="rId9"/>
-    <p:sldId id="273" r:id="rId10"/>
-    <p:sldId id="272" r:id="rId11"/>
-    <p:sldId id="281" r:id="rId12"/>
+    <p:sldId id="271" r:id="rId5"/>
+    <p:sldId id="282" r:id="rId6"/>
+    <p:sldId id="278" r:id="rId7"/>
+    <p:sldId id="279" r:id="rId8"/>
+    <p:sldId id="276" r:id="rId9"/>
+    <p:sldId id="277" r:id="rId10"/>
+    <p:sldId id="274" r:id="rId11"/>
+    <p:sldId id="275" r:id="rId12"/>
+    <p:sldId id="273" r:id="rId13"/>
+    <p:sldId id="272" r:id="rId14"/>
+    <p:sldId id="281" r:id="rId15"/>
   </p:sldIdLst>
   <p:sldSz cx="9144000" cy="6858000" type="screen4x3"/>
   <p:notesSz cx="6858000" cy="9144000"/>
@@ -120,6 +120,22 @@
       </a:defRPr>
     </a:lvl9pPr>
   </p:defaultTextStyle>
+  <p:extLst>
+    <p:ext uri="{EFAFB233-063F-42B5-8137-9DF3F51BA10A}">
+      <p15:sldGuideLst xmlns:p15="http://schemas.microsoft.com/office/powerpoint/2012/main">
+        <p15:guide id="1" orient="horz" pos="2160">
+          <p15:clr>
+            <a:srgbClr val="A4A3A4"/>
+          </p15:clr>
+        </p15:guide>
+        <p15:guide id="2" pos="2880">
+          <p15:clr>
+            <a:srgbClr val="A4A3A4"/>
+          </p15:clr>
+        </p15:guide>
+      </p15:sldGuideLst>
+    </p:ext>
+  </p:extLst>
 </p:presentation>
 </file>
 
@@ -205,7 +221,7 @@
           <a:p>
             <a:fld id="{6D0754E3-E03E-ED44-9A59-706283C2F2CC}" type="datetimeFigureOut">
               <a:rPr lang="en-US" smtClean="0"/>
-              <a:t>6/19/15</a:t>
+              <a:t>2/18/2020</a:t>
             </a:fld>
             <a:endParaRPr lang="en-US"/>
           </a:p>
@@ -371,7 +387,7 @@
           <a:p>
             <a:fld id="{44996FB4-6AD2-FE4B-B45E-D44A9C110DAF}" type="datetimeFigureOut">
               <a:rPr lang="en-US" smtClean="0"/>
-              <a:t>6/19/15</a:t>
+              <a:t>2/18/2020</a:t>
             </a:fld>
             <a:endParaRPr lang="en-US"/>
           </a:p>
@@ -435,38 +451,37 @@
           <a:p>
             <a:pPr lvl="0"/>
             <a:r>
-              <a:rPr lang="en-US" smtClean="0"/>
+              <a:rPr lang="en-US"/>
               <a:t>Click to edit Master text styles</a:t>
             </a:r>
           </a:p>
           <a:p>
             <a:pPr lvl="1"/>
             <a:r>
-              <a:rPr lang="en-US" smtClean="0"/>
+              <a:rPr lang="en-US"/>
               <a:t>Second level</a:t>
             </a:r>
           </a:p>
           <a:p>
             <a:pPr lvl="2"/>
             <a:r>
-              <a:rPr lang="en-US" smtClean="0"/>
+              <a:rPr lang="en-US"/>
               <a:t>Third level</a:t>
             </a:r>
           </a:p>
           <a:p>
             <a:pPr lvl="3"/>
             <a:r>
-              <a:rPr lang="en-US" smtClean="0"/>
+              <a:rPr lang="en-US"/>
               <a:t>Fourth level</a:t>
             </a:r>
           </a:p>
           <a:p>
             <a:pPr lvl="4"/>
             <a:r>
-              <a:rPr lang="en-US" smtClean="0"/>
+              <a:rPr lang="en-US"/>
               <a:t>Fifth level</a:t>
             </a:r>
-            <a:endParaRPr lang="en-US"/>
           </a:p>
         </p:txBody>
       </p:sp>
@@ -678,10 +693,9 @@
           <a:lstStyle/>
           <a:p>
             <a:r>
-              <a:rPr lang="en-US" smtClean="0"/>
+              <a:rPr lang="en-US"/>
               <a:t>Click to edit Master title style</a:t>
             </a:r>
-            <a:endParaRPr lang="en-US"/>
           </a:p>
         </p:txBody>
       </p:sp>
@@ -797,10 +811,9 @@
           </a:lstStyle>
           <a:p>
             <a:r>
-              <a:rPr lang="en-US" smtClean="0"/>
+              <a:rPr lang="en-US"/>
               <a:t>Click to edit Master subtitle style</a:t>
             </a:r>
-            <a:endParaRPr lang="en-US"/>
           </a:p>
         </p:txBody>
       </p:sp>
@@ -821,7 +834,7 @@
           <a:p>
             <a:fld id="{34990CC2-A8CC-B149-BA8F-DDB0E524EE45}" type="datetime1">
               <a:rPr lang="en-US" smtClean="0"/>
-              <a:t>6/19/15</a:t>
+              <a:t>2/18/2020</a:t>
             </a:fld>
             <a:endParaRPr lang="en-US"/>
           </a:p>
@@ -843,10 +856,9 @@
           <a:lstStyle/>
           <a:p>
             <a:r>
-              <a:rPr lang="en-US" smtClean="0"/>
+              <a:rPr lang="en-US"/>
               <a:t>Developed by TEALS in 2015  www.tealsk12.org</a:t>
             </a:r>
-            <a:endParaRPr lang="en-US"/>
           </a:p>
         </p:txBody>
       </p:sp>
@@ -919,10 +931,9 @@
           <a:lstStyle/>
           <a:p>
             <a:r>
-              <a:rPr lang="en-US" smtClean="0"/>
+              <a:rPr lang="en-US"/>
               <a:t>Click to edit Master title style</a:t>
             </a:r>
-            <a:endParaRPr lang="en-US"/>
           </a:p>
         </p:txBody>
       </p:sp>
@@ -943,38 +954,37 @@
           <a:p>
             <a:pPr lvl="0"/>
             <a:r>
-              <a:rPr lang="en-US" smtClean="0"/>
+              <a:rPr lang="en-US"/>
               <a:t>Click to edit Master text styles</a:t>
             </a:r>
           </a:p>
           <a:p>
             <a:pPr lvl="1"/>
             <a:r>
-              <a:rPr lang="en-US" smtClean="0"/>
+              <a:rPr lang="en-US"/>
               <a:t>Second level</a:t>
             </a:r>
           </a:p>
           <a:p>
             <a:pPr lvl="2"/>
             <a:r>
-              <a:rPr lang="en-US" smtClean="0"/>
+              <a:rPr lang="en-US"/>
               <a:t>Third level</a:t>
             </a:r>
           </a:p>
           <a:p>
             <a:pPr lvl="3"/>
             <a:r>
-              <a:rPr lang="en-US" smtClean="0"/>
+              <a:rPr lang="en-US"/>
               <a:t>Fourth level</a:t>
             </a:r>
           </a:p>
           <a:p>
             <a:pPr lvl="4"/>
             <a:r>
-              <a:rPr lang="en-US" smtClean="0"/>
+              <a:rPr lang="en-US"/>
               <a:t>Fifth level</a:t>
             </a:r>
-            <a:endParaRPr lang="en-US"/>
           </a:p>
         </p:txBody>
       </p:sp>
@@ -995,7 +1005,7 @@
           <a:p>
             <a:fld id="{96267D05-F6C2-F64A-9C7F-A94B43164B5C}" type="datetime1">
               <a:rPr lang="en-US" smtClean="0"/>
-              <a:t>6/19/15</a:t>
+              <a:t>2/18/2020</a:t>
             </a:fld>
             <a:endParaRPr lang="en-US"/>
           </a:p>
@@ -1017,10 +1027,9 @@
           <a:lstStyle/>
           <a:p>
             <a:r>
-              <a:rPr lang="en-US" smtClean="0"/>
+              <a:rPr lang="en-US"/>
               <a:t>Developed by TEALS in 2015  www.tealsk12.org</a:t>
             </a:r>
-            <a:endParaRPr lang="en-US"/>
           </a:p>
         </p:txBody>
       </p:sp>
@@ -1098,10 +1107,9 @@
           <a:lstStyle/>
           <a:p>
             <a:r>
-              <a:rPr lang="en-US" smtClean="0"/>
+              <a:rPr lang="en-US"/>
               <a:t>Click to edit Master title style</a:t>
             </a:r>
-            <a:endParaRPr lang="en-US"/>
           </a:p>
         </p:txBody>
       </p:sp>
@@ -1127,38 +1135,37 @@
           <a:p>
             <a:pPr lvl="0"/>
             <a:r>
-              <a:rPr lang="en-US" smtClean="0"/>
+              <a:rPr lang="en-US"/>
               <a:t>Click to edit Master text styles</a:t>
             </a:r>
           </a:p>
           <a:p>
             <a:pPr lvl="1"/>
             <a:r>
-              <a:rPr lang="en-US" smtClean="0"/>
+              <a:rPr lang="en-US"/>
               <a:t>Second level</a:t>
             </a:r>
           </a:p>
           <a:p>
             <a:pPr lvl="2"/>
             <a:r>
-              <a:rPr lang="en-US" smtClean="0"/>
+              <a:rPr lang="en-US"/>
               <a:t>Third level</a:t>
             </a:r>
           </a:p>
           <a:p>
             <a:pPr lvl="3"/>
             <a:r>
-              <a:rPr lang="en-US" smtClean="0"/>
+              <a:rPr lang="en-US"/>
               <a:t>Fourth level</a:t>
             </a:r>
           </a:p>
           <a:p>
             <a:pPr lvl="4"/>
             <a:r>
-              <a:rPr lang="en-US" smtClean="0"/>
+              <a:rPr lang="en-US"/>
               <a:t>Fifth level</a:t>
             </a:r>
-            <a:endParaRPr lang="en-US"/>
           </a:p>
         </p:txBody>
       </p:sp>
@@ -1179,7 +1186,7 @@
           <a:p>
             <a:fld id="{087C1978-9D0A-A345-9E84-F995A3601C8E}" type="datetime1">
               <a:rPr lang="en-US" smtClean="0"/>
-              <a:t>6/19/15</a:t>
+              <a:t>2/18/2020</a:t>
             </a:fld>
             <a:endParaRPr lang="en-US"/>
           </a:p>
@@ -1201,10 +1208,9 @@
           <a:lstStyle/>
           <a:p>
             <a:r>
-              <a:rPr lang="en-US" smtClean="0"/>
+              <a:rPr lang="en-US"/>
               <a:t>Developed by TEALS in 2015  www.tealsk12.org</a:t>
             </a:r>
-            <a:endParaRPr lang="en-US"/>
           </a:p>
         </p:txBody>
       </p:sp>
@@ -1277,10 +1283,9 @@
           <a:lstStyle/>
           <a:p>
             <a:r>
-              <a:rPr lang="en-US" smtClean="0"/>
+              <a:rPr lang="en-US"/>
               <a:t>Click to edit Master title style</a:t>
             </a:r>
-            <a:endParaRPr lang="en-US"/>
           </a:p>
         </p:txBody>
       </p:sp>
@@ -1301,38 +1306,37 @@
           <a:p>
             <a:pPr lvl="0"/>
             <a:r>
-              <a:rPr lang="en-US" smtClean="0"/>
+              <a:rPr lang="en-US"/>
               <a:t>Click to edit Master text styles</a:t>
             </a:r>
           </a:p>
           <a:p>
             <a:pPr lvl="1"/>
             <a:r>
-              <a:rPr lang="en-US" smtClean="0"/>
+              <a:rPr lang="en-US"/>
               <a:t>Second level</a:t>
             </a:r>
           </a:p>
           <a:p>
             <a:pPr lvl="2"/>
             <a:r>
-              <a:rPr lang="en-US" smtClean="0"/>
+              <a:rPr lang="en-US"/>
               <a:t>Third level</a:t>
             </a:r>
           </a:p>
           <a:p>
             <a:pPr lvl="3"/>
             <a:r>
-              <a:rPr lang="en-US" smtClean="0"/>
+              <a:rPr lang="en-US"/>
               <a:t>Fourth level</a:t>
             </a:r>
           </a:p>
           <a:p>
             <a:pPr lvl="4"/>
             <a:r>
-              <a:rPr lang="en-US" smtClean="0"/>
+              <a:rPr lang="en-US"/>
               <a:t>Fifth level</a:t>
             </a:r>
-            <a:endParaRPr lang="en-US"/>
           </a:p>
         </p:txBody>
       </p:sp>
@@ -1353,7 +1357,7 @@
           <a:p>
             <a:fld id="{620CD570-9DDA-524E-9F58-9DBC8D3A8C31}" type="datetime1">
               <a:rPr lang="en-US" smtClean="0"/>
-              <a:t>6/19/15</a:t>
+              <a:t>2/18/2020</a:t>
             </a:fld>
             <a:endParaRPr lang="en-US"/>
           </a:p>
@@ -1375,10 +1379,9 @@
           <a:lstStyle/>
           <a:p>
             <a:r>
-              <a:rPr lang="en-US" smtClean="0"/>
+              <a:rPr lang="en-US"/>
               <a:t>Developed by TEALS in 2015  www.tealsk12.org</a:t>
             </a:r>
-            <a:endParaRPr lang="en-US"/>
           </a:p>
         </p:txBody>
       </p:sp>
@@ -1460,10 +1463,9 @@
           </a:lstStyle>
           <a:p>
             <a:r>
-              <a:rPr lang="en-US" smtClean="0"/>
+              <a:rPr lang="en-US"/>
               <a:t>Click to edit Master title style</a:t>
             </a:r>
-            <a:endParaRPr lang="en-US"/>
           </a:p>
         </p:txBody>
       </p:sp>
@@ -1580,7 +1582,7 @@
           <a:p>
             <a:pPr lvl="0"/>
             <a:r>
-              <a:rPr lang="en-US" smtClean="0"/>
+              <a:rPr lang="en-US"/>
               <a:t>Click to edit Master text styles</a:t>
             </a:r>
           </a:p>
@@ -1603,7 +1605,7 @@
           <a:p>
             <a:fld id="{FEBAD56B-400E-5542-B4A1-CD46AB8B4D0E}" type="datetime1">
               <a:rPr lang="en-US" smtClean="0"/>
-              <a:t>6/19/15</a:t>
+              <a:t>2/18/2020</a:t>
             </a:fld>
             <a:endParaRPr lang="en-US"/>
           </a:p>
@@ -1625,10 +1627,9 @@
           <a:lstStyle/>
           <a:p>
             <a:r>
-              <a:rPr lang="en-US" smtClean="0"/>
+              <a:rPr lang="en-US"/>
               <a:t>Developed by TEALS in 2015  www.tealsk12.org</a:t>
             </a:r>
-            <a:endParaRPr lang="en-US"/>
           </a:p>
         </p:txBody>
       </p:sp>
@@ -1701,10 +1702,9 @@
           <a:lstStyle/>
           <a:p>
             <a:r>
-              <a:rPr lang="en-US" smtClean="0"/>
+              <a:rPr lang="en-US"/>
               <a:t>Click to edit Master title style</a:t>
             </a:r>
-            <a:endParaRPr lang="en-US"/>
           </a:p>
         </p:txBody>
       </p:sp>
@@ -1758,38 +1758,37 @@
           <a:p>
             <a:pPr lvl="0"/>
             <a:r>
-              <a:rPr lang="en-US" smtClean="0"/>
+              <a:rPr lang="en-US"/>
               <a:t>Click to edit Master text styles</a:t>
             </a:r>
           </a:p>
           <a:p>
             <a:pPr lvl="1"/>
             <a:r>
-              <a:rPr lang="en-US" smtClean="0"/>
+              <a:rPr lang="en-US"/>
               <a:t>Second level</a:t>
             </a:r>
           </a:p>
           <a:p>
             <a:pPr lvl="2"/>
             <a:r>
-              <a:rPr lang="en-US" smtClean="0"/>
+              <a:rPr lang="en-US"/>
               <a:t>Third level</a:t>
             </a:r>
           </a:p>
           <a:p>
             <a:pPr lvl="3"/>
             <a:r>
-              <a:rPr lang="en-US" smtClean="0"/>
+              <a:rPr lang="en-US"/>
               <a:t>Fourth level</a:t>
             </a:r>
           </a:p>
           <a:p>
             <a:pPr lvl="4"/>
             <a:r>
-              <a:rPr lang="en-US" smtClean="0"/>
+              <a:rPr lang="en-US"/>
               <a:t>Fifth level</a:t>
             </a:r>
-            <a:endParaRPr lang="en-US"/>
           </a:p>
         </p:txBody>
       </p:sp>
@@ -1843,38 +1842,37 @@
           <a:p>
             <a:pPr lvl="0"/>
             <a:r>
-              <a:rPr lang="en-US" smtClean="0"/>
+              <a:rPr lang="en-US"/>
               <a:t>Click to edit Master text styles</a:t>
             </a:r>
           </a:p>
           <a:p>
             <a:pPr lvl="1"/>
             <a:r>
-              <a:rPr lang="en-US" smtClean="0"/>
+              <a:rPr lang="en-US"/>
               <a:t>Second level</a:t>
             </a:r>
           </a:p>
           <a:p>
             <a:pPr lvl="2"/>
             <a:r>
-              <a:rPr lang="en-US" smtClean="0"/>
+              <a:rPr lang="en-US"/>
               <a:t>Third level</a:t>
             </a:r>
           </a:p>
           <a:p>
             <a:pPr lvl="3"/>
             <a:r>
-              <a:rPr lang="en-US" smtClean="0"/>
+              <a:rPr lang="en-US"/>
               <a:t>Fourth level</a:t>
             </a:r>
           </a:p>
           <a:p>
             <a:pPr lvl="4"/>
             <a:r>
-              <a:rPr lang="en-US" smtClean="0"/>
+              <a:rPr lang="en-US"/>
               <a:t>Fifth level</a:t>
             </a:r>
-            <a:endParaRPr lang="en-US"/>
           </a:p>
         </p:txBody>
       </p:sp>
@@ -1895,7 +1893,7 @@
           <a:p>
             <a:fld id="{43394E63-B418-1F4A-9C08-2548B9C5B3C1}" type="datetime1">
               <a:rPr lang="en-US" smtClean="0"/>
-              <a:t>6/19/15</a:t>
+              <a:t>2/18/2020</a:t>
             </a:fld>
             <a:endParaRPr lang="en-US"/>
           </a:p>
@@ -1917,10 +1915,9 @@
           <a:lstStyle/>
           <a:p>
             <a:r>
-              <a:rPr lang="en-US" smtClean="0"/>
+              <a:rPr lang="en-US"/>
               <a:t>Developed by TEALS in 2015  www.tealsk12.org</a:t>
             </a:r>
-            <a:endParaRPr lang="en-US"/>
           </a:p>
         </p:txBody>
       </p:sp>
@@ -1997,10 +1994,9 @@
           </a:lstStyle>
           <a:p>
             <a:r>
-              <a:rPr lang="en-US" smtClean="0"/>
+              <a:rPr lang="en-US"/>
               <a:t>Click to edit Master title style</a:t>
             </a:r>
-            <a:endParaRPr lang="en-US"/>
           </a:p>
         </p:txBody>
       </p:sp>
@@ -2063,7 +2059,7 @@
           <a:p>
             <a:pPr lvl="0"/>
             <a:r>
-              <a:rPr lang="en-US" smtClean="0"/>
+              <a:rPr lang="en-US"/>
               <a:t>Click to edit Master text styles</a:t>
             </a:r>
           </a:p>
@@ -2119,38 +2115,37 @@
           <a:p>
             <a:pPr lvl="0"/>
             <a:r>
-              <a:rPr lang="en-US" smtClean="0"/>
+              <a:rPr lang="en-US"/>
               <a:t>Click to edit Master text styles</a:t>
             </a:r>
           </a:p>
           <a:p>
             <a:pPr lvl="1"/>
             <a:r>
-              <a:rPr lang="en-US" smtClean="0"/>
+              <a:rPr lang="en-US"/>
               <a:t>Second level</a:t>
             </a:r>
           </a:p>
           <a:p>
             <a:pPr lvl="2"/>
             <a:r>
-              <a:rPr lang="en-US" smtClean="0"/>
+              <a:rPr lang="en-US"/>
               <a:t>Third level</a:t>
             </a:r>
           </a:p>
           <a:p>
             <a:pPr lvl="3"/>
             <a:r>
-              <a:rPr lang="en-US" smtClean="0"/>
+              <a:rPr lang="en-US"/>
               <a:t>Fourth level</a:t>
             </a:r>
           </a:p>
           <a:p>
             <a:pPr lvl="4"/>
             <a:r>
-              <a:rPr lang="en-US" smtClean="0"/>
+              <a:rPr lang="en-US"/>
               <a:t>Fifth level</a:t>
             </a:r>
-            <a:endParaRPr lang="en-US"/>
           </a:p>
         </p:txBody>
       </p:sp>
@@ -2213,7 +2208,7 @@
           <a:p>
             <a:pPr lvl="0"/>
             <a:r>
-              <a:rPr lang="en-US" smtClean="0"/>
+              <a:rPr lang="en-US"/>
               <a:t>Click to edit Master text styles</a:t>
             </a:r>
           </a:p>
@@ -2269,38 +2264,37 @@
           <a:p>
             <a:pPr lvl="0"/>
             <a:r>
-              <a:rPr lang="en-US" smtClean="0"/>
+              <a:rPr lang="en-US"/>
               <a:t>Click to edit Master text styles</a:t>
             </a:r>
           </a:p>
           <a:p>
             <a:pPr lvl="1"/>
             <a:r>
-              <a:rPr lang="en-US" smtClean="0"/>
+              <a:rPr lang="en-US"/>
               <a:t>Second level</a:t>
             </a:r>
           </a:p>
           <a:p>
             <a:pPr lvl="2"/>
             <a:r>
-              <a:rPr lang="en-US" smtClean="0"/>
+              <a:rPr lang="en-US"/>
               <a:t>Third level</a:t>
             </a:r>
           </a:p>
           <a:p>
             <a:pPr lvl="3"/>
             <a:r>
-              <a:rPr lang="en-US" smtClean="0"/>
+              <a:rPr lang="en-US"/>
               <a:t>Fourth level</a:t>
             </a:r>
           </a:p>
           <a:p>
             <a:pPr lvl="4"/>
             <a:r>
-              <a:rPr lang="en-US" smtClean="0"/>
+              <a:rPr lang="en-US"/>
               <a:t>Fifth level</a:t>
             </a:r>
-            <a:endParaRPr lang="en-US"/>
           </a:p>
         </p:txBody>
       </p:sp>
@@ -2321,7 +2315,7 @@
           <a:p>
             <a:fld id="{6F92EF41-DD41-C742-BC3B-970F41658B68}" type="datetime1">
               <a:rPr lang="en-US" smtClean="0"/>
-              <a:t>6/19/15</a:t>
+              <a:t>2/18/2020</a:t>
             </a:fld>
             <a:endParaRPr lang="en-US"/>
           </a:p>
@@ -2343,10 +2337,9 @@
           <a:lstStyle/>
           <a:p>
             <a:r>
-              <a:rPr lang="en-US" smtClean="0"/>
+              <a:rPr lang="en-US"/>
               <a:t>Developed by TEALS in 2015  www.tealsk12.org</a:t>
             </a:r>
-            <a:endParaRPr lang="en-US"/>
           </a:p>
         </p:txBody>
       </p:sp>
@@ -2419,10 +2412,9 @@
           <a:lstStyle/>
           <a:p>
             <a:r>
-              <a:rPr lang="en-US" smtClean="0"/>
+              <a:rPr lang="en-US"/>
               <a:t>Click to edit Master title style</a:t>
             </a:r>
-            <a:endParaRPr lang="en-US"/>
           </a:p>
         </p:txBody>
       </p:sp>
@@ -2443,7 +2435,7 @@
           <a:p>
             <a:fld id="{631009B9-6DC3-0349-8BB5-CE1E5B2C68D1}" type="datetime1">
               <a:rPr lang="en-US" smtClean="0"/>
-              <a:t>6/19/15</a:t>
+              <a:t>2/18/2020</a:t>
             </a:fld>
             <a:endParaRPr lang="en-US"/>
           </a:p>
@@ -2465,10 +2457,9 @@
           <a:lstStyle/>
           <a:p>
             <a:r>
-              <a:rPr lang="en-US" smtClean="0"/>
+              <a:rPr lang="en-US"/>
               <a:t>Developed by TEALS in 2015  www.tealsk12.org</a:t>
             </a:r>
-            <a:endParaRPr lang="en-US"/>
           </a:p>
         </p:txBody>
       </p:sp>
@@ -2542,7 +2533,7 @@
           <a:p>
             <a:fld id="{DBD68779-2025-B44F-AD23-DF62F9874F1B}" type="datetime1">
               <a:rPr lang="en-US" smtClean="0"/>
-              <a:t>6/19/15</a:t>
+              <a:t>2/18/2020</a:t>
             </a:fld>
             <a:endParaRPr lang="en-US"/>
           </a:p>
@@ -2564,10 +2555,9 @@
           <a:lstStyle/>
           <a:p>
             <a:r>
-              <a:rPr lang="en-US" smtClean="0"/>
+              <a:rPr lang="en-US"/>
               <a:t>Developed by TEALS in 2015  www.tealsk12.org</a:t>
             </a:r>
-            <a:endParaRPr lang="en-US"/>
           </a:p>
         </p:txBody>
       </p:sp>
@@ -2649,10 +2639,9 @@
           </a:lstStyle>
           <a:p>
             <a:r>
-              <a:rPr lang="en-US" smtClean="0"/>
+              <a:rPr lang="en-US"/>
               <a:t>Click to edit Master title style</a:t>
             </a:r>
-            <a:endParaRPr lang="en-US"/>
           </a:p>
         </p:txBody>
       </p:sp>
@@ -2706,38 +2695,37 @@
           <a:p>
             <a:pPr lvl="0"/>
             <a:r>
-              <a:rPr lang="en-US" smtClean="0"/>
+              <a:rPr lang="en-US"/>
               <a:t>Click to edit Master text styles</a:t>
             </a:r>
           </a:p>
           <a:p>
             <a:pPr lvl="1"/>
             <a:r>
-              <a:rPr lang="en-US" smtClean="0"/>
+              <a:rPr lang="en-US"/>
               <a:t>Second level</a:t>
             </a:r>
           </a:p>
           <a:p>
             <a:pPr lvl="2"/>
             <a:r>
-              <a:rPr lang="en-US" smtClean="0"/>
+              <a:rPr lang="en-US"/>
               <a:t>Third level</a:t>
             </a:r>
           </a:p>
           <a:p>
             <a:pPr lvl="3"/>
             <a:r>
-              <a:rPr lang="en-US" smtClean="0"/>
+              <a:rPr lang="en-US"/>
               <a:t>Fourth level</a:t>
             </a:r>
           </a:p>
           <a:p>
             <a:pPr lvl="4"/>
             <a:r>
-              <a:rPr lang="en-US" smtClean="0"/>
+              <a:rPr lang="en-US"/>
               <a:t>Fifth level</a:t>
             </a:r>
-            <a:endParaRPr lang="en-US"/>
           </a:p>
         </p:txBody>
       </p:sp>
@@ -2800,7 +2788,7 @@
           <a:p>
             <a:pPr lvl="0"/>
             <a:r>
-              <a:rPr lang="en-US" smtClean="0"/>
+              <a:rPr lang="en-US"/>
               <a:t>Click to edit Master text styles</a:t>
             </a:r>
           </a:p>
@@ -2823,7 +2811,7 @@
           <a:p>
             <a:fld id="{1C533E1B-B859-DB4E-86F0-BE8C9C0ABFF7}" type="datetime1">
               <a:rPr lang="en-US" smtClean="0"/>
-              <a:t>6/19/15</a:t>
+              <a:t>2/18/2020</a:t>
             </a:fld>
             <a:endParaRPr lang="en-US"/>
           </a:p>
@@ -2845,10 +2833,9 @@
           <a:lstStyle/>
           <a:p>
             <a:r>
-              <a:rPr lang="en-US" smtClean="0"/>
+              <a:rPr lang="en-US"/>
               <a:t>Developed by TEALS in 2015  www.tealsk12.org</a:t>
             </a:r>
-            <a:endParaRPr lang="en-US"/>
           </a:p>
         </p:txBody>
       </p:sp>
@@ -2930,10 +2917,9 @@
           </a:lstStyle>
           <a:p>
             <a:r>
-              <a:rPr lang="en-US" smtClean="0"/>
+              <a:rPr lang="en-US"/>
               <a:t>Click to edit Master title style</a:t>
             </a:r>
-            <a:endParaRPr lang="en-US"/>
           </a:p>
         </p:txBody>
       </p:sp>
@@ -3057,7 +3043,7 @@
           <a:p>
             <a:pPr lvl="0"/>
             <a:r>
-              <a:rPr lang="en-US" smtClean="0"/>
+              <a:rPr lang="en-US"/>
               <a:t>Click to edit Master text styles</a:t>
             </a:r>
           </a:p>
@@ -3080,7 +3066,7 @@
           <a:p>
             <a:fld id="{AC1EAEA1-8470-6B4A-8D60-97578450ABB9}" type="datetime1">
               <a:rPr lang="en-US" smtClean="0"/>
-              <a:t>6/19/15</a:t>
+              <a:t>2/18/2020</a:t>
             </a:fld>
             <a:endParaRPr lang="en-US"/>
           </a:p>
@@ -3102,10 +3088,9 @@
           <a:lstStyle/>
           <a:p>
             <a:r>
-              <a:rPr lang="en-US" smtClean="0"/>
+              <a:rPr lang="en-US"/>
               <a:t>Developed by TEALS in 2015  www.tealsk12.org</a:t>
             </a:r>
-            <a:endParaRPr lang="en-US"/>
           </a:p>
         </p:txBody>
       </p:sp>
@@ -3193,10 +3178,9 @@
           <a:lstStyle/>
           <a:p>
             <a:r>
-              <a:rPr lang="en-US" smtClean="0"/>
+              <a:rPr lang="en-US"/>
               <a:t>Click to edit Master title style</a:t>
             </a:r>
-            <a:endParaRPr lang="en-US"/>
           </a:p>
         </p:txBody>
       </p:sp>
@@ -3227,38 +3211,37 @@
           <a:p>
             <a:pPr lvl="0"/>
             <a:r>
-              <a:rPr lang="en-US" smtClean="0"/>
+              <a:rPr lang="en-US"/>
               <a:t>Click to edit Master text styles</a:t>
             </a:r>
           </a:p>
           <a:p>
             <a:pPr lvl="1"/>
             <a:r>
-              <a:rPr lang="en-US" smtClean="0"/>
+              <a:rPr lang="en-US"/>
               <a:t>Second level</a:t>
             </a:r>
           </a:p>
           <a:p>
             <a:pPr lvl="2"/>
             <a:r>
-              <a:rPr lang="en-US" smtClean="0"/>
+              <a:rPr lang="en-US"/>
               <a:t>Third level</a:t>
             </a:r>
           </a:p>
           <a:p>
             <a:pPr lvl="3"/>
             <a:r>
-              <a:rPr lang="en-US" smtClean="0"/>
+              <a:rPr lang="en-US"/>
               <a:t>Fourth level</a:t>
             </a:r>
           </a:p>
           <a:p>
             <a:pPr lvl="4"/>
             <a:r>
-              <a:rPr lang="en-US" smtClean="0"/>
+              <a:rPr lang="en-US"/>
               <a:t>Fifth level</a:t>
             </a:r>
-            <a:endParaRPr lang="en-US"/>
           </a:p>
         </p:txBody>
       </p:sp>
@@ -3297,7 +3280,7 @@
           <a:p>
             <a:fld id="{EB2A284D-251E-7046-B0B7-6A85726BD855}" type="datetime1">
               <a:rPr lang="en-US" smtClean="0"/>
-              <a:t>6/19/15</a:t>
+              <a:t>2/18/2020</a:t>
             </a:fld>
             <a:endParaRPr lang="en-US"/>
           </a:p>
@@ -3337,10 +3320,9 @@
           </a:lstStyle>
           <a:p>
             <a:r>
-              <a:rPr lang="en-US" smtClean="0"/>
+              <a:rPr lang="en-US"/>
               <a:t>Developed by TEALS in 2015  www.tealsk12.org</a:t>
             </a:r>
-            <a:endParaRPr lang="en-US"/>
           </a:p>
         </p:txBody>
       </p:sp>
@@ -3695,22 +3677,17 @@
           <a:lstStyle/>
           <a:p>
             <a:r>
-              <a:rPr lang="en-US" b="1" dirty="0" smtClean="0"/>
+              <a:rPr lang="en-US" b="1" dirty="0"/>
               <a:t>Lesson 4.0 </a:t>
             </a:r>
             <a:r>
-              <a:rPr lang="en-US" dirty="0" smtClean="0">
+              <a:rPr lang="en-US" dirty="0">
                 <a:solidFill>
                   <a:srgbClr val="17B1AA"/>
                 </a:solidFill>
               </a:rPr>
               <a:t>Test Review and Reteach</a:t>
             </a:r>
-            <a:endParaRPr lang="en-US" dirty="0">
-              <a:solidFill>
-                <a:srgbClr val="17B1AA"/>
-              </a:solidFill>
-            </a:endParaRPr>
           </a:p>
         </p:txBody>
       </p:sp>
@@ -3739,34 +3716,29 @@
               </a:rPr>
               <a:t>Objectives </a:t>
             </a:r>
-            <a:endParaRPr lang="en-US" dirty="0" smtClean="0">
+          </a:p>
+          <a:p>
+            <a:pPr lvl="1"/>
+            <a:r>
+              <a:rPr lang="en-US" b="1" dirty="0"/>
+              <a:t>Re-learn or strengthen</a:t>
+            </a:r>
+            <a:r>
+              <a:rPr lang="en-US" dirty="0"/>
+              <a:t> content knowledge and skills from Unit 3.</a:t>
+            </a:r>
+            <a:endParaRPr lang="en-US" b="1" dirty="0"/>
+          </a:p>
+          <a:p>
+            <a:endParaRPr lang="en-US" dirty="0">
               <a:solidFill>
                 <a:srgbClr val="17B1AA"/>
               </a:solidFill>
             </a:endParaRPr>
           </a:p>
           <a:p>
-            <a:pPr lvl="1"/>
-            <a:r>
-              <a:rPr lang="en-US" b="1" dirty="0" smtClean="0"/>
-              <a:t>Re-learn or strengthen</a:t>
-            </a:r>
-            <a:r>
-              <a:rPr lang="en-US" dirty="0" smtClean="0"/>
-              <a:t> content knowledge and skills from Unit 3.</a:t>
-            </a:r>
-            <a:endParaRPr lang="en-US" b="1" dirty="0"/>
-          </a:p>
-          <a:p>
-            <a:endParaRPr lang="en-US" dirty="0" smtClean="0">
-              <a:solidFill>
-                <a:srgbClr val="17B1AA"/>
-              </a:solidFill>
-            </a:endParaRPr>
-          </a:p>
-          <a:p>
-            <a:r>
-              <a:rPr lang="en-US" dirty="0" smtClean="0">
+            <a:r>
+              <a:rPr lang="en-US" dirty="0">
                 <a:solidFill>
                   <a:srgbClr val="17B1AA"/>
                 </a:solidFill>
@@ -3777,11 +3749,11 @@
           <a:p>
             <a:pPr lvl="1"/>
             <a:r>
-              <a:rPr lang="en-US" b="1" dirty="0" smtClean="0"/>
+              <a:rPr lang="en-US" b="1" dirty="0"/>
               <a:t>Re-submit</a:t>
             </a:r>
             <a:r>
-              <a:rPr lang="en-US" dirty="0" smtClean="0"/>
+              <a:rPr lang="en-US" dirty="0"/>
               <a:t> test answers with updated corrections</a:t>
             </a:r>
             <a:endParaRPr lang="en-US" b="1" dirty="0"/>
@@ -3801,32 +3773,27 @@
               </a:rPr>
               <a:t>Homework </a:t>
             </a:r>
-            <a:endParaRPr lang="en-US" dirty="0" smtClean="0">
-              <a:solidFill>
-                <a:srgbClr val="17B1AA"/>
-              </a:solidFill>
-            </a:endParaRPr>
           </a:p>
           <a:p>
             <a:pPr lvl="1"/>
             <a:r>
-              <a:rPr lang="en-US" b="1" smtClean="0"/>
+              <a:rPr lang="en-US" b="1"/>
               <a:t>Read</a:t>
             </a:r>
             <a:r>
-              <a:rPr lang="en-US" smtClean="0"/>
+              <a:rPr lang="en-US"/>
               <a:t> HW 6.1</a:t>
             </a:r>
-            <a:endParaRPr lang="en-US" dirty="0" smtClean="0"/>
+            <a:endParaRPr lang="en-US" dirty="0"/>
           </a:p>
           <a:p>
             <a:pPr lvl="1"/>
             <a:r>
-              <a:rPr lang="en-US" b="1" dirty="0" smtClean="0"/>
+              <a:rPr lang="en-US" b="1" dirty="0"/>
               <a:t>Correct</a:t>
             </a:r>
             <a:r>
-              <a:rPr lang="en-US" dirty="0" smtClean="0"/>
+              <a:rPr lang="en-US" dirty="0"/>
               <a:t> any incorrect test answers by re-answering on a separate sheet of paper</a:t>
             </a:r>
             <a:endParaRPr lang="en-US" b="1" dirty="0"/>
@@ -3852,10 +3819,9 @@
           <a:lstStyle/>
           <a:p>
             <a:r>
-              <a:rPr lang="en-US" smtClean="0"/>
+              <a:rPr lang="en-US"/>
               <a:t>Developed by TEALS in 2015  www.tealsk12.org</a:t>
             </a:r>
-            <a:endParaRPr lang="en-US"/>
           </a:p>
         </p:txBody>
       </p:sp>
@@ -3905,11 +3871,11 @@
           <a:lstStyle/>
           <a:p>
             <a:r>
-              <a:rPr lang="en-US" b="1" dirty="0" smtClean="0"/>
+              <a:rPr lang="en-US" b="1" dirty="0"/>
               <a:t>Lesson 4.9 </a:t>
             </a:r>
             <a:r>
-              <a:rPr lang="en-US" dirty="0" smtClean="0">
+              <a:rPr lang="en-US" dirty="0">
                 <a:solidFill>
                   <a:srgbClr val="17B1AA"/>
                 </a:solidFill>
@@ -3917,7 +3883,7 @@
               <a:t>Magpie </a:t>
             </a:r>
             <a:r>
-              <a:rPr lang="en-US" dirty="0" err="1" smtClean="0">
+              <a:rPr lang="en-US" dirty="0" err="1">
                 <a:solidFill>
                   <a:srgbClr val="17B1AA"/>
                 </a:solidFill>
@@ -3925,18 +3891,13 @@
               <a:t>Chatbot</a:t>
             </a:r>
             <a:r>
-              <a:rPr lang="en-US" dirty="0" smtClean="0">
+              <a:rPr lang="en-US" dirty="0">
                 <a:solidFill>
                   <a:srgbClr val="17B1AA"/>
                 </a:solidFill>
               </a:rPr>
               <a:t> Lab</a:t>
             </a:r>
-            <a:endParaRPr lang="en-US" dirty="0">
-              <a:solidFill>
-                <a:srgbClr val="17B1AA"/>
-              </a:solidFill>
-            </a:endParaRPr>
           </a:p>
         </p:txBody>
       </p:sp>
@@ -3965,11 +3926,6 @@
               </a:rPr>
               <a:t>Objectives </a:t>
             </a:r>
-            <a:endParaRPr lang="en-US" dirty="0" smtClean="0">
-              <a:solidFill>
-                <a:srgbClr val="17B1AA"/>
-              </a:solidFill>
-            </a:endParaRPr>
           </a:p>
           <a:p>
             <a:pPr lvl="1"/>
@@ -4005,11 +3961,6 @@
               </a:rPr>
               <a:t>Assessments </a:t>
             </a:r>
-            <a:endParaRPr lang="en-US" dirty="0" smtClean="0">
-              <a:solidFill>
-                <a:srgbClr val="17B1AA"/>
-              </a:solidFill>
-            </a:endParaRPr>
           </a:p>
           <a:p>
             <a:pPr lvl="1"/>
@@ -4064,11 +4015,6 @@
               </a:rPr>
               <a:t>Homework </a:t>
             </a:r>
-            <a:endParaRPr lang="en-US" dirty="0" smtClean="0">
-              <a:solidFill>
-                <a:srgbClr val="17B1AA"/>
-              </a:solidFill>
-            </a:endParaRPr>
           </a:p>
           <a:p>
             <a:pPr lvl="1"/>
@@ -4103,10 +4049,9 @@
           <a:lstStyle/>
           <a:p>
             <a:r>
-              <a:rPr lang="en-US" smtClean="0"/>
+              <a:rPr lang="en-US"/>
               <a:t>Developed by TEALS in 2015  www.tealsk12.org</a:t>
             </a:r>
-            <a:endParaRPr lang="en-US"/>
           </a:p>
         </p:txBody>
       </p:sp>
@@ -4156,22 +4101,17 @@
           <a:lstStyle/>
           <a:p>
             <a:r>
-              <a:rPr lang="en-US" b="1" dirty="0" smtClean="0"/>
+              <a:rPr lang="en-US" b="1" dirty="0"/>
               <a:t>Lesson 4.10 </a:t>
             </a:r>
             <a:r>
-              <a:rPr lang="en-US" dirty="0" smtClean="0">
+              <a:rPr lang="en-US" dirty="0">
                 <a:solidFill>
                   <a:srgbClr val="17B1AA"/>
                 </a:solidFill>
               </a:rPr>
               <a:t>Review</a:t>
             </a:r>
-            <a:endParaRPr lang="en-US" dirty="0">
-              <a:solidFill>
-                <a:srgbClr val="17B1AA"/>
-              </a:solidFill>
-            </a:endParaRPr>
           </a:p>
         </p:txBody>
       </p:sp>
@@ -4200,41 +4140,16 @@
               </a:rPr>
               <a:t>Objectives </a:t>
             </a:r>
-            <a:endParaRPr lang="en-US" dirty="0" smtClean="0">
-              <a:solidFill>
-                <a:srgbClr val="17B1AA"/>
-              </a:solidFill>
-            </a:endParaRPr>
           </a:p>
           <a:p>
             <a:pPr lvl="1"/>
             <a:r>
-              <a:rPr lang="en-US" b="1" dirty="0" smtClean="0"/>
+              <a:rPr lang="en-US" b="1" dirty="0"/>
               <a:t>Identify</a:t>
             </a:r>
             <a:r>
-              <a:rPr lang="en-US" dirty="0" smtClean="0"/>
-              <a:t> </a:t>
-            </a:r>
-            <a:r>
               <a:rPr lang="en-US" dirty="0"/>
-              <a:t>weaknesses in </a:t>
-            </a:r>
-            <a:r>
-              <a:rPr lang="en-US" dirty="0" smtClean="0"/>
-              <a:t>Unit </a:t>
-            </a:r>
-            <a:r>
-              <a:rPr lang="en-US" dirty="0"/>
-              <a:t>4</a:t>
-            </a:r>
-            <a:r>
-              <a:rPr lang="en-US" dirty="0" smtClean="0"/>
-              <a:t> </a:t>
-            </a:r>
-            <a:r>
-              <a:rPr lang="en-US" dirty="0"/>
-              <a:t>knowledge.</a:t>
+              <a:t> weaknesses in Unit 4 knowledge.</a:t>
             </a:r>
           </a:p>
           <a:p>
@@ -4252,25 +4167,16 @@
               </a:rPr>
               <a:t>Assessments </a:t>
             </a:r>
-            <a:endParaRPr lang="en-US" dirty="0" smtClean="0">
-              <a:solidFill>
-                <a:srgbClr val="17B1AA"/>
-              </a:solidFill>
-            </a:endParaRPr>
           </a:p>
           <a:p>
             <a:pPr lvl="1"/>
             <a:r>
-              <a:rPr lang="en-US" b="1" dirty="0" smtClean="0"/>
+              <a:rPr lang="en-US" b="1" dirty="0"/>
               <a:t>Create</a:t>
             </a:r>
             <a:r>
-              <a:rPr lang="en-US" dirty="0" smtClean="0"/>
-              <a:t> </a:t>
-            </a:r>
-            <a:r>
               <a:rPr lang="en-US" dirty="0"/>
-              <a:t>a personalized list of review topics to guide tonight’s study session.</a:t>
+              <a:t> a personalized list of review topics to guide tonight’s study session.</a:t>
             </a:r>
           </a:p>
           <a:p>
@@ -4288,25 +4194,16 @@
               </a:rPr>
               <a:t>Homework </a:t>
             </a:r>
-            <a:endParaRPr lang="en-US" dirty="0" smtClean="0">
-              <a:solidFill>
-                <a:srgbClr val="17B1AA"/>
-              </a:solidFill>
-            </a:endParaRPr>
           </a:p>
           <a:p>
             <a:pPr lvl="1"/>
             <a:r>
-              <a:rPr lang="en-US" b="1" dirty="0" smtClean="0"/>
+              <a:rPr lang="en-US" b="1" dirty="0"/>
               <a:t>Study</a:t>
             </a:r>
             <a:r>
-              <a:rPr lang="en-US" dirty="0" smtClean="0"/>
-              <a:t> </a:t>
-            </a:r>
-            <a:r>
               <a:rPr lang="en-US" dirty="0"/>
-              <a:t>for tomorrow’s test!</a:t>
+              <a:t> for tomorrow’s test!</a:t>
             </a:r>
           </a:p>
           <a:p>
@@ -4330,10 +4227,9 @@
           <a:lstStyle/>
           <a:p>
             <a:r>
-              <a:rPr lang="en-US" smtClean="0"/>
+              <a:rPr lang="en-US"/>
               <a:t>Developed by TEALS in 2015  www.tealsk12.org</a:t>
             </a:r>
-            <a:endParaRPr lang="en-US"/>
           </a:p>
         </p:txBody>
       </p:sp>
@@ -4385,22 +4281,17 @@
           <a:lstStyle/>
           <a:p>
             <a:r>
-              <a:rPr lang="en-US" b="1" dirty="0" smtClean="0"/>
+              <a:rPr lang="en-US" b="1" dirty="0"/>
               <a:t>Lesson 4.1 </a:t>
             </a:r>
             <a:r>
-              <a:rPr lang="en-US" dirty="0" smtClean="0">
+              <a:rPr lang="en-US" dirty="0">
                 <a:solidFill>
                   <a:srgbClr val="17B1AA"/>
                 </a:solidFill>
               </a:rPr>
               <a:t>Array Basics</a:t>
             </a:r>
-            <a:endParaRPr lang="en-US" dirty="0">
-              <a:solidFill>
-                <a:srgbClr val="17B1AA"/>
-              </a:solidFill>
-            </a:endParaRPr>
           </a:p>
         </p:txBody>
       </p:sp>
@@ -4429,33 +4320,28 @@
               </a:rPr>
               <a:t>Objectives </a:t>
             </a:r>
-            <a:endParaRPr lang="en-US" dirty="0" smtClean="0">
+          </a:p>
+          <a:p>
+            <a:pPr lvl="1"/>
+            <a:r>
+              <a:rPr lang="en-US" b="1" dirty="0"/>
+              <a:t>Define, populate, and access</a:t>
+            </a:r>
+            <a:r>
+              <a:rPr lang="en-US" dirty="0"/>
+              <a:t> arrays.</a:t>
+            </a:r>
+          </a:p>
+          <a:p>
+            <a:endParaRPr lang="en-US" dirty="0">
               <a:solidFill>
                 <a:srgbClr val="17B1AA"/>
               </a:solidFill>
             </a:endParaRPr>
           </a:p>
           <a:p>
-            <a:pPr lvl="1"/>
-            <a:r>
-              <a:rPr lang="en-US" b="1" dirty="0"/>
-              <a:t>Define, populate, and access</a:t>
-            </a:r>
-            <a:r>
-              <a:rPr lang="en-US" dirty="0"/>
-              <a:t> arrays.</a:t>
-            </a:r>
-          </a:p>
-          <a:p>
-            <a:endParaRPr lang="en-US" dirty="0" smtClean="0">
-              <a:solidFill>
-                <a:srgbClr val="17B1AA"/>
-              </a:solidFill>
-            </a:endParaRPr>
-          </a:p>
-          <a:p>
-            <a:r>
-              <a:rPr lang="en-US" dirty="0" smtClean="0">
+            <a:r>
+              <a:rPr lang="en-US" dirty="0">
                 <a:solidFill>
                   <a:srgbClr val="17B1AA"/>
                 </a:solidFill>
@@ -4497,11 +4383,6 @@
               </a:rPr>
               <a:t>Homework </a:t>
             </a:r>
-            <a:endParaRPr lang="en-US" dirty="0" smtClean="0">
-              <a:solidFill>
-                <a:srgbClr val="17B1AA"/>
-              </a:solidFill>
-            </a:endParaRPr>
           </a:p>
           <a:p>
             <a:pPr lvl="1"/>
@@ -4546,10 +4427,9 @@
           <a:lstStyle/>
           <a:p>
             <a:r>
-              <a:rPr lang="en-US" smtClean="0"/>
+              <a:rPr lang="en-US"/>
               <a:t>Developed by TEALS in 2015  www.tealsk12.org</a:t>
             </a:r>
-            <a:endParaRPr lang="en-US"/>
           </a:p>
         </p:txBody>
       </p:sp>
@@ -4601,22 +4481,17 @@
           <a:lstStyle/>
           <a:p>
             <a:r>
-              <a:rPr lang="en-US" b="1" dirty="0" smtClean="0"/>
+              <a:rPr lang="en-US" b="1" dirty="0"/>
               <a:t>Lesson 4.2 </a:t>
             </a:r>
             <a:r>
-              <a:rPr lang="en-US" dirty="0" smtClean="0">
+              <a:rPr lang="en-US" dirty="0">
                 <a:solidFill>
                   <a:srgbClr val="17B1AA"/>
                 </a:solidFill>
               </a:rPr>
               <a:t>For-Each Loop &amp; Arrays Class</a:t>
             </a:r>
-            <a:endParaRPr lang="en-US" dirty="0">
-              <a:solidFill>
-                <a:srgbClr val="17B1AA"/>
-              </a:solidFill>
-            </a:endParaRPr>
           </a:p>
         </p:txBody>
       </p:sp>
@@ -4645,11 +4520,6 @@
               </a:rPr>
               <a:t>Objectives </a:t>
             </a:r>
-            <a:endParaRPr lang="en-US" dirty="0" smtClean="0">
-              <a:solidFill>
-                <a:srgbClr val="17B1AA"/>
-              </a:solidFill>
-            </a:endParaRPr>
           </a:p>
           <a:p>
             <a:pPr lvl="1"/>
@@ -4677,11 +4547,6 @@
               </a:rPr>
               <a:t>Assessments </a:t>
             </a:r>
-            <a:endParaRPr lang="en-US" dirty="0" smtClean="0">
-              <a:solidFill>
-                <a:srgbClr val="17B1AA"/>
-              </a:solidFill>
-            </a:endParaRPr>
           </a:p>
           <a:p>
             <a:pPr lvl="1"/>
@@ -4715,11 +4580,6 @@
               </a:rPr>
               <a:t>Homework </a:t>
             </a:r>
-            <a:endParaRPr lang="en-US" dirty="0" smtClean="0">
-              <a:solidFill>
-                <a:srgbClr val="17B1AA"/>
-              </a:solidFill>
-            </a:endParaRPr>
           </a:p>
           <a:p>
             <a:pPr lvl="1"/>
@@ -4764,10 +4624,9 @@
           <a:lstStyle/>
           <a:p>
             <a:r>
-              <a:rPr lang="en-US" smtClean="0"/>
+              <a:rPr lang="en-US"/>
               <a:t>Developed by TEALS in 2015  www.tealsk12.org</a:t>
             </a:r>
-            <a:endParaRPr lang="en-US"/>
           </a:p>
         </p:txBody>
       </p:sp>
@@ -4819,22 +4678,17 @@
           <a:lstStyle/>
           <a:p>
             <a:r>
-              <a:rPr lang="en-US" b="1" dirty="0" smtClean="0"/>
+              <a:rPr lang="en-US" b="1" dirty="0"/>
               <a:t>Lesson 4.3 </a:t>
             </a:r>
             <a:r>
-              <a:rPr lang="en-US" dirty="0" smtClean="0">
+              <a:rPr lang="en-US" dirty="0">
                 <a:solidFill>
                   <a:srgbClr val="17B1AA"/>
                 </a:solidFill>
               </a:rPr>
               <a:t>Printing, Searching, &amp; Testing for Equality</a:t>
             </a:r>
-            <a:endParaRPr lang="en-US" dirty="0">
-              <a:solidFill>
-                <a:srgbClr val="17B1AA"/>
-              </a:solidFill>
-            </a:endParaRPr>
           </a:p>
         </p:txBody>
       </p:sp>
@@ -4863,33 +4717,28 @@
               </a:rPr>
               <a:t>Objectives </a:t>
             </a:r>
-            <a:endParaRPr lang="en-US" dirty="0" smtClean="0">
+          </a:p>
+          <a:p>
+            <a:pPr lvl="1"/>
+            <a:r>
+              <a:rPr lang="en-US" b="1" dirty="0"/>
+              <a:t>Manipulate</a:t>
+            </a:r>
+            <a:r>
+              <a:rPr lang="en-US" dirty="0"/>
+              <a:t> single-dimension arrays using a variety of array transversal algorithms.</a:t>
+            </a:r>
+          </a:p>
+          <a:p>
+            <a:endParaRPr lang="en-US" dirty="0">
               <a:solidFill>
                 <a:srgbClr val="17B1AA"/>
               </a:solidFill>
             </a:endParaRPr>
           </a:p>
           <a:p>
-            <a:pPr lvl="1"/>
-            <a:r>
-              <a:rPr lang="en-US" b="1" dirty="0"/>
-              <a:t>Manipulate</a:t>
-            </a:r>
-            <a:r>
-              <a:rPr lang="en-US" dirty="0"/>
-              <a:t> single-dimension arrays using a variety of array transversal algorithms.</a:t>
-            </a:r>
-          </a:p>
-          <a:p>
-            <a:endParaRPr lang="en-US" dirty="0" smtClean="0">
-              <a:solidFill>
-                <a:srgbClr val="17B1AA"/>
-              </a:solidFill>
-            </a:endParaRPr>
-          </a:p>
-          <a:p>
-            <a:r>
-              <a:rPr lang="en-US" dirty="0" smtClean="0">
+            <a:r>
+              <a:rPr lang="en-US" dirty="0">
                 <a:solidFill>
                   <a:srgbClr val="17B1AA"/>
                 </a:solidFill>
@@ -4934,11 +4783,6 @@
               </a:rPr>
               <a:t>Homework </a:t>
             </a:r>
-            <a:endParaRPr lang="en-US" dirty="0" smtClean="0">
-              <a:solidFill>
-                <a:srgbClr val="17B1AA"/>
-              </a:solidFill>
-            </a:endParaRPr>
           </a:p>
           <a:p>
             <a:pPr lvl="1"/>
@@ -4983,10 +4827,9 @@
           <a:lstStyle/>
           <a:p>
             <a:r>
-              <a:rPr lang="en-US" smtClean="0"/>
+              <a:rPr lang="en-US"/>
               <a:t>Developed by TEALS in 2015  www.tealsk12.org</a:t>
             </a:r>
-            <a:endParaRPr lang="en-US"/>
           </a:p>
         </p:txBody>
       </p:sp>
@@ -5038,22 +4881,17 @@
           <a:lstStyle/>
           <a:p>
             <a:r>
-              <a:rPr lang="en-US" b="1" dirty="0" smtClean="0"/>
+              <a:rPr lang="en-US" b="1" dirty="0"/>
               <a:t>Lesson 4.4 </a:t>
             </a:r>
             <a:r>
-              <a:rPr lang="en-US" dirty="0" smtClean="0">
+              <a:rPr lang="en-US" dirty="0">
                 <a:solidFill>
                   <a:srgbClr val="17B1AA"/>
                 </a:solidFill>
               </a:rPr>
               <a:t>Reference Semantics</a:t>
             </a:r>
-            <a:endParaRPr lang="en-US" dirty="0">
-              <a:solidFill>
-                <a:srgbClr val="17B1AA"/>
-              </a:solidFill>
-            </a:endParaRPr>
           </a:p>
         </p:txBody>
       </p:sp>
@@ -5082,11 +4920,6 @@
               </a:rPr>
               <a:t>Objectives </a:t>
             </a:r>
-            <a:endParaRPr lang="en-US" dirty="0" smtClean="0">
-              <a:solidFill>
-                <a:srgbClr val="17B1AA"/>
-              </a:solidFill>
-            </a:endParaRPr>
           </a:p>
           <a:p>
             <a:pPr lvl="1"/>
@@ -5114,11 +4947,6 @@
               </a:rPr>
               <a:t>Assessments </a:t>
             </a:r>
-            <a:endParaRPr lang="en-US" dirty="0" smtClean="0">
-              <a:solidFill>
-                <a:srgbClr val="17B1AA"/>
-              </a:solidFill>
-            </a:endParaRPr>
           </a:p>
           <a:p>
             <a:pPr lvl="1"/>
@@ -5157,11 +4985,6 @@
               </a:rPr>
               <a:t>Homework </a:t>
             </a:r>
-            <a:endParaRPr lang="en-US" dirty="0" smtClean="0">
-              <a:solidFill>
-                <a:srgbClr val="17B1AA"/>
-              </a:solidFill>
-            </a:endParaRPr>
           </a:p>
           <a:p>
             <a:pPr lvl="1"/>
@@ -5206,10 +5029,9 @@
           <a:lstStyle/>
           <a:p>
             <a:r>
-              <a:rPr lang="en-US" smtClean="0"/>
+              <a:rPr lang="en-US"/>
               <a:t>Developed by TEALS in 2015  www.tealsk12.org</a:t>
             </a:r>
-            <a:endParaRPr lang="en-US"/>
           </a:p>
         </p:txBody>
       </p:sp>
@@ -5261,22 +5083,17 @@
           <a:lstStyle/>
           <a:p>
             <a:r>
-              <a:rPr lang="en-US" b="1" dirty="0" smtClean="0"/>
+              <a:rPr lang="en-US" b="1" dirty="0"/>
               <a:t>Lesson 4.5 </a:t>
             </a:r>
             <a:r>
-              <a:rPr lang="en-US" dirty="0" smtClean="0">
+              <a:rPr lang="en-US" dirty="0">
                 <a:solidFill>
                   <a:srgbClr val="17B1AA"/>
                 </a:solidFill>
               </a:rPr>
               <a:t>Shifting Values &amp; Arrays of Objects</a:t>
             </a:r>
-            <a:endParaRPr lang="en-US" dirty="0">
-              <a:solidFill>
-                <a:srgbClr val="17B1AA"/>
-              </a:solidFill>
-            </a:endParaRPr>
           </a:p>
         </p:txBody>
       </p:sp>
@@ -5293,7 +5110,7 @@
         <p:spPr/>
         <p:txBody>
           <a:bodyPr>
-            <a:normAutofit fontScale="77500" lnSpcReduction="20000"/>
+            <a:normAutofit fontScale="85000" lnSpcReduction="20000"/>
           </a:bodyPr>
           <a:lstStyle/>
           <a:p>
@@ -5305,11 +5122,6 @@
               </a:rPr>
               <a:t>Objectives </a:t>
             </a:r>
-            <a:endParaRPr lang="en-US" dirty="0" smtClean="0">
-              <a:solidFill>
-                <a:srgbClr val="17B1AA"/>
-              </a:solidFill>
-            </a:endParaRPr>
           </a:p>
           <a:p>
             <a:pPr lvl="1"/>
@@ -5348,32 +5160,20 @@
               </a:rPr>
               <a:t>Assessments </a:t>
             </a:r>
-            <a:endParaRPr lang="en-US" dirty="0" smtClean="0">
-              <a:solidFill>
-                <a:srgbClr val="17B1AA"/>
-              </a:solidFill>
-            </a:endParaRPr>
           </a:p>
           <a:p>
             <a:pPr lvl="1"/>
             <a:r>
-              <a:rPr lang="en-US" b="1" dirty="0"/>
-              <a:t>Complete</a:t>
+              <a:rPr lang="en-US" b="1"/>
+              <a:t>Model</a:t>
+            </a:r>
+            <a:r>
+              <a:rPr lang="en-US"/>
+              <a:t> </a:t>
             </a:r>
             <a:r>
               <a:rPr lang="en-US" dirty="0"/>
-              <a:t> Practice-It questions</a:t>
-            </a:r>
-          </a:p>
-          <a:p>
-            <a:pPr lvl="1"/>
-            <a:r>
-              <a:rPr lang="en-US" b="1" dirty="0"/>
-              <a:t>Model</a:t>
-            </a:r>
-            <a:r>
-              <a:rPr lang="en-US" dirty="0"/>
-              <a:t> memory manipulation using array whiteboards</a:t>
+              <a:t>memory manipulation using array whiteboards</a:t>
             </a:r>
           </a:p>
           <a:p>
@@ -5391,11 +5191,6 @@
               </a:rPr>
               <a:t>Homework </a:t>
             </a:r>
-            <a:endParaRPr lang="en-US" dirty="0" smtClean="0">
-              <a:solidFill>
-                <a:srgbClr val="17B1AA"/>
-              </a:solidFill>
-            </a:endParaRPr>
           </a:p>
           <a:p>
             <a:pPr lvl="1"/>
@@ -5440,10 +5235,9 @@
           <a:lstStyle/>
           <a:p>
             <a:r>
-              <a:rPr lang="en-US" smtClean="0"/>
+              <a:rPr lang="en-US"/>
               <a:t>Developed by TEALS in 2015  www.tealsk12.org</a:t>
             </a:r>
-            <a:endParaRPr lang="en-US"/>
           </a:p>
         </p:txBody>
       </p:sp>
@@ -5495,30 +5289,17 @@
           <a:lstStyle/>
           <a:p>
             <a:r>
-              <a:rPr lang="en-US" b="1" dirty="0" smtClean="0"/>
-              <a:t>Lesson </a:t>
-            </a:r>
-            <a:r>
               <a:rPr lang="en-US" b="1" dirty="0"/>
-              <a:t>4</a:t>
-            </a:r>
-            <a:r>
-              <a:rPr lang="en-US" b="1" dirty="0" smtClean="0"/>
-              <a:t>.6 </a:t>
-            </a:r>
-            <a:r>
-              <a:rPr lang="en-US" dirty="0" smtClean="0">
+              <a:t>Lesson 4.6 </a:t>
+            </a:r>
+            <a:r>
+              <a:rPr lang="en-US" dirty="0">
                 <a:solidFill>
                   <a:srgbClr val="17B1AA"/>
                 </a:solidFill>
               </a:rPr>
               <a:t>Nested Loop Algorithms &amp; Rectangular Arrays</a:t>
             </a:r>
-            <a:endParaRPr lang="en-US" dirty="0">
-              <a:solidFill>
-                <a:srgbClr val="17B1AA"/>
-              </a:solidFill>
-            </a:endParaRPr>
           </a:p>
         </p:txBody>
       </p:sp>
@@ -5547,44 +5328,39 @@
               </a:rPr>
               <a:t>Objectives </a:t>
             </a:r>
-            <a:endParaRPr lang="en-US" dirty="0" smtClean="0">
+          </a:p>
+          <a:p>
+            <a:pPr lvl="1"/>
+            <a:r>
+              <a:rPr lang="en-US" b="1" dirty="0"/>
+              <a:t>Correctly adjust</a:t>
+            </a:r>
+            <a:r>
+              <a:rPr lang="en-US" dirty="0"/>
+              <a:t> nested loop headers for use with arrays.</a:t>
+            </a:r>
+          </a:p>
+          <a:p>
+            <a:pPr lvl="1"/>
+            <a:r>
+              <a:rPr lang="en-US" b="1" dirty="0"/>
+              <a:t>Correctly construct</a:t>
+            </a:r>
+            <a:r>
+              <a:rPr lang="en-US" dirty="0"/>
+              <a:t> two-dimensional arrays.</a:t>
+            </a:r>
+          </a:p>
+          <a:p>
+            <a:endParaRPr lang="en-US" dirty="0">
               <a:solidFill>
                 <a:srgbClr val="17B1AA"/>
               </a:solidFill>
             </a:endParaRPr>
           </a:p>
           <a:p>
-            <a:pPr lvl="1"/>
-            <a:r>
-              <a:rPr lang="en-US" b="1" dirty="0"/>
-              <a:t>Correctly adjust</a:t>
-            </a:r>
-            <a:r>
-              <a:rPr lang="en-US" dirty="0"/>
-              <a:t> nested loop headers for use with arrays.</a:t>
-            </a:r>
-          </a:p>
-          <a:p>
-            <a:pPr lvl="1"/>
-            <a:r>
-              <a:rPr lang="en-US" b="1" dirty="0"/>
-              <a:t>Correctly construct</a:t>
-            </a:r>
-            <a:r>
-              <a:rPr lang="en-US" dirty="0"/>
-              <a:t> two-dimensional arrays.</a:t>
-            </a:r>
-          </a:p>
-          <a:p>
-            <a:endParaRPr lang="en-US" dirty="0" smtClean="0">
-              <a:solidFill>
-                <a:srgbClr val="17B1AA"/>
-              </a:solidFill>
-            </a:endParaRPr>
-          </a:p>
-          <a:p>
-            <a:r>
-              <a:rPr lang="en-US" dirty="0" smtClean="0">
+            <a:r>
+              <a:rPr lang="en-US" dirty="0">
                 <a:solidFill>
                   <a:srgbClr val="17B1AA"/>
                 </a:solidFill>
@@ -5618,11 +5394,6 @@
               </a:rPr>
               <a:t>Homework </a:t>
             </a:r>
-            <a:endParaRPr lang="en-US" dirty="0" smtClean="0">
-              <a:solidFill>
-                <a:srgbClr val="17B1AA"/>
-              </a:solidFill>
-            </a:endParaRPr>
           </a:p>
           <a:p>
             <a:pPr lvl="1"/>
@@ -5635,7 +5406,7 @@
               <a:t> HW 10.1 up to “Adding to and Removing from an </a:t>
             </a:r>
             <a:r>
-              <a:rPr lang="en-US" dirty="0" err="1" smtClean="0"/>
+              <a:rPr lang="en-US" dirty="0" err="1"/>
               <a:t>ArrayList</a:t>
             </a:r>
             <a:r>
@@ -5675,10 +5446,9 @@
           <a:lstStyle/>
           <a:p>
             <a:r>
-              <a:rPr lang="en-US" smtClean="0"/>
+              <a:rPr lang="en-US"/>
               <a:t>Developed by TEALS in 2015  www.tealsk12.org</a:t>
             </a:r>
-            <a:endParaRPr lang="en-US"/>
           </a:p>
         </p:txBody>
       </p:sp>
@@ -5728,11 +5498,11 @@
           <a:lstStyle/>
           <a:p>
             <a:r>
-              <a:rPr lang="en-US" b="1" dirty="0" smtClean="0"/>
+              <a:rPr lang="en-US" b="1" dirty="0"/>
               <a:t>Lesson 4.7 </a:t>
             </a:r>
             <a:r>
-              <a:rPr lang="en-US" dirty="0" err="1" smtClean="0">
+              <a:rPr lang="en-US" dirty="0" err="1">
                 <a:solidFill>
                   <a:srgbClr val="17B1AA"/>
                 </a:solidFill>
@@ -5772,11 +5542,6 @@
               </a:rPr>
               <a:t>Objectives </a:t>
             </a:r>
-            <a:endParaRPr lang="en-US" dirty="0" smtClean="0">
-              <a:solidFill>
-                <a:srgbClr val="17B1AA"/>
-              </a:solidFill>
-            </a:endParaRPr>
           </a:p>
           <a:p>
             <a:pPr lvl="1"/>
@@ -5823,11 +5588,6 @@
               </a:rPr>
               <a:t>Assessments </a:t>
             </a:r>
-            <a:endParaRPr lang="en-US" dirty="0" smtClean="0">
-              <a:solidFill>
-                <a:srgbClr val="17B1AA"/>
-              </a:solidFill>
-            </a:endParaRPr>
           </a:p>
           <a:p>
             <a:pPr lvl="1"/>
@@ -5868,11 +5628,6 @@
               </a:rPr>
               <a:t>Homework </a:t>
             </a:r>
-            <a:endParaRPr lang="en-US" dirty="0" smtClean="0">
-              <a:solidFill>
-                <a:srgbClr val="17B1AA"/>
-              </a:solidFill>
-            </a:endParaRPr>
           </a:p>
           <a:p>
             <a:pPr lvl="1"/>
@@ -5925,10 +5680,9 @@
           <a:lstStyle/>
           <a:p>
             <a:r>
-              <a:rPr lang="en-US" smtClean="0"/>
+              <a:rPr lang="en-US"/>
               <a:t>Developed by TEALS in 2015  www.tealsk12.org</a:t>
             </a:r>
-            <a:endParaRPr lang="en-US"/>
           </a:p>
         </p:txBody>
       </p:sp>
@@ -5980,22 +5734,17 @@
           <a:lstStyle/>
           <a:p>
             <a:r>
-              <a:rPr lang="en-US" b="1" dirty="0" smtClean="0"/>
+              <a:rPr lang="en-US" b="1" dirty="0"/>
               <a:t>Lesson 4.8 </a:t>
             </a:r>
             <a:r>
-              <a:rPr lang="en-US" dirty="0" smtClean="0">
+              <a:rPr lang="en-US" dirty="0">
                 <a:solidFill>
                   <a:srgbClr val="17B1AA"/>
                 </a:solidFill>
               </a:rPr>
               <a:t>Finding and Fixing Errors</a:t>
             </a:r>
-            <a:endParaRPr lang="en-US" dirty="0">
-              <a:solidFill>
-                <a:srgbClr val="17B1AA"/>
-              </a:solidFill>
-            </a:endParaRPr>
           </a:p>
         </p:txBody>
       </p:sp>
@@ -6024,31 +5773,26 @@
               </a:rPr>
               <a:t>Objectives </a:t>
             </a:r>
-            <a:endParaRPr lang="en-US" dirty="0" smtClean="0">
-              <a:solidFill>
-                <a:srgbClr val="17B1AA"/>
-              </a:solidFill>
-            </a:endParaRPr>
           </a:p>
           <a:p>
             <a:pPr lvl="1"/>
             <a:r>
-              <a:rPr lang="en-US" b="1" dirty="0" smtClean="0"/>
+              <a:rPr lang="en-US" b="1" dirty="0"/>
               <a:t>Find</a:t>
             </a:r>
             <a:r>
-              <a:rPr lang="en-US" dirty="0" smtClean="0"/>
+              <a:rPr lang="en-US" dirty="0"/>
               <a:t> errors in returned homework assignments.</a:t>
             </a:r>
           </a:p>
           <a:p>
             <a:pPr lvl="1"/>
             <a:r>
-              <a:rPr lang="en-US" b="1" dirty="0" smtClean="0"/>
+              <a:rPr lang="en-US" b="1" dirty="0"/>
               <a:t>Correct</a:t>
             </a:r>
             <a:r>
-              <a:rPr lang="en-US" dirty="0" smtClean="0"/>
+              <a:rPr lang="en-US" dirty="0"/>
               <a:t> code</a:t>
             </a:r>
             <a:endParaRPr lang="en-US" b="1" dirty="0"/>
@@ -6068,11 +5812,6 @@
               </a:rPr>
               <a:t>Assessments </a:t>
             </a:r>
-            <a:endParaRPr lang="en-US" dirty="0" smtClean="0">
-              <a:solidFill>
-                <a:srgbClr val="17B1AA"/>
-              </a:solidFill>
-            </a:endParaRPr>
           </a:p>
           <a:p>
             <a:pPr lvl="1"/>
@@ -6082,13 +5821,8 @@
             </a:r>
             <a:r>
               <a:rPr lang="en-US" dirty="0"/>
-              <a:t> all homework assignments with corrected </a:t>
-            </a:r>
-            <a:r>
-              <a:rPr lang="en-US" dirty="0" smtClean="0"/>
-              <a:t>answers.</a:t>
-            </a:r>
-            <a:endParaRPr lang="en-US" dirty="0"/>
+              <a:t> all homework assignments with corrected answers.</a:t>
+            </a:r>
           </a:p>
           <a:p>
             <a:pPr marL="0" indent="0">
@@ -6105,25 +5839,16 @@
               </a:rPr>
               <a:t>Homework </a:t>
             </a:r>
-            <a:endParaRPr lang="en-US" dirty="0" smtClean="0">
-              <a:solidFill>
-                <a:srgbClr val="17B1AA"/>
-              </a:solidFill>
-            </a:endParaRPr>
           </a:p>
           <a:p>
             <a:pPr lvl="1"/>
             <a:r>
-              <a:rPr lang="en-US" b="1" dirty="0" smtClean="0"/>
+              <a:rPr lang="en-US" b="1" dirty="0"/>
               <a:t>Review</a:t>
             </a:r>
             <a:r>
-              <a:rPr lang="en-US" dirty="0" smtClean="0"/>
-              <a:t> materials for the Magpie Lab by</a:t>
-            </a:r>
-            <a:r>
               <a:rPr lang="en-US" dirty="0"/>
-              <a:t>:</a:t>
+              <a:t> materials for the Magpie Lab by:</a:t>
             </a:r>
           </a:p>
           <a:p>
@@ -6134,32 +5859,23 @@
             </a:r>
             <a:r>
               <a:rPr lang="en-US" dirty="0"/>
-              <a:t> all the blue pages at the end of Chapter </a:t>
-            </a:r>
-            <a:r>
-              <a:rPr lang="en-US" dirty="0" smtClean="0"/>
-              <a:t>7 and Chapter 10 (10.1)</a:t>
-            </a:r>
+              <a:t> all the blue pages at the end of Chapter 7 and Chapter 10 (10.1)</a:t>
+            </a:r>
+          </a:p>
+          <a:p>
+            <a:pPr lvl="1"/>
+            <a:r>
+              <a:rPr lang="en-US" b="1" dirty="0"/>
+              <a:t>Submit</a:t>
+            </a:r>
+            <a:r>
+              <a:rPr lang="en-US" dirty="0"/>
+              <a:t> 5 questions for review in class tomorrow using electronic survey</a:t>
+            </a:r>
+          </a:p>
+          <a:p>
             <a:endParaRPr lang="en-US" dirty="0"/>
           </a:p>
-          <a:p>
-            <a:pPr lvl="1"/>
-            <a:r>
-              <a:rPr lang="en-US" b="1" dirty="0" smtClean="0"/>
-              <a:t>Submit</a:t>
-            </a:r>
-            <a:r>
-              <a:rPr lang="en-US" dirty="0" smtClean="0"/>
-              <a:t> </a:t>
-            </a:r>
-            <a:r>
-              <a:rPr lang="en-US" dirty="0"/>
-              <a:t>5 questions for review in class tomorrow using electronic survey</a:t>
-            </a:r>
-          </a:p>
-          <a:p>
-            <a:endParaRPr lang="en-US" dirty="0"/>
-          </a:p>
         </p:txBody>
       </p:sp>
       <p:sp>
@@ -6178,10 +5894,9 @@
           <a:lstStyle/>
           <a:p>
             <a:r>
-              <a:rPr lang="en-US" smtClean="0"/>
+              <a:rPr lang="en-US"/>
               <a:t>Developed by TEALS in 2015  www.tealsk12.org</a:t>
             </a:r>
-            <a:endParaRPr lang="en-US"/>
           </a:p>
         </p:txBody>
       </p:sp>
@@ -7165,15 +6880,6 @@
 </file>
 
 <file path=customXml/item2.xml><?xml version="1.0" encoding="utf-8"?>
-<?mso-contentType ?>
-<FormTemplates xmlns="http://schemas.microsoft.com/sharepoint/v3/contenttype/forms">
-  <Display>DocumentLibraryForm</Display>
-  <Edit>DocumentLibraryForm</Edit>
-  <New>DocumentLibraryForm</New>
-</FormTemplates>
-</file>
-
-<file path=customXml/item3.xml><?xml version="1.0" encoding="utf-8"?>
 <ct:contentTypeSchema xmlns:ct="http://schemas.microsoft.com/office/2006/metadata/contentType" xmlns:ma="http://schemas.microsoft.com/office/2006/metadata/properties/metaAttributes" ct:_="" ma:_="" ma:contentTypeName="Document" ma:contentTypeID="0x010100BABADD3A0624AA4E97287821B8F4D7D6" ma:contentTypeVersion="3" ma:contentTypeDescription="Create a new document." ma:contentTypeScope="" ma:versionID="e0073545f5cddffb46c9fa8d01738dd8">
   <xsd:schema xmlns:xsd="http://www.w3.org/2001/XMLSchema" xmlns:xs="http://www.w3.org/2001/XMLSchema" xmlns:p="http://schemas.microsoft.com/office/2006/metadata/properties" xmlns:ns2="5edd459b-714d-42ed-b78f-512da7d1c14e" targetNamespace="http://schemas.microsoft.com/office/2006/metadata/properties" ma:root="true" ma:fieldsID="5b223eadad92f795ae696ccb91d8f218" ns2:_="">
     <xsd:import namespace="5edd459b-714d-42ed-b78f-512da7d1c14e"/>
@@ -7327,14 +7033,46 @@
 </ct:contentTypeSchema>
 </file>
 
+<file path=customXml/item3.xml><?xml version="1.0" encoding="utf-8"?>
+<?mso-contentType ?>
+<FormTemplates xmlns="http://schemas.microsoft.com/sharepoint/v3/contenttype/forms">
+  <Display>DocumentLibraryForm</Display>
+  <Edit>DocumentLibraryForm</Edit>
+  <New>DocumentLibraryForm</New>
+</FormTemplates>
+</file>
+
 <file path=customXml/itemProps1.xml><?xml version="1.0" encoding="utf-8"?>
-<ds:datastoreItem xmlns:ds="http://schemas.openxmlformats.org/officeDocument/2006/customXml" ds:itemID="{4A4E0F3F-3F9A-4C32-8F90-EA1BBC36BA3B}"/>
+<ds:datastoreItem xmlns:ds="http://schemas.openxmlformats.org/officeDocument/2006/customXml" ds:itemID="{4A4E0F3F-3F9A-4C32-8F90-EA1BBC36BA3B}">
+  <ds:schemaRefs>
+    <ds:schemaRef ds:uri="http://schemas.microsoft.com/office/2006/metadata/properties"/>
+    <ds:schemaRef ds:uri="http://schemas.microsoft.com/office/infopath/2007/PartnerControls"/>
+  </ds:schemaRefs>
+</ds:datastoreItem>
 </file>
 
 <file path=customXml/itemProps2.xml><?xml version="1.0" encoding="utf-8"?>
-<ds:datastoreItem xmlns:ds="http://schemas.openxmlformats.org/officeDocument/2006/customXml" ds:itemID="{19E621E7-6B4C-43DF-85CE-9272C3F8347B}"/>
+<ds:datastoreItem xmlns:ds="http://schemas.openxmlformats.org/officeDocument/2006/customXml" ds:itemID="{65492335-8183-4BB2-996E-C4C7DAABB57A}">
+  <ds:schemaRefs>
+    <ds:schemaRef ds:uri="http://schemas.microsoft.com/office/2006/metadata/contentType"/>
+    <ds:schemaRef ds:uri="http://schemas.microsoft.com/office/2006/metadata/properties/metaAttributes"/>
+    <ds:schemaRef ds:uri="http://www.w3.org/2001/XMLSchema"/>
+    <ds:schemaRef ds:uri="http://schemas.microsoft.com/office/2006/metadata/properties"/>
+    <ds:schemaRef ds:uri="5edd459b-714d-42ed-b78f-512da7d1c14e"/>
+    <ds:schemaRef ds:uri="http://schemas.microsoft.com/office/2006/documentManagement/types"/>
+    <ds:schemaRef ds:uri="http://schemas.microsoft.com/office/infopath/2007/PartnerControls"/>
+    <ds:schemaRef ds:uri="http://schemas.openxmlformats.org/package/2006/metadata/core-properties"/>
+    <ds:schemaRef ds:uri="http://purl.org/dc/elements/1.1/"/>
+    <ds:schemaRef ds:uri="http://purl.org/dc/terms/"/>
+    <ds:schemaRef ds:uri="http://schemas.microsoft.com/internal/obd"/>
+  </ds:schemaRefs>
+</ds:datastoreItem>
 </file>
 
 <file path=customXml/itemProps3.xml><?xml version="1.0" encoding="utf-8"?>
-<ds:datastoreItem xmlns:ds="http://schemas.openxmlformats.org/officeDocument/2006/customXml" ds:itemID="{65492335-8183-4BB2-996E-C4C7DAABB57A}"/>
+<ds:datastoreItem xmlns:ds="http://schemas.openxmlformats.org/officeDocument/2006/customXml" ds:itemID="{19E621E7-6B4C-43DF-85CE-9272C3F8347B}">
+  <ds:schemaRefs>
+    <ds:schemaRef ds:uri="http://schemas.microsoft.com/sharepoint/v3/contenttype/forms"/>
+  </ds:schemaRefs>
+</ds:datastoreItem>
 </file>
--- a/curriculum/Unit4/Unit 4 Slides.pptx
+++ b/curriculum/Unit4/Unit 4 Slides.pptx
@@ -2,26 +2,26 @@
 <file path=ppt/presentation.xml><?xml version="1.0" encoding="utf-8"?>
 <p:presentation xmlns:a="http://schemas.openxmlformats.org/drawingml/2006/main" xmlns:r="http://schemas.openxmlformats.org/officeDocument/2006/relationships" xmlns:p="http://schemas.openxmlformats.org/presentationml/2006/main" saveSubsetFonts="1" autoCompressPictures="0">
   <p:sldMasterIdLst>
-    <p:sldMasterId id="2147483648" r:id="rId4"/>
+    <p:sldMasterId id="2147483648" r:id="rId1"/>
   </p:sldMasterIdLst>
   <p:notesMasterIdLst>
-    <p:notesMasterId r:id="rId16"/>
+    <p:notesMasterId r:id="rId13"/>
   </p:notesMasterIdLst>
   <p:handoutMasterIdLst>
-    <p:handoutMasterId r:id="rId17"/>
+    <p:handoutMasterId r:id="rId14"/>
   </p:handoutMasterIdLst>
   <p:sldIdLst>
-    <p:sldId id="271" r:id="rId5"/>
-    <p:sldId id="282" r:id="rId6"/>
-    <p:sldId id="278" r:id="rId7"/>
-    <p:sldId id="279" r:id="rId8"/>
-    <p:sldId id="276" r:id="rId9"/>
-    <p:sldId id="277" r:id="rId10"/>
-    <p:sldId id="274" r:id="rId11"/>
-    <p:sldId id="275" r:id="rId12"/>
-    <p:sldId id="273" r:id="rId13"/>
-    <p:sldId id="272" r:id="rId14"/>
-    <p:sldId id="281" r:id="rId15"/>
+    <p:sldId id="271" r:id="rId2"/>
+    <p:sldId id="282" r:id="rId3"/>
+    <p:sldId id="278" r:id="rId4"/>
+    <p:sldId id="279" r:id="rId5"/>
+    <p:sldId id="276" r:id="rId6"/>
+    <p:sldId id="277" r:id="rId7"/>
+    <p:sldId id="274" r:id="rId8"/>
+    <p:sldId id="275" r:id="rId9"/>
+    <p:sldId id="273" r:id="rId10"/>
+    <p:sldId id="272" r:id="rId11"/>
+    <p:sldId id="281" r:id="rId12"/>
   </p:sldIdLst>
   <p:sldSz cx="9144000" cy="6858000" type="screen4x3"/>
   <p:notesSz cx="6858000" cy="9144000"/>
@@ -120,22 +120,6 @@
       </a:defRPr>
     </a:lvl9pPr>
   </p:defaultTextStyle>
-  <p:extLst>
-    <p:ext uri="{EFAFB233-063F-42B5-8137-9DF3F51BA10A}">
-      <p15:sldGuideLst xmlns:p15="http://schemas.microsoft.com/office/powerpoint/2012/main">
-        <p15:guide id="1" orient="horz" pos="2160">
-          <p15:clr>
-            <a:srgbClr val="A4A3A4"/>
-          </p15:clr>
-        </p15:guide>
-        <p15:guide id="2" pos="2880">
-          <p15:clr>
-            <a:srgbClr val="A4A3A4"/>
-          </p15:clr>
-        </p15:guide>
-      </p15:sldGuideLst>
-    </p:ext>
-  </p:extLst>
 </p:presentation>
 </file>
 
@@ -221,7 +205,7 @@
           <a:p>
             <a:fld id="{6D0754E3-E03E-ED44-9A59-706283C2F2CC}" type="datetimeFigureOut">
               <a:rPr lang="en-US" smtClean="0"/>
-              <a:t>2/18/2020</a:t>
+              <a:t>6/19/15</a:t>
             </a:fld>
             <a:endParaRPr lang="en-US"/>
           </a:p>
@@ -387,7 +371,7 @@
           <a:p>
             <a:fld id="{44996FB4-6AD2-FE4B-B45E-D44A9C110DAF}" type="datetimeFigureOut">
               <a:rPr lang="en-US" smtClean="0"/>
-              <a:t>2/18/2020</a:t>
+              <a:t>6/19/15</a:t>
             </a:fld>
             <a:endParaRPr lang="en-US"/>
           </a:p>
@@ -451,37 +435,38 @@
           <a:p>
             <a:pPr lvl="0"/>
             <a:r>
-              <a:rPr lang="en-US"/>
+              <a:rPr lang="en-US" smtClean="0"/>
               <a:t>Click to edit Master text styles</a:t>
             </a:r>
           </a:p>
           <a:p>
             <a:pPr lvl="1"/>
             <a:r>
-              <a:rPr lang="en-US"/>
+              <a:rPr lang="en-US" smtClean="0"/>
               <a:t>Second level</a:t>
             </a:r>
           </a:p>
           <a:p>
             <a:pPr lvl="2"/>
             <a:r>
-              <a:rPr lang="en-US"/>
+              <a:rPr lang="en-US" smtClean="0"/>
               <a:t>Third level</a:t>
             </a:r>
           </a:p>
           <a:p>
             <a:pPr lvl="3"/>
             <a:r>
-              <a:rPr lang="en-US"/>
+              <a:rPr lang="en-US" smtClean="0"/>
               <a:t>Fourth level</a:t>
             </a:r>
           </a:p>
           <a:p>
             <a:pPr lvl="4"/>
             <a:r>
-              <a:rPr lang="en-US"/>
+              <a:rPr lang="en-US" smtClean="0"/>
               <a:t>Fifth level</a:t>
             </a:r>
+            <a:endParaRPr lang="en-US"/>
           </a:p>
         </p:txBody>
       </p:sp>
@@ -693,9 +678,10 @@
           <a:lstStyle/>
           <a:p>
             <a:r>
-              <a:rPr lang="en-US"/>
+              <a:rPr lang="en-US" smtClean="0"/>
               <a:t>Click to edit Master title style</a:t>
             </a:r>
+            <a:endParaRPr lang="en-US"/>
           </a:p>
         </p:txBody>
       </p:sp>
@@ -811,9 +797,10 @@
           </a:lstStyle>
           <a:p>
             <a:r>
-              <a:rPr lang="en-US"/>
+              <a:rPr lang="en-US" smtClean="0"/>
               <a:t>Click to edit Master subtitle style</a:t>
             </a:r>
+            <a:endParaRPr lang="en-US"/>
           </a:p>
         </p:txBody>
       </p:sp>
@@ -834,7 +821,7 @@
           <a:p>
             <a:fld id="{34990CC2-A8CC-B149-BA8F-DDB0E524EE45}" type="datetime1">
               <a:rPr lang="en-US" smtClean="0"/>
-              <a:t>2/18/2020</a:t>
+              <a:t>6/19/15</a:t>
             </a:fld>
             <a:endParaRPr lang="en-US"/>
           </a:p>
@@ -856,9 +843,10 @@
           <a:lstStyle/>
           <a:p>
             <a:r>
-              <a:rPr lang="en-US"/>
+              <a:rPr lang="en-US" smtClean="0"/>
               <a:t>Developed by TEALS in 2015  www.tealsk12.org</a:t>
             </a:r>
+            <a:endParaRPr lang="en-US"/>
           </a:p>
         </p:txBody>
       </p:sp>
@@ -931,9 +919,10 @@
           <a:lstStyle/>
           <a:p>
             <a:r>
-              <a:rPr lang="en-US"/>
+              <a:rPr lang="en-US" smtClean="0"/>
               <a:t>Click to edit Master title style</a:t>
             </a:r>
+            <a:endParaRPr lang="en-US"/>
           </a:p>
         </p:txBody>
       </p:sp>
@@ -954,37 +943,38 @@
           <a:p>
             <a:pPr lvl="0"/>
             <a:r>
-              <a:rPr lang="en-US"/>
+              <a:rPr lang="en-US" smtClean="0"/>
               <a:t>Click to edit Master text styles</a:t>
             </a:r>
           </a:p>
           <a:p>
             <a:pPr lvl="1"/>
             <a:r>
-              <a:rPr lang="en-US"/>
+              <a:rPr lang="en-US" smtClean="0"/>
               <a:t>Second level</a:t>
             </a:r>
           </a:p>
           <a:p>
             <a:pPr lvl="2"/>
             <a:r>
-              <a:rPr lang="en-US"/>
+              <a:rPr lang="en-US" smtClean="0"/>
               <a:t>Third level</a:t>
             </a:r>
           </a:p>
           <a:p>
             <a:pPr lvl="3"/>
             <a:r>
-              <a:rPr lang="en-US"/>
+              <a:rPr lang="en-US" smtClean="0"/>
               <a:t>Fourth level</a:t>
             </a:r>
           </a:p>
           <a:p>
             <a:pPr lvl="4"/>
             <a:r>
-              <a:rPr lang="en-US"/>
+              <a:rPr lang="en-US" smtClean="0"/>
               <a:t>Fifth level</a:t>
             </a:r>
+            <a:endParaRPr lang="en-US"/>
           </a:p>
         </p:txBody>
       </p:sp>
@@ -1005,7 +995,7 @@
           <a:p>
             <a:fld id="{96267D05-F6C2-F64A-9C7F-A94B43164B5C}" type="datetime1">
               <a:rPr lang="en-US" smtClean="0"/>
-              <a:t>2/18/2020</a:t>
+              <a:t>6/19/15</a:t>
             </a:fld>
             <a:endParaRPr lang="en-US"/>
           </a:p>
@@ -1027,9 +1017,10 @@
           <a:lstStyle/>
           <a:p>
             <a:r>
-              <a:rPr lang="en-US"/>
+              <a:rPr lang="en-US" smtClean="0"/>
               <a:t>Developed by TEALS in 2015  www.tealsk12.org</a:t>
             </a:r>
+            <a:endParaRPr lang="en-US"/>
           </a:p>
         </p:txBody>
       </p:sp>
@@ -1107,9 +1098,10 @@
           <a:lstStyle/>
           <a:p>
             <a:r>
-              <a:rPr lang="en-US"/>
+              <a:rPr lang="en-US" smtClean="0"/>
               <a:t>Click to edit Master title style</a:t>
             </a:r>
+            <a:endParaRPr lang="en-US"/>
           </a:p>
         </p:txBody>
       </p:sp>
@@ -1135,37 +1127,38 @@
           <a:p>
             <a:pPr lvl="0"/>
             <a:r>
-              <a:rPr lang="en-US"/>
+              <a:rPr lang="en-US" smtClean="0"/>
               <a:t>Click to edit Master text styles</a:t>
             </a:r>
           </a:p>
           <a:p>
             <a:pPr lvl="1"/>
             <a:r>
-              <a:rPr lang="en-US"/>
+              <a:rPr lang="en-US" smtClean="0"/>
               <a:t>Second level</a:t>
             </a:r>
           </a:p>
           <a:p>
             <a:pPr lvl="2"/>
             <a:r>
-              <a:rPr lang="en-US"/>
+              <a:rPr lang="en-US" smtClean="0"/>
               <a:t>Third level</a:t>
             </a:r>
           </a:p>
           <a:p>
             <a:pPr lvl="3"/>
             <a:r>
-              <a:rPr lang="en-US"/>
+              <a:rPr lang="en-US" smtClean="0"/>
               <a:t>Fourth level</a:t>
             </a:r>
           </a:p>
           <a:p>
             <a:pPr lvl="4"/>
             <a:r>
-              <a:rPr lang="en-US"/>
+              <a:rPr lang="en-US" smtClean="0"/>
               <a:t>Fifth level</a:t>
             </a:r>
+            <a:endParaRPr lang="en-US"/>
           </a:p>
         </p:txBody>
       </p:sp>
@@ -1186,7 +1179,7 @@
           <a:p>
             <a:fld id="{087C1978-9D0A-A345-9E84-F995A3601C8E}" type="datetime1">
               <a:rPr lang="en-US" smtClean="0"/>
-              <a:t>2/18/2020</a:t>
+              <a:t>6/19/15</a:t>
             </a:fld>
             <a:endParaRPr lang="en-US"/>
           </a:p>
@@ -1208,9 +1201,10 @@
           <a:lstStyle/>
           <a:p>
             <a:r>
-              <a:rPr lang="en-US"/>
+              <a:rPr lang="en-US" smtClean="0"/>
               <a:t>Developed by TEALS in 2015  www.tealsk12.org</a:t>
             </a:r>
+            <a:endParaRPr lang="en-US"/>
           </a:p>
         </p:txBody>
       </p:sp>
@@ -1283,9 +1277,10 @@
           <a:lstStyle/>
           <a:p>
             <a:r>
-              <a:rPr lang="en-US"/>
+              <a:rPr lang="en-US" smtClean="0"/>
               <a:t>Click to edit Master title style</a:t>
             </a:r>
+            <a:endParaRPr lang="en-US"/>
           </a:p>
         </p:txBody>
       </p:sp>
@@ -1306,37 +1301,38 @@
           <a:p>
             <a:pPr lvl="0"/>
             <a:r>
-              <a:rPr lang="en-US"/>
+              <a:rPr lang="en-US" smtClean="0"/>
               <a:t>Click to edit Master text styles</a:t>
             </a:r>
           </a:p>
           <a:p>
             <a:pPr lvl="1"/>
             <a:r>
-              <a:rPr lang="en-US"/>
+              <a:rPr lang="en-US" smtClean="0"/>
               <a:t>Second level</a:t>
             </a:r>
           </a:p>
           <a:p>
             <a:pPr lvl="2"/>
             <a:r>
-              <a:rPr lang="en-US"/>
+              <a:rPr lang="en-US" smtClean="0"/>
               <a:t>Third level</a:t>
             </a:r>
           </a:p>
           <a:p>
             <a:pPr lvl="3"/>
             <a:r>
-              <a:rPr lang="en-US"/>
+              <a:rPr lang="en-US" smtClean="0"/>
               <a:t>Fourth level</a:t>
             </a:r>
           </a:p>
           <a:p>
             <a:pPr lvl="4"/>
             <a:r>
-              <a:rPr lang="en-US"/>
+              <a:rPr lang="en-US" smtClean="0"/>
               <a:t>Fifth level</a:t>
             </a:r>
+            <a:endParaRPr lang="en-US"/>
           </a:p>
         </p:txBody>
       </p:sp>
@@ -1357,7 +1353,7 @@
           <a:p>
             <a:fld id="{620CD570-9DDA-524E-9F58-9DBC8D3A8C31}" type="datetime1">
               <a:rPr lang="en-US" smtClean="0"/>
-              <a:t>2/18/2020</a:t>
+              <a:t>6/19/15</a:t>
             </a:fld>
             <a:endParaRPr lang="en-US"/>
           </a:p>
@@ -1379,9 +1375,10 @@
           <a:lstStyle/>
           <a:p>
             <a:r>
-              <a:rPr lang="en-US"/>
+              <a:rPr lang="en-US" smtClean="0"/>
               <a:t>Developed by TEALS in 2015  www.tealsk12.org</a:t>
             </a:r>
+            <a:endParaRPr lang="en-US"/>
           </a:p>
         </p:txBody>
       </p:sp>
@@ -1463,9 +1460,10 @@
           </a:lstStyle>
           <a:p>
             <a:r>
-              <a:rPr lang="en-US"/>
+              <a:rPr lang="en-US" smtClean="0"/>
               <a:t>Click to edit Master title style</a:t>
             </a:r>
+            <a:endParaRPr lang="en-US"/>
           </a:p>
         </p:txBody>
       </p:sp>
@@ -1582,7 +1580,7 @@
           <a:p>
             <a:pPr lvl="0"/>
             <a:r>
-              <a:rPr lang="en-US"/>
+              <a:rPr lang="en-US" smtClean="0"/>
               <a:t>Click to edit Master text styles</a:t>
             </a:r>
           </a:p>
@@ -1605,7 +1603,7 @@
           <a:p>
             <a:fld id="{FEBAD56B-400E-5542-B4A1-CD46AB8B4D0E}" type="datetime1">
               <a:rPr lang="en-US" smtClean="0"/>
-              <a:t>2/18/2020</a:t>
+              <a:t>6/19/15</a:t>
             </a:fld>
             <a:endParaRPr lang="en-US"/>
           </a:p>
@@ -1627,9 +1625,10 @@
           <a:lstStyle/>
           <a:p>
             <a:r>
-              <a:rPr lang="en-US"/>
+              <a:rPr lang="en-US" smtClean="0"/>
               <a:t>Developed by TEALS in 2015  www.tealsk12.org</a:t>
             </a:r>
+            <a:endParaRPr lang="en-US"/>
           </a:p>
         </p:txBody>
       </p:sp>
@@ -1702,9 +1701,10 @@
           <a:lstStyle/>
           <a:p>
             <a:r>
-              <a:rPr lang="en-US"/>
+              <a:rPr lang="en-US" smtClean="0"/>
               <a:t>Click to edit Master title style</a:t>
             </a:r>
+            <a:endParaRPr lang="en-US"/>
           </a:p>
         </p:txBody>
       </p:sp>
@@ -1758,37 +1758,38 @@
           <a:p>
             <a:pPr lvl="0"/>
             <a:r>
-              <a:rPr lang="en-US"/>
+              <a:rPr lang="en-US" smtClean="0"/>
               <a:t>Click to edit Master text styles</a:t>
             </a:r>
           </a:p>
           <a:p>
             <a:pPr lvl="1"/>
             <a:r>
-              <a:rPr lang="en-US"/>
+              <a:rPr lang="en-US" smtClean="0"/>
               <a:t>Second level</a:t>
             </a:r>
           </a:p>
           <a:p>
             <a:pPr lvl="2"/>
             <a:r>
-              <a:rPr lang="en-US"/>
+              <a:rPr lang="en-US" smtClean="0"/>
               <a:t>Third level</a:t>
             </a:r>
           </a:p>
           <a:p>
             <a:pPr lvl="3"/>
             <a:r>
-              <a:rPr lang="en-US"/>
+              <a:rPr lang="en-US" smtClean="0"/>
               <a:t>Fourth level</a:t>
             </a:r>
           </a:p>
           <a:p>
             <a:pPr lvl="4"/>
             <a:r>
-              <a:rPr lang="en-US"/>
+              <a:rPr lang="en-US" smtClean="0"/>
               <a:t>Fifth level</a:t>
             </a:r>
+            <a:endParaRPr lang="en-US"/>
           </a:p>
         </p:txBody>
       </p:sp>
@@ -1842,37 +1843,38 @@
           <a:p>
             <a:pPr lvl="0"/>
             <a:r>
-              <a:rPr lang="en-US"/>
+              <a:rPr lang="en-US" smtClean="0"/>
               <a:t>Click to edit Master text styles</a:t>
             </a:r>
           </a:p>
           <a:p>
             <a:pPr lvl="1"/>
             <a:r>
-              <a:rPr lang="en-US"/>
+              <a:rPr lang="en-US" smtClean="0"/>
               <a:t>Second level</a:t>
             </a:r>
           </a:p>
           <a:p>
             <a:pPr lvl="2"/>
             <a:r>
-              <a:rPr lang="en-US"/>
+              <a:rPr lang="en-US" smtClean="0"/>
               <a:t>Third level</a:t>
             </a:r>
           </a:p>
           <a:p>
             <a:pPr lvl="3"/>
             <a:r>
-              <a:rPr lang="en-US"/>
+              <a:rPr lang="en-US" smtClean="0"/>
               <a:t>Fourth level</a:t>
             </a:r>
           </a:p>
           <a:p>
             <a:pPr lvl="4"/>
             <a:r>
-              <a:rPr lang="en-US"/>
+              <a:rPr lang="en-US" smtClean="0"/>
               <a:t>Fifth level</a:t>
             </a:r>
+            <a:endParaRPr lang="en-US"/>
           </a:p>
         </p:txBody>
       </p:sp>
@@ -1893,7 +1895,7 @@
           <a:p>
             <a:fld id="{43394E63-B418-1F4A-9C08-2548B9C5B3C1}" type="datetime1">
               <a:rPr lang="en-US" smtClean="0"/>
-              <a:t>2/18/2020</a:t>
+              <a:t>6/19/15</a:t>
             </a:fld>
             <a:endParaRPr lang="en-US"/>
           </a:p>
@@ -1915,9 +1917,10 @@
           <a:lstStyle/>
           <a:p>
             <a:r>
-              <a:rPr lang="en-US"/>
+              <a:rPr lang="en-US" smtClean="0"/>
               <a:t>Developed by TEALS in 2015  www.tealsk12.org</a:t>
             </a:r>
+            <a:endParaRPr lang="en-US"/>
           </a:p>
         </p:txBody>
       </p:sp>
@@ -1994,9 +1997,10 @@
           </a:lstStyle>
           <a:p>
             <a:r>
-              <a:rPr lang="en-US"/>
+              <a:rPr lang="en-US" smtClean="0"/>
               <a:t>Click to edit Master title style</a:t>
             </a:r>
+            <a:endParaRPr lang="en-US"/>
           </a:p>
         </p:txBody>
       </p:sp>
@@ -2059,7 +2063,7 @@
           <a:p>
             <a:pPr lvl="0"/>
             <a:r>
-              <a:rPr lang="en-US"/>
+              <a:rPr lang="en-US" smtClean="0"/>
               <a:t>Click to edit Master text styles</a:t>
             </a:r>
           </a:p>
@@ -2115,37 +2119,38 @@
           <a:p>
             <a:pPr lvl="0"/>
             <a:r>
-              <a:rPr lang="en-US"/>
+              <a:rPr lang="en-US" smtClean="0"/>
               <a:t>Click to edit Master text styles</a:t>
             </a:r>
           </a:p>
           <a:p>
             <a:pPr lvl="1"/>
             <a:r>
-              <a:rPr lang="en-US"/>
+              <a:rPr lang="en-US" smtClean="0"/>
               <a:t>Second level</a:t>
             </a:r>
           </a:p>
           <a:p>
             <a:pPr lvl="2"/>
             <a:r>
-              <a:rPr lang="en-US"/>
+              <a:rPr lang="en-US" smtClean="0"/>
               <a:t>Third level</a:t>
             </a:r>
           </a:p>
           <a:p>
             <a:pPr lvl="3"/>
             <a:r>
-              <a:rPr lang="en-US"/>
+              <a:rPr lang="en-US" smtClean="0"/>
               <a:t>Fourth level</a:t>
             </a:r>
           </a:p>
           <a:p>
             <a:pPr lvl="4"/>
             <a:r>
-              <a:rPr lang="en-US"/>
+              <a:rPr lang="en-US" smtClean="0"/>
               <a:t>Fifth level</a:t>
             </a:r>
+            <a:endParaRPr lang="en-US"/>
           </a:p>
         </p:txBody>
       </p:sp>
@@ -2208,7 +2213,7 @@
           <a:p>
             <a:pPr lvl="0"/>
             <a:r>
-              <a:rPr lang="en-US"/>
+              <a:rPr lang="en-US" smtClean="0"/>
               <a:t>Click to edit Master text styles</a:t>
             </a:r>
           </a:p>
@@ -2264,37 +2269,38 @@
           <a:p>
             <a:pPr lvl="0"/>
             <a:r>
-              <a:rPr lang="en-US"/>
+              <a:rPr lang="en-US" smtClean="0"/>
               <a:t>Click to edit Master text styles</a:t>
             </a:r>
           </a:p>
           <a:p>
             <a:pPr lvl="1"/>
             <a:r>
-              <a:rPr lang="en-US"/>
+              <a:rPr lang="en-US" smtClean="0"/>
               <a:t>Second level</a:t>
             </a:r>
           </a:p>
           <a:p>
             <a:pPr lvl="2"/>
             <a:r>
-              <a:rPr lang="en-US"/>
+              <a:rPr lang="en-US" smtClean="0"/>
               <a:t>Third level</a:t>
             </a:r>
           </a:p>
           <a:p>
             <a:pPr lvl="3"/>
             <a:r>
-              <a:rPr lang="en-US"/>
+              <a:rPr lang="en-US" smtClean="0"/>
               <a:t>Fourth level</a:t>
             </a:r>
           </a:p>
           <a:p>
             <a:pPr lvl="4"/>
             <a:r>
-              <a:rPr lang="en-US"/>
+              <a:rPr lang="en-US" smtClean="0"/>
               <a:t>Fifth level</a:t>
             </a:r>
+            <a:endParaRPr lang="en-US"/>
           </a:p>
         </p:txBody>
       </p:sp>
@@ -2315,7 +2321,7 @@
           <a:p>
             <a:fld id="{6F92EF41-DD41-C742-BC3B-970F41658B68}" type="datetime1">
               <a:rPr lang="en-US" smtClean="0"/>
-              <a:t>2/18/2020</a:t>
+              <a:t>6/19/15</a:t>
             </a:fld>
             <a:endParaRPr lang="en-US"/>
           </a:p>
@@ -2337,9 +2343,10 @@
           <a:lstStyle/>
           <a:p>
             <a:r>
-              <a:rPr lang="en-US"/>
+              <a:rPr lang="en-US" smtClean="0"/>
               <a:t>Developed by TEALS in 2015  www.tealsk12.org</a:t>
             </a:r>
+            <a:endParaRPr lang="en-US"/>
           </a:p>
         </p:txBody>
       </p:sp>
@@ -2412,9 +2419,10 @@
           <a:lstStyle/>
           <a:p>
             <a:r>
-              <a:rPr lang="en-US"/>
+              <a:rPr lang="en-US" smtClean="0"/>
               <a:t>Click to edit Master title style</a:t>
             </a:r>
+            <a:endParaRPr lang="en-US"/>
           </a:p>
         </p:txBody>
       </p:sp>
@@ -2435,7 +2443,7 @@
           <a:p>
             <a:fld id="{631009B9-6DC3-0349-8BB5-CE1E5B2C68D1}" type="datetime1">
               <a:rPr lang="en-US" smtClean="0"/>
-              <a:t>2/18/2020</a:t>
+              <a:t>6/19/15</a:t>
             </a:fld>
             <a:endParaRPr lang="en-US"/>
           </a:p>
@@ -2457,9 +2465,10 @@
           <a:lstStyle/>
           <a:p>
             <a:r>
-              <a:rPr lang="en-US"/>
+              <a:rPr lang="en-US" smtClean="0"/>
               <a:t>Developed by TEALS in 2015  www.tealsk12.org</a:t>
             </a:r>
+            <a:endParaRPr lang="en-US"/>
           </a:p>
         </p:txBody>
       </p:sp>
@@ -2533,7 +2542,7 @@
           <a:p>
             <a:fld id="{DBD68779-2025-B44F-AD23-DF62F9874F1B}" type="datetime1">
               <a:rPr lang="en-US" smtClean="0"/>
-              <a:t>2/18/2020</a:t>
+              <a:t>6/19/15</a:t>
             </a:fld>
             <a:endParaRPr lang="en-US"/>
           </a:p>
@@ -2555,9 +2564,10 @@
           <a:lstStyle/>
           <a:p>
             <a:r>
-              <a:rPr lang="en-US"/>
+              <a:rPr lang="en-US" smtClean="0"/>
               <a:t>Developed by TEALS in 2015  www.tealsk12.org</a:t>
             </a:r>
+            <a:endParaRPr lang="en-US"/>
           </a:p>
         </p:txBody>
       </p:sp>
@@ -2639,9 +2649,10 @@
           </a:lstStyle>
           <a:p>
             <a:r>
-              <a:rPr lang="en-US"/>
+              <a:rPr lang="en-US" smtClean="0"/>
               <a:t>Click to edit Master title style</a:t>
             </a:r>
+            <a:endParaRPr lang="en-US"/>
           </a:p>
         </p:txBody>
       </p:sp>
@@ -2695,37 +2706,38 @@
           <a:p>
             <a:pPr lvl="0"/>
             <a:r>
-              <a:rPr lang="en-US"/>
+              <a:rPr lang="en-US" smtClean="0"/>
               <a:t>Click to edit Master text styles</a:t>
             </a:r>
           </a:p>
           <a:p>
             <a:pPr lvl="1"/>
             <a:r>
-              <a:rPr lang="en-US"/>
+              <a:rPr lang="en-US" smtClean="0"/>
               <a:t>Second level</a:t>
             </a:r>
           </a:p>
           <a:p>
             <a:pPr lvl="2"/>
             <a:r>
-              <a:rPr lang="en-US"/>
+              <a:rPr lang="en-US" smtClean="0"/>
               <a:t>Third level</a:t>
             </a:r>
           </a:p>
           <a:p>
             <a:pPr lvl="3"/>
             <a:r>
-              <a:rPr lang="en-US"/>
+              <a:rPr lang="en-US" smtClean="0"/>
               <a:t>Fourth level</a:t>
             </a:r>
           </a:p>
           <a:p>
             <a:pPr lvl="4"/>
             <a:r>
-              <a:rPr lang="en-US"/>
+              <a:rPr lang="en-US" smtClean="0"/>
               <a:t>Fifth level</a:t>
             </a:r>
+            <a:endParaRPr lang="en-US"/>
           </a:p>
         </p:txBody>
       </p:sp>
@@ -2788,7 +2800,7 @@
           <a:p>
             <a:pPr lvl="0"/>
             <a:r>
-              <a:rPr lang="en-US"/>
+              <a:rPr lang="en-US" smtClean="0"/>
               <a:t>Click to edit Master text styles</a:t>
             </a:r>
           </a:p>
@@ -2811,7 +2823,7 @@
           <a:p>
             <a:fld id="{1C533E1B-B859-DB4E-86F0-BE8C9C0ABFF7}" type="datetime1">
               <a:rPr lang="en-US" smtClean="0"/>
-              <a:t>2/18/2020</a:t>
+              <a:t>6/19/15</a:t>
             </a:fld>
             <a:endParaRPr lang="en-US"/>
           </a:p>
@@ -2833,9 +2845,10 @@
           <a:lstStyle/>
           <a:p>
             <a:r>
-              <a:rPr lang="en-US"/>
+              <a:rPr lang="en-US" smtClean="0"/>
               <a:t>Developed by TEALS in 2015  www.tealsk12.org</a:t>
             </a:r>
+            <a:endParaRPr lang="en-US"/>
           </a:p>
         </p:txBody>
       </p:sp>
@@ -2917,9 +2930,10 @@
           </a:lstStyle>
           <a:p>
             <a:r>
-              <a:rPr lang="en-US"/>
+              <a:rPr lang="en-US" smtClean="0"/>
               <a:t>Click to edit Master title style</a:t>
             </a:r>
+            <a:endParaRPr lang="en-US"/>
           </a:p>
         </p:txBody>
       </p:sp>
@@ -3043,7 +3057,7 @@
           <a:p>
             <a:pPr lvl="0"/>
             <a:r>
-              <a:rPr lang="en-US"/>
+              <a:rPr lang="en-US" smtClean="0"/>
               <a:t>Click to edit Master text styles</a:t>
             </a:r>
           </a:p>
@@ -3066,7 +3080,7 @@
           <a:p>
             <a:fld id="{AC1EAEA1-8470-6B4A-8D60-97578450ABB9}" type="datetime1">
               <a:rPr lang="en-US" smtClean="0"/>
-              <a:t>2/18/2020</a:t>
+              <a:t>6/19/15</a:t>
             </a:fld>
             <a:endParaRPr lang="en-US"/>
           </a:p>
@@ -3088,9 +3102,10 @@
           <a:lstStyle/>
           <a:p>
             <a:r>
-              <a:rPr lang="en-US"/>
+              <a:rPr lang="en-US" smtClean="0"/>
               <a:t>Developed by TEALS in 2015  www.tealsk12.org</a:t>
             </a:r>
+            <a:endParaRPr lang="en-US"/>
           </a:p>
         </p:txBody>
       </p:sp>
@@ -3178,9 +3193,10 @@
           <a:lstStyle/>
           <a:p>
             <a:r>
-              <a:rPr lang="en-US"/>
+              <a:rPr lang="en-US" smtClean="0"/>
               <a:t>Click to edit Master title style</a:t>
             </a:r>
+            <a:endParaRPr lang="en-US"/>
           </a:p>
         </p:txBody>
       </p:sp>
@@ -3211,37 +3227,38 @@
           <a:p>
             <a:pPr lvl="0"/>
             <a:r>
-              <a:rPr lang="en-US"/>
+              <a:rPr lang="en-US" smtClean="0"/>
               <a:t>Click to edit Master text styles</a:t>
             </a:r>
           </a:p>
           <a:p>
             <a:pPr lvl="1"/>
             <a:r>
-              <a:rPr lang="en-US"/>
+              <a:rPr lang="en-US" smtClean="0"/>
               <a:t>Second level</a:t>
             </a:r>
           </a:p>
           <a:p>
             <a:pPr lvl="2"/>
             <a:r>
-              <a:rPr lang="en-US"/>
+              <a:rPr lang="en-US" smtClean="0"/>
               <a:t>Third level</a:t>
             </a:r>
           </a:p>
           <a:p>
             <a:pPr lvl="3"/>
             <a:r>
-              <a:rPr lang="en-US"/>
+              <a:rPr lang="en-US" smtClean="0"/>
               <a:t>Fourth level</a:t>
             </a:r>
           </a:p>
           <a:p>
             <a:pPr lvl="4"/>
             <a:r>
-              <a:rPr lang="en-US"/>
+              <a:rPr lang="en-US" smtClean="0"/>
               <a:t>Fifth level</a:t>
             </a:r>
+            <a:endParaRPr lang="en-US"/>
           </a:p>
         </p:txBody>
       </p:sp>
@@ -3280,7 +3297,7 @@
           <a:p>
             <a:fld id="{EB2A284D-251E-7046-B0B7-6A85726BD855}" type="datetime1">
               <a:rPr lang="en-US" smtClean="0"/>
-              <a:t>2/18/2020</a:t>
+              <a:t>6/19/15</a:t>
             </a:fld>
             <a:endParaRPr lang="en-US"/>
           </a:p>
@@ -3320,9 +3337,10 @@
           </a:lstStyle>
           <a:p>
             <a:r>
-              <a:rPr lang="en-US"/>
+              <a:rPr lang="en-US" smtClean="0"/>
               <a:t>Developed by TEALS in 2015  www.tealsk12.org</a:t>
             </a:r>
+            <a:endParaRPr lang="en-US"/>
           </a:p>
         </p:txBody>
       </p:sp>
@@ -3677,17 +3695,22 @@
           <a:lstStyle/>
           <a:p>
             <a:r>
-              <a:rPr lang="en-US" b="1" dirty="0"/>
+              <a:rPr lang="en-US" b="1" dirty="0" smtClean="0"/>
               <a:t>Lesson 4.0 </a:t>
             </a:r>
             <a:r>
-              <a:rPr lang="en-US" dirty="0">
+              <a:rPr lang="en-US" dirty="0" smtClean="0">
                 <a:solidFill>
                   <a:srgbClr val="17B1AA"/>
                 </a:solidFill>
               </a:rPr>
               <a:t>Test Review and Reteach</a:t>
             </a:r>
+            <a:endParaRPr lang="en-US" dirty="0">
+              <a:solidFill>
+                <a:srgbClr val="17B1AA"/>
+              </a:solidFill>
+            </a:endParaRPr>
           </a:p>
         </p:txBody>
       </p:sp>
@@ -3716,29 +3739,34 @@
               </a:rPr>
               <a:t>Objectives </a:t>
             </a:r>
-          </a:p>
-          <a:p>
-            <a:pPr lvl="1"/>
-            <a:r>
-              <a:rPr lang="en-US" b="1" dirty="0"/>
-              <a:t>Re-learn or strengthen</a:t>
-            </a:r>
-            <a:r>
-              <a:rPr lang="en-US" dirty="0"/>
-              <a:t> content knowledge and skills from Unit 3.</a:t>
-            </a:r>
-            <a:endParaRPr lang="en-US" b="1" dirty="0"/>
-          </a:p>
-          <a:p>
-            <a:endParaRPr lang="en-US" dirty="0">
+            <a:endParaRPr lang="en-US" dirty="0" smtClean="0">
               <a:solidFill>
                 <a:srgbClr val="17B1AA"/>
               </a:solidFill>
             </a:endParaRPr>
           </a:p>
           <a:p>
-            <a:r>
-              <a:rPr lang="en-US" dirty="0">
+            <a:pPr lvl="1"/>
+            <a:r>
+              <a:rPr lang="en-US" b="1" dirty="0" smtClean="0"/>
+              <a:t>Re-learn or strengthen</a:t>
+            </a:r>
+            <a:r>
+              <a:rPr lang="en-US" dirty="0" smtClean="0"/>
+              <a:t> content knowledge and skills from Unit 3.</a:t>
+            </a:r>
+            <a:endParaRPr lang="en-US" b="1" dirty="0"/>
+          </a:p>
+          <a:p>
+            <a:endParaRPr lang="en-US" dirty="0" smtClean="0">
+              <a:solidFill>
+                <a:srgbClr val="17B1AA"/>
+              </a:solidFill>
+            </a:endParaRPr>
+          </a:p>
+          <a:p>
+            <a:r>
+              <a:rPr lang="en-US" dirty="0" smtClean="0">
                 <a:solidFill>
                   <a:srgbClr val="17B1AA"/>
                 </a:solidFill>
@@ -3749,11 +3777,11 @@
           <a:p>
             <a:pPr lvl="1"/>
             <a:r>
-              <a:rPr lang="en-US" b="1" dirty="0"/>
+              <a:rPr lang="en-US" b="1" dirty="0" smtClean="0"/>
               <a:t>Re-submit</a:t>
             </a:r>
             <a:r>
-              <a:rPr lang="en-US" dirty="0"/>
+              <a:rPr lang="en-US" dirty="0" smtClean="0"/>
               <a:t> test answers with updated corrections</a:t>
             </a:r>
             <a:endParaRPr lang="en-US" b="1" dirty="0"/>
@@ -3773,34 +3801,39 @@
               </a:rPr>
               <a:t>Homework </a:t>
             </a:r>
+            <a:endParaRPr lang="en-US" dirty="0" smtClean="0">
+              <a:solidFill>
+                <a:srgbClr val="17B1AA"/>
+              </a:solidFill>
+            </a:endParaRPr>
           </a:p>
           <a:p>
             <a:pPr lvl="1"/>
             <a:r>
-              <a:rPr lang="en-US" b="1"/>
+              <a:rPr lang="en-US" b="1" smtClean="0"/>
               <a:t>Read</a:t>
             </a:r>
             <a:r>
-              <a:rPr lang="en-US"/>
+              <a:rPr lang="en-US" smtClean="0"/>
               <a:t> HW 6.1</a:t>
             </a:r>
+            <a:endParaRPr lang="en-US" dirty="0" smtClean="0"/>
+          </a:p>
+          <a:p>
+            <a:pPr lvl="1"/>
+            <a:r>
+              <a:rPr lang="en-US" b="1" dirty="0" smtClean="0"/>
+              <a:t>Correct</a:t>
+            </a:r>
+            <a:r>
+              <a:rPr lang="en-US" dirty="0" smtClean="0"/>
+              <a:t> any incorrect test answers by re-answering on a separate sheet of paper</a:t>
+            </a:r>
+            <a:endParaRPr lang="en-US" b="1" dirty="0"/>
+          </a:p>
+          <a:p>
             <a:endParaRPr lang="en-US" dirty="0"/>
           </a:p>
-          <a:p>
-            <a:pPr lvl="1"/>
-            <a:r>
-              <a:rPr lang="en-US" b="1" dirty="0"/>
-              <a:t>Correct</a:t>
-            </a:r>
-            <a:r>
-              <a:rPr lang="en-US" dirty="0"/>
-              <a:t> any incorrect test answers by re-answering on a separate sheet of paper</a:t>
-            </a:r>
-            <a:endParaRPr lang="en-US" b="1" dirty="0"/>
-          </a:p>
-          <a:p>
-            <a:endParaRPr lang="en-US" dirty="0"/>
-          </a:p>
         </p:txBody>
       </p:sp>
       <p:sp>
@@ -3819,9 +3852,10 @@
           <a:lstStyle/>
           <a:p>
             <a:r>
-              <a:rPr lang="en-US"/>
+              <a:rPr lang="en-US" smtClean="0"/>
               <a:t>Developed by TEALS in 2015  www.tealsk12.org</a:t>
             </a:r>
+            <a:endParaRPr lang="en-US"/>
           </a:p>
         </p:txBody>
       </p:sp>
@@ -3871,11 +3905,11 @@
           <a:lstStyle/>
           <a:p>
             <a:r>
-              <a:rPr lang="en-US" b="1" dirty="0"/>
+              <a:rPr lang="en-US" b="1" dirty="0" smtClean="0"/>
               <a:t>Lesson 4.9 </a:t>
             </a:r>
             <a:r>
-              <a:rPr lang="en-US" dirty="0">
+              <a:rPr lang="en-US" dirty="0" smtClean="0">
                 <a:solidFill>
                   <a:srgbClr val="17B1AA"/>
                 </a:solidFill>
@@ -3883,7 +3917,7 @@
               <a:t>Magpie </a:t>
             </a:r>
             <a:r>
-              <a:rPr lang="en-US" dirty="0" err="1">
+              <a:rPr lang="en-US" dirty="0" err="1" smtClean="0">
                 <a:solidFill>
                   <a:srgbClr val="17B1AA"/>
                 </a:solidFill>
@@ -3891,13 +3925,18 @@
               <a:t>Chatbot</a:t>
             </a:r>
             <a:r>
-              <a:rPr lang="en-US" dirty="0">
+              <a:rPr lang="en-US" dirty="0" smtClean="0">
                 <a:solidFill>
                   <a:srgbClr val="17B1AA"/>
                 </a:solidFill>
               </a:rPr>
               <a:t> Lab</a:t>
             </a:r>
+            <a:endParaRPr lang="en-US" dirty="0">
+              <a:solidFill>
+                <a:srgbClr val="17B1AA"/>
+              </a:solidFill>
+            </a:endParaRPr>
           </a:p>
         </p:txBody>
       </p:sp>
@@ -3926,6 +3965,11 @@
               </a:rPr>
               <a:t>Objectives </a:t>
             </a:r>
+            <a:endParaRPr lang="en-US" dirty="0" smtClean="0">
+              <a:solidFill>
+                <a:srgbClr val="17B1AA"/>
+              </a:solidFill>
+            </a:endParaRPr>
           </a:p>
           <a:p>
             <a:pPr lvl="1"/>
@@ -3961,6 +4005,11 @@
               </a:rPr>
               <a:t>Assessments </a:t>
             </a:r>
+            <a:endParaRPr lang="en-US" dirty="0" smtClean="0">
+              <a:solidFill>
+                <a:srgbClr val="17B1AA"/>
+              </a:solidFill>
+            </a:endParaRPr>
           </a:p>
           <a:p>
             <a:pPr lvl="1"/>
@@ -4015,6 +4064,11 @@
               </a:rPr>
               <a:t>Homework </a:t>
             </a:r>
+            <a:endParaRPr lang="en-US" dirty="0" smtClean="0">
+              <a:solidFill>
+                <a:srgbClr val="17B1AA"/>
+              </a:solidFill>
+            </a:endParaRPr>
           </a:p>
           <a:p>
             <a:pPr lvl="1"/>
@@ -4049,9 +4103,10 @@
           <a:lstStyle/>
           <a:p>
             <a:r>
-              <a:rPr lang="en-US"/>
+              <a:rPr lang="en-US" smtClean="0"/>
               <a:t>Developed by TEALS in 2015  www.tealsk12.org</a:t>
             </a:r>
+            <a:endParaRPr lang="en-US"/>
           </a:p>
         </p:txBody>
       </p:sp>
@@ -4101,17 +4156,22 @@
           <a:lstStyle/>
           <a:p>
             <a:r>
-              <a:rPr lang="en-US" b="1" dirty="0"/>
+              <a:rPr lang="en-US" b="1" dirty="0" smtClean="0"/>
               <a:t>Lesson 4.10 </a:t>
             </a:r>
             <a:r>
-              <a:rPr lang="en-US" dirty="0">
+              <a:rPr lang="en-US" dirty="0" smtClean="0">
                 <a:solidFill>
                   <a:srgbClr val="17B1AA"/>
                 </a:solidFill>
               </a:rPr>
               <a:t>Review</a:t>
             </a:r>
+            <a:endParaRPr lang="en-US" dirty="0">
+              <a:solidFill>
+                <a:srgbClr val="17B1AA"/>
+              </a:solidFill>
+            </a:endParaRPr>
           </a:p>
         </p:txBody>
       </p:sp>
@@ -4140,16 +4200,41 @@
               </a:rPr>
               <a:t>Objectives </a:t>
             </a:r>
+            <a:endParaRPr lang="en-US" dirty="0" smtClean="0">
+              <a:solidFill>
+                <a:srgbClr val="17B1AA"/>
+              </a:solidFill>
+            </a:endParaRPr>
           </a:p>
           <a:p>
             <a:pPr lvl="1"/>
             <a:r>
-              <a:rPr lang="en-US" b="1" dirty="0"/>
+              <a:rPr lang="en-US" b="1" dirty="0" smtClean="0"/>
               <a:t>Identify</a:t>
             </a:r>
             <a:r>
+              <a:rPr lang="en-US" dirty="0" smtClean="0"/>
+              <a:t> </a:t>
+            </a:r>
+            <a:r>
               <a:rPr lang="en-US" dirty="0"/>
-              <a:t> weaknesses in Unit 4 knowledge.</a:t>
+              <a:t>weaknesses in </a:t>
+            </a:r>
+            <a:r>
+              <a:rPr lang="en-US" dirty="0" smtClean="0"/>
+              <a:t>Unit </a:t>
+            </a:r>
+            <a:r>
+              <a:rPr lang="en-US" dirty="0"/>
+              <a:t>4</a:t>
+            </a:r>
+            <a:r>
+              <a:rPr lang="en-US" dirty="0" smtClean="0"/>
+              <a:t> </a:t>
+            </a:r>
+            <a:r>
+              <a:rPr lang="en-US" dirty="0"/>
+              <a:t>knowledge.</a:t>
             </a:r>
           </a:p>
           <a:p>
@@ -4167,16 +4252,25 @@
               </a:rPr>
               <a:t>Assessments </a:t>
             </a:r>
+            <a:endParaRPr lang="en-US" dirty="0" smtClean="0">
+              <a:solidFill>
+                <a:srgbClr val="17B1AA"/>
+              </a:solidFill>
+            </a:endParaRPr>
           </a:p>
           <a:p>
             <a:pPr lvl="1"/>
             <a:r>
-              <a:rPr lang="en-US" b="1" dirty="0"/>
+              <a:rPr lang="en-US" b="1" dirty="0" smtClean="0"/>
               <a:t>Create</a:t>
             </a:r>
             <a:r>
+              <a:rPr lang="en-US" dirty="0" smtClean="0"/>
+              <a:t> </a:t>
+            </a:r>
+            <a:r>
               <a:rPr lang="en-US" dirty="0"/>
-              <a:t> a personalized list of review topics to guide tonight’s study session.</a:t>
+              <a:t>a personalized list of review topics to guide tonight’s study session.</a:t>
             </a:r>
           </a:p>
           <a:p>
@@ -4194,16 +4288,25 @@
               </a:rPr>
               <a:t>Homework </a:t>
             </a:r>
+            <a:endParaRPr lang="en-US" dirty="0" smtClean="0">
+              <a:solidFill>
+                <a:srgbClr val="17B1AA"/>
+              </a:solidFill>
+            </a:endParaRPr>
           </a:p>
           <a:p>
             <a:pPr lvl="1"/>
             <a:r>
-              <a:rPr lang="en-US" b="1" dirty="0"/>
+              <a:rPr lang="en-US" b="1" dirty="0" smtClean="0"/>
               <a:t>Study</a:t>
             </a:r>
             <a:r>
+              <a:rPr lang="en-US" dirty="0" smtClean="0"/>
+              <a:t> </a:t>
+            </a:r>
+            <a:r>
               <a:rPr lang="en-US" dirty="0"/>
-              <a:t> for tomorrow’s test!</a:t>
+              <a:t>for tomorrow’s test!</a:t>
             </a:r>
           </a:p>
           <a:p>
@@ -4227,9 +4330,10 @@
           <a:lstStyle/>
           <a:p>
             <a:r>
-              <a:rPr lang="en-US"/>
+              <a:rPr lang="en-US" smtClean="0"/>
               <a:t>Developed by TEALS in 2015  www.tealsk12.org</a:t>
             </a:r>
+            <a:endParaRPr lang="en-US"/>
           </a:p>
         </p:txBody>
       </p:sp>
@@ -4281,17 +4385,22 @@
           <a:lstStyle/>
           <a:p>
             <a:r>
-              <a:rPr lang="en-US" b="1" dirty="0"/>
+              <a:rPr lang="en-US" b="1" dirty="0" smtClean="0"/>
               <a:t>Lesson 4.1 </a:t>
             </a:r>
             <a:r>
-              <a:rPr lang="en-US" dirty="0">
+              <a:rPr lang="en-US" dirty="0" smtClean="0">
                 <a:solidFill>
                   <a:srgbClr val="17B1AA"/>
                 </a:solidFill>
               </a:rPr>
               <a:t>Array Basics</a:t>
             </a:r>
+            <a:endParaRPr lang="en-US" dirty="0">
+              <a:solidFill>
+                <a:srgbClr val="17B1AA"/>
+              </a:solidFill>
+            </a:endParaRPr>
           </a:p>
         </p:txBody>
       </p:sp>
@@ -4320,28 +4429,33 @@
               </a:rPr>
               <a:t>Objectives </a:t>
             </a:r>
-          </a:p>
-          <a:p>
-            <a:pPr lvl="1"/>
-            <a:r>
-              <a:rPr lang="en-US" b="1" dirty="0"/>
-              <a:t>Define, populate, and access</a:t>
-            </a:r>
-            <a:r>
-              <a:rPr lang="en-US" dirty="0"/>
-              <a:t> arrays.</a:t>
-            </a:r>
-          </a:p>
-          <a:p>
-            <a:endParaRPr lang="en-US" dirty="0">
+            <a:endParaRPr lang="en-US" dirty="0" smtClean="0">
               <a:solidFill>
                 <a:srgbClr val="17B1AA"/>
               </a:solidFill>
             </a:endParaRPr>
           </a:p>
           <a:p>
-            <a:r>
-              <a:rPr lang="en-US" dirty="0">
+            <a:pPr lvl="1"/>
+            <a:r>
+              <a:rPr lang="en-US" b="1" dirty="0"/>
+              <a:t>Define, populate, and access</a:t>
+            </a:r>
+            <a:r>
+              <a:rPr lang="en-US" dirty="0"/>
+              <a:t> arrays.</a:t>
+            </a:r>
+          </a:p>
+          <a:p>
+            <a:endParaRPr lang="en-US" dirty="0" smtClean="0">
+              <a:solidFill>
+                <a:srgbClr val="17B1AA"/>
+              </a:solidFill>
+            </a:endParaRPr>
+          </a:p>
+          <a:p>
+            <a:r>
+              <a:rPr lang="en-US" dirty="0" smtClean="0">
                 <a:solidFill>
                   <a:srgbClr val="17B1AA"/>
                 </a:solidFill>
@@ -4383,6 +4497,11 @@
               </a:rPr>
               <a:t>Homework </a:t>
             </a:r>
+            <a:endParaRPr lang="en-US" dirty="0" smtClean="0">
+              <a:solidFill>
+                <a:srgbClr val="17B1AA"/>
+              </a:solidFill>
+            </a:endParaRPr>
           </a:p>
           <a:p>
             <a:pPr lvl="1"/>
@@ -4427,9 +4546,10 @@
           <a:lstStyle/>
           <a:p>
             <a:r>
-              <a:rPr lang="en-US"/>
+              <a:rPr lang="en-US" smtClean="0"/>
               <a:t>Developed by TEALS in 2015  www.tealsk12.org</a:t>
             </a:r>
+            <a:endParaRPr lang="en-US"/>
           </a:p>
         </p:txBody>
       </p:sp>
@@ -4481,17 +4601,22 @@
           <a:lstStyle/>
           <a:p>
             <a:r>
-              <a:rPr lang="en-US" b="1" dirty="0"/>
+              <a:rPr lang="en-US" b="1" dirty="0" smtClean="0"/>
               <a:t>Lesson 4.2 </a:t>
             </a:r>
             <a:r>
-              <a:rPr lang="en-US" dirty="0">
+              <a:rPr lang="en-US" dirty="0" smtClean="0">
                 <a:solidFill>
                   <a:srgbClr val="17B1AA"/>
                 </a:solidFill>
               </a:rPr>
               <a:t>For-Each Loop &amp; Arrays Class</a:t>
             </a:r>
+            <a:endParaRPr lang="en-US" dirty="0">
+              <a:solidFill>
+                <a:srgbClr val="17B1AA"/>
+              </a:solidFill>
+            </a:endParaRPr>
           </a:p>
         </p:txBody>
       </p:sp>
@@ -4520,6 +4645,11 @@
               </a:rPr>
               <a:t>Objectives </a:t>
             </a:r>
+            <a:endParaRPr lang="en-US" dirty="0" smtClean="0">
+              <a:solidFill>
+                <a:srgbClr val="17B1AA"/>
+              </a:solidFill>
+            </a:endParaRPr>
           </a:p>
           <a:p>
             <a:pPr lvl="1"/>
@@ -4547,6 +4677,11 @@
               </a:rPr>
               <a:t>Assessments </a:t>
             </a:r>
+            <a:endParaRPr lang="en-US" dirty="0" smtClean="0">
+              <a:solidFill>
+                <a:srgbClr val="17B1AA"/>
+              </a:solidFill>
+            </a:endParaRPr>
           </a:p>
           <a:p>
             <a:pPr lvl="1"/>
@@ -4580,6 +4715,11 @@
               </a:rPr>
               <a:t>Homework </a:t>
             </a:r>
+            <a:endParaRPr lang="en-US" dirty="0" smtClean="0">
+              <a:solidFill>
+                <a:srgbClr val="17B1AA"/>
+              </a:solidFill>
+            </a:endParaRPr>
           </a:p>
           <a:p>
             <a:pPr lvl="1"/>
@@ -4624,9 +4764,10 @@
           <a:lstStyle/>
           <a:p>
             <a:r>
-              <a:rPr lang="en-US"/>
+              <a:rPr lang="en-US" smtClean="0"/>
               <a:t>Developed by TEALS in 2015  www.tealsk12.org</a:t>
             </a:r>
+            <a:endParaRPr lang="en-US"/>
           </a:p>
         </p:txBody>
       </p:sp>
@@ -4678,17 +4819,22 @@
           <a:lstStyle/>
           <a:p>
             <a:r>
-              <a:rPr lang="en-US" b="1" dirty="0"/>
+              <a:rPr lang="en-US" b="1" dirty="0" smtClean="0"/>
               <a:t>Lesson 4.3 </a:t>
             </a:r>
             <a:r>
-              <a:rPr lang="en-US" dirty="0">
+              <a:rPr lang="en-US" dirty="0" smtClean="0">
                 <a:solidFill>
                   <a:srgbClr val="17B1AA"/>
                 </a:solidFill>
               </a:rPr>
               <a:t>Printing, Searching, &amp; Testing for Equality</a:t>
             </a:r>
+            <a:endParaRPr lang="en-US" dirty="0">
+              <a:solidFill>
+                <a:srgbClr val="17B1AA"/>
+              </a:solidFill>
+            </a:endParaRPr>
           </a:p>
         </p:txBody>
       </p:sp>
@@ -4717,28 +4863,33 @@
               </a:rPr>
               <a:t>Objectives </a:t>
             </a:r>
-          </a:p>
-          <a:p>
-            <a:pPr lvl="1"/>
-            <a:r>
-              <a:rPr lang="en-US" b="1" dirty="0"/>
-              <a:t>Manipulate</a:t>
-            </a:r>
-            <a:r>
-              <a:rPr lang="en-US" dirty="0"/>
-              <a:t> single-dimension arrays using a variety of array transversal algorithms.</a:t>
-            </a:r>
-          </a:p>
-          <a:p>
-            <a:endParaRPr lang="en-US" dirty="0">
+            <a:endParaRPr lang="en-US" dirty="0" smtClean="0">
               <a:solidFill>
                 <a:srgbClr val="17B1AA"/>
               </a:solidFill>
             </a:endParaRPr>
           </a:p>
           <a:p>
-            <a:r>
-              <a:rPr lang="en-US" dirty="0">
+            <a:pPr lvl="1"/>
+            <a:r>
+              <a:rPr lang="en-US" b="1" dirty="0"/>
+              <a:t>Manipulate</a:t>
+            </a:r>
+            <a:r>
+              <a:rPr lang="en-US" dirty="0"/>
+              <a:t> single-dimension arrays using a variety of array transversal algorithms.</a:t>
+            </a:r>
+          </a:p>
+          <a:p>
+            <a:endParaRPr lang="en-US" dirty="0" smtClean="0">
+              <a:solidFill>
+                <a:srgbClr val="17B1AA"/>
+              </a:solidFill>
+            </a:endParaRPr>
+          </a:p>
+          <a:p>
+            <a:r>
+              <a:rPr lang="en-US" dirty="0" smtClean="0">
                 <a:solidFill>
                   <a:srgbClr val="17B1AA"/>
                 </a:solidFill>
@@ -4783,6 +4934,11 @@
               </a:rPr>
               <a:t>Homework </a:t>
             </a:r>
+            <a:endParaRPr lang="en-US" dirty="0" smtClean="0">
+              <a:solidFill>
+                <a:srgbClr val="17B1AA"/>
+              </a:solidFill>
+            </a:endParaRPr>
           </a:p>
           <a:p>
             <a:pPr lvl="1"/>
@@ -4827,9 +4983,10 @@
           <a:lstStyle/>
           <a:p>
             <a:r>
-              <a:rPr lang="en-US"/>
+              <a:rPr lang="en-US" smtClean="0"/>
               <a:t>Developed by TEALS in 2015  www.tealsk12.org</a:t>
             </a:r>
+            <a:endParaRPr lang="en-US"/>
           </a:p>
         </p:txBody>
       </p:sp>
@@ -4881,17 +5038,22 @@
           <a:lstStyle/>
           <a:p>
             <a:r>
-              <a:rPr lang="en-US" b="1" dirty="0"/>
+              <a:rPr lang="en-US" b="1" dirty="0" smtClean="0"/>
               <a:t>Lesson 4.4 </a:t>
             </a:r>
             <a:r>
-              <a:rPr lang="en-US" dirty="0">
+              <a:rPr lang="en-US" dirty="0" smtClean="0">
                 <a:solidFill>
                   <a:srgbClr val="17B1AA"/>
                 </a:solidFill>
               </a:rPr>
               <a:t>Reference Semantics</a:t>
             </a:r>
+            <a:endParaRPr lang="en-US" dirty="0">
+              <a:solidFill>
+                <a:srgbClr val="17B1AA"/>
+              </a:solidFill>
+            </a:endParaRPr>
           </a:p>
         </p:txBody>
       </p:sp>
@@ -4920,6 +5082,11 @@
               </a:rPr>
               <a:t>Objectives </a:t>
             </a:r>
+            <a:endParaRPr lang="en-US" dirty="0" smtClean="0">
+              <a:solidFill>
+                <a:srgbClr val="17B1AA"/>
+              </a:solidFill>
+            </a:endParaRPr>
           </a:p>
           <a:p>
             <a:pPr lvl="1"/>
@@ -4947,6 +5114,11 @@
               </a:rPr>
               <a:t>Assessments </a:t>
             </a:r>
+            <a:endParaRPr lang="en-US" dirty="0" smtClean="0">
+              <a:solidFill>
+                <a:srgbClr val="17B1AA"/>
+              </a:solidFill>
+            </a:endParaRPr>
           </a:p>
           <a:p>
             <a:pPr lvl="1"/>
@@ -4985,6 +5157,11 @@
               </a:rPr>
               <a:t>Homework </a:t>
             </a:r>
+            <a:endParaRPr lang="en-US" dirty="0" smtClean="0">
+              <a:solidFill>
+                <a:srgbClr val="17B1AA"/>
+              </a:solidFill>
+            </a:endParaRPr>
           </a:p>
           <a:p>
             <a:pPr lvl="1"/>
@@ -5029,9 +5206,10 @@
           <a:lstStyle/>
           <a:p>
             <a:r>
-              <a:rPr lang="en-US"/>
+              <a:rPr lang="en-US" smtClean="0"/>
               <a:t>Developed by TEALS in 2015  www.tealsk12.org</a:t>
             </a:r>
+            <a:endParaRPr lang="en-US"/>
           </a:p>
         </p:txBody>
       </p:sp>
@@ -5083,17 +5261,22 @@
           <a:lstStyle/>
           <a:p>
             <a:r>
-              <a:rPr lang="en-US" b="1" dirty="0"/>
+              <a:rPr lang="en-US" b="1" dirty="0" smtClean="0"/>
               <a:t>Lesson 4.5 </a:t>
             </a:r>
             <a:r>
-              <a:rPr lang="en-US" dirty="0">
+              <a:rPr lang="en-US" dirty="0" smtClean="0">
                 <a:solidFill>
                   <a:srgbClr val="17B1AA"/>
                 </a:solidFill>
               </a:rPr>
               <a:t>Shifting Values &amp; Arrays of Objects</a:t>
             </a:r>
+            <a:endParaRPr lang="en-US" dirty="0">
+              <a:solidFill>
+                <a:srgbClr val="17B1AA"/>
+              </a:solidFill>
+            </a:endParaRPr>
           </a:p>
         </p:txBody>
       </p:sp>
@@ -5110,7 +5293,7 @@
         <p:spPr/>
         <p:txBody>
           <a:bodyPr>
-            <a:normAutofit fontScale="85000" lnSpcReduction="20000"/>
+            <a:normAutofit fontScale="77500" lnSpcReduction="20000"/>
           </a:bodyPr>
           <a:lstStyle/>
           <a:p>
@@ -5122,6 +5305,11 @@
               </a:rPr>
               <a:t>Objectives </a:t>
             </a:r>
+            <a:endParaRPr lang="en-US" dirty="0" smtClean="0">
+              <a:solidFill>
+                <a:srgbClr val="17B1AA"/>
+              </a:solidFill>
+            </a:endParaRPr>
           </a:p>
           <a:p>
             <a:pPr lvl="1"/>
@@ -5160,20 +5348,32 @@
               </a:rPr>
               <a:t>Assessments </a:t>
             </a:r>
+            <a:endParaRPr lang="en-US" dirty="0" smtClean="0">
+              <a:solidFill>
+                <a:srgbClr val="17B1AA"/>
+              </a:solidFill>
+            </a:endParaRPr>
           </a:p>
           <a:p>
             <a:pPr lvl="1"/>
             <a:r>
-              <a:rPr lang="en-US" b="1"/>
+              <a:rPr lang="en-US" b="1" dirty="0"/>
+              <a:t>Complete</a:t>
+            </a:r>
+            <a:r>
+              <a:rPr lang="en-US" dirty="0"/>
+              <a:t> Practice-It questions</a:t>
+            </a:r>
+          </a:p>
+          <a:p>
+            <a:pPr lvl="1"/>
+            <a:r>
+              <a:rPr lang="en-US" b="1" dirty="0"/>
               <a:t>Model</a:t>
             </a:r>
             <a:r>
-              <a:rPr lang="en-US"/>
-              <a:t> </a:t>
-            </a:r>
-            <a:r>
               <a:rPr lang="en-US" dirty="0"/>
-              <a:t>memory manipulation using array whiteboards</a:t>
+              <a:t> memory manipulation using array whiteboards</a:t>
             </a:r>
           </a:p>
           <a:p>
@@ -5191,6 +5391,11 @@
               </a:rPr>
               <a:t>Homework </a:t>
             </a:r>
+            <a:endParaRPr lang="en-US" dirty="0" smtClean="0">
+              <a:solidFill>
+                <a:srgbClr val="17B1AA"/>
+              </a:solidFill>
+            </a:endParaRPr>
           </a:p>
           <a:p>
             <a:pPr lvl="1"/>
@@ -5235,9 +5440,10 @@
           <a:lstStyle/>
           <a:p>
             <a:r>
-              <a:rPr lang="en-US"/>
+              <a:rPr lang="en-US" smtClean="0"/>
               <a:t>Developed by TEALS in 2015  www.tealsk12.org</a:t>
             </a:r>
+            <a:endParaRPr lang="en-US"/>
           </a:p>
         </p:txBody>
       </p:sp>
@@ -5289,17 +5495,30 @@
           <a:lstStyle/>
           <a:p>
             <a:r>
+              <a:rPr lang="en-US" b="1" dirty="0" smtClean="0"/>
+              <a:t>Lesson </a:t>
+            </a:r>
+            <a:r>
               <a:rPr lang="en-US" b="1" dirty="0"/>
-              <a:t>Lesson 4.6 </a:t>
-            </a:r>
-            <a:r>
-              <a:rPr lang="en-US" dirty="0">
+              <a:t>4</a:t>
+            </a:r>
+            <a:r>
+              <a:rPr lang="en-US" b="1" dirty="0" smtClean="0"/>
+              <a:t>.6 </a:t>
+            </a:r>
+            <a:r>
+              <a:rPr lang="en-US" dirty="0" smtClean="0">
                 <a:solidFill>
                   <a:srgbClr val="17B1AA"/>
                 </a:solidFill>
               </a:rPr>
               <a:t>Nested Loop Algorithms &amp; Rectangular Arrays</a:t>
             </a:r>
+            <a:endParaRPr lang="en-US" dirty="0">
+              <a:solidFill>
+                <a:srgbClr val="17B1AA"/>
+              </a:solidFill>
+            </a:endParaRPr>
           </a:p>
         </p:txBody>
       </p:sp>
@@ -5328,39 +5547,44 @@
               </a:rPr>
               <a:t>Objectives </a:t>
             </a:r>
-          </a:p>
-          <a:p>
-            <a:pPr lvl="1"/>
-            <a:r>
-              <a:rPr lang="en-US" b="1" dirty="0"/>
-              <a:t>Correctly adjust</a:t>
-            </a:r>
-            <a:r>
-              <a:rPr lang="en-US" dirty="0"/>
-              <a:t> nested loop headers for use with arrays.</a:t>
-            </a:r>
-          </a:p>
-          <a:p>
-            <a:pPr lvl="1"/>
-            <a:r>
-              <a:rPr lang="en-US" b="1" dirty="0"/>
-              <a:t>Correctly construct</a:t>
-            </a:r>
-            <a:r>
-              <a:rPr lang="en-US" dirty="0"/>
-              <a:t> two-dimensional arrays.</a:t>
-            </a:r>
-          </a:p>
-          <a:p>
-            <a:endParaRPr lang="en-US" dirty="0">
+            <a:endParaRPr lang="en-US" dirty="0" smtClean="0">
               <a:solidFill>
                 <a:srgbClr val="17B1AA"/>
               </a:solidFill>
             </a:endParaRPr>
           </a:p>
           <a:p>
-            <a:r>
-              <a:rPr lang="en-US" dirty="0">
+            <a:pPr lvl="1"/>
+            <a:r>
+              <a:rPr lang="en-US" b="1" dirty="0"/>
+              <a:t>Correctly adjust</a:t>
+            </a:r>
+            <a:r>
+              <a:rPr lang="en-US" dirty="0"/>
+              <a:t> nested loop headers for use with arrays.</a:t>
+            </a:r>
+          </a:p>
+          <a:p>
+            <a:pPr lvl="1"/>
+            <a:r>
+              <a:rPr lang="en-US" b="1" dirty="0"/>
+              <a:t>Correctly construct</a:t>
+            </a:r>
+            <a:r>
+              <a:rPr lang="en-US" dirty="0"/>
+              <a:t> two-dimensional arrays.</a:t>
+            </a:r>
+          </a:p>
+          <a:p>
+            <a:endParaRPr lang="en-US" dirty="0" smtClean="0">
+              <a:solidFill>
+                <a:srgbClr val="17B1AA"/>
+              </a:solidFill>
+            </a:endParaRPr>
+          </a:p>
+          <a:p>
+            <a:r>
+              <a:rPr lang="en-US" dirty="0" smtClean="0">
                 <a:solidFill>
                   <a:srgbClr val="17B1AA"/>
                 </a:solidFill>
@@ -5394,6 +5618,11 @@
               </a:rPr>
               <a:t>Homework </a:t>
             </a:r>
+            <a:endParaRPr lang="en-US" dirty="0" smtClean="0">
+              <a:solidFill>
+                <a:srgbClr val="17B1AA"/>
+              </a:solidFill>
+            </a:endParaRPr>
           </a:p>
           <a:p>
             <a:pPr lvl="1"/>
@@ -5406,7 +5635,7 @@
               <a:t> HW 10.1 up to “Adding to and Removing from an </a:t>
             </a:r>
             <a:r>
-              <a:rPr lang="en-US" dirty="0" err="1"/>
+              <a:rPr lang="en-US" dirty="0" err="1" smtClean="0"/>
               <a:t>ArrayList</a:t>
             </a:r>
             <a:r>
@@ -5446,9 +5675,10 @@
           <a:lstStyle/>
           <a:p>
             <a:r>
-              <a:rPr lang="en-US"/>
+              <a:rPr lang="en-US" smtClean="0"/>
               <a:t>Developed by TEALS in 2015  www.tealsk12.org</a:t>
             </a:r>
+            <a:endParaRPr lang="en-US"/>
           </a:p>
         </p:txBody>
       </p:sp>
@@ -5498,11 +5728,11 @@
           <a:lstStyle/>
           <a:p>
             <a:r>
-              <a:rPr lang="en-US" b="1" dirty="0"/>
+              <a:rPr lang="en-US" b="1" dirty="0" smtClean="0"/>
               <a:t>Lesson 4.7 </a:t>
             </a:r>
             <a:r>
-              <a:rPr lang="en-US" dirty="0" err="1">
+              <a:rPr lang="en-US" dirty="0" err="1" smtClean="0">
                 <a:solidFill>
                   <a:srgbClr val="17B1AA"/>
                 </a:solidFill>
@@ -5542,6 +5772,11 @@
               </a:rPr>
               <a:t>Objectives </a:t>
             </a:r>
+            <a:endParaRPr lang="en-US" dirty="0" smtClean="0">
+              <a:solidFill>
+                <a:srgbClr val="17B1AA"/>
+              </a:solidFill>
+            </a:endParaRPr>
           </a:p>
           <a:p>
             <a:pPr lvl="1"/>
@@ -5588,6 +5823,11 @@
               </a:rPr>
               <a:t>Assessments </a:t>
             </a:r>
+            <a:endParaRPr lang="en-US" dirty="0" smtClean="0">
+              <a:solidFill>
+                <a:srgbClr val="17B1AA"/>
+              </a:solidFill>
+            </a:endParaRPr>
           </a:p>
           <a:p>
             <a:pPr lvl="1"/>
@@ -5628,6 +5868,11 @@
               </a:rPr>
               <a:t>Homework </a:t>
             </a:r>
+            <a:endParaRPr lang="en-US" dirty="0" smtClean="0">
+              <a:solidFill>
+                <a:srgbClr val="17B1AA"/>
+              </a:solidFill>
+            </a:endParaRPr>
           </a:p>
           <a:p>
             <a:pPr lvl="1"/>
@@ -5680,9 +5925,10 @@
           <a:lstStyle/>
           <a:p>
             <a:r>
-              <a:rPr lang="en-US"/>
+              <a:rPr lang="en-US" smtClean="0"/>
               <a:t>Developed by TEALS in 2015  www.tealsk12.org</a:t>
             </a:r>
+            <a:endParaRPr lang="en-US"/>
           </a:p>
         </p:txBody>
       </p:sp>
@@ -5734,17 +5980,22 @@
           <a:lstStyle/>
           <a:p>
             <a:r>
-              <a:rPr lang="en-US" b="1" dirty="0"/>
+              <a:rPr lang="en-US" b="1" dirty="0" smtClean="0"/>
               <a:t>Lesson 4.8 </a:t>
             </a:r>
             <a:r>
-              <a:rPr lang="en-US" dirty="0">
+              <a:rPr lang="en-US" dirty="0" smtClean="0">
                 <a:solidFill>
                   <a:srgbClr val="17B1AA"/>
                 </a:solidFill>
               </a:rPr>
               <a:t>Finding and Fixing Errors</a:t>
             </a:r>
+            <a:endParaRPr lang="en-US" dirty="0">
+              <a:solidFill>
+                <a:srgbClr val="17B1AA"/>
+              </a:solidFill>
+            </a:endParaRPr>
           </a:p>
         </p:txBody>
       </p:sp>
@@ -5773,26 +6024,31 @@
               </a:rPr>
               <a:t>Objectives </a:t>
             </a:r>
+            <a:endParaRPr lang="en-US" dirty="0" smtClean="0">
+              <a:solidFill>
+                <a:srgbClr val="17B1AA"/>
+              </a:solidFill>
+            </a:endParaRPr>
           </a:p>
           <a:p>
             <a:pPr lvl="1"/>
             <a:r>
-              <a:rPr lang="en-US" b="1" dirty="0"/>
+              <a:rPr lang="en-US" b="1" dirty="0" smtClean="0"/>
               <a:t>Find</a:t>
             </a:r>
             <a:r>
-              <a:rPr lang="en-US" dirty="0"/>
+              <a:rPr lang="en-US" dirty="0" smtClean="0"/>
               <a:t> errors in returned homework assignments.</a:t>
             </a:r>
           </a:p>
           <a:p>
             <a:pPr lvl="1"/>
             <a:r>
-              <a:rPr lang="en-US" b="1" dirty="0"/>
+              <a:rPr lang="en-US" b="1" dirty="0" smtClean="0"/>
               <a:t>Correct</a:t>
             </a:r>
             <a:r>
-              <a:rPr lang="en-US" dirty="0"/>
+              <a:rPr lang="en-US" dirty="0" smtClean="0"/>
               <a:t> code</a:t>
             </a:r>
             <a:endParaRPr lang="en-US" b="1" dirty="0"/>
@@ -5812,6 +6068,11 @@
               </a:rPr>
               <a:t>Assessments </a:t>
             </a:r>
+            <a:endParaRPr lang="en-US" dirty="0" smtClean="0">
+              <a:solidFill>
+                <a:srgbClr val="17B1AA"/>
+              </a:solidFill>
+            </a:endParaRPr>
           </a:p>
           <a:p>
             <a:pPr lvl="1"/>
@@ -5821,8 +6082,13 @@
             </a:r>
             <a:r>
               <a:rPr lang="en-US" dirty="0"/>
-              <a:t> all homework assignments with corrected answers.</a:t>
-            </a:r>
+              <a:t> all homework assignments with corrected </a:t>
+            </a:r>
+            <a:r>
+              <a:rPr lang="en-US" dirty="0" smtClean="0"/>
+              <a:t>answers.</a:t>
+            </a:r>
+            <a:endParaRPr lang="en-US" dirty="0"/>
           </a:p>
           <a:p>
             <a:pPr marL="0" indent="0">
@@ -5839,16 +6105,25 @@
               </a:rPr>
               <a:t>Homework </a:t>
             </a:r>
+            <a:endParaRPr lang="en-US" dirty="0" smtClean="0">
+              <a:solidFill>
+                <a:srgbClr val="17B1AA"/>
+              </a:solidFill>
+            </a:endParaRPr>
           </a:p>
           <a:p>
             <a:pPr lvl="1"/>
             <a:r>
-              <a:rPr lang="en-US" b="1" dirty="0"/>
+              <a:rPr lang="en-US" b="1" dirty="0" smtClean="0"/>
               <a:t>Review</a:t>
             </a:r>
             <a:r>
+              <a:rPr lang="en-US" dirty="0" smtClean="0"/>
+              <a:t> materials for the Magpie Lab by</a:t>
+            </a:r>
+            <a:r>
               <a:rPr lang="en-US" dirty="0"/>
-              <a:t> materials for the Magpie Lab by:</a:t>
+              <a:t>:</a:t>
             </a:r>
           </a:p>
           <a:p>
@@ -5859,18 +6134,27 @@
             </a:r>
             <a:r>
               <a:rPr lang="en-US" dirty="0"/>
-              <a:t> all the blue pages at the end of Chapter 7 and Chapter 10 (10.1)</a:t>
-            </a:r>
+              <a:t> all the blue pages at the end of Chapter </a:t>
+            </a:r>
+            <a:r>
+              <a:rPr lang="en-US" dirty="0" smtClean="0"/>
+              <a:t>7 and Chapter 10 (10.1)</a:t>
+            </a:r>
+            <a:endParaRPr lang="en-US" dirty="0"/>
           </a:p>
           <a:p>
             <a:pPr lvl="1"/>
             <a:r>
-              <a:rPr lang="en-US" b="1" dirty="0"/>
+              <a:rPr lang="en-US" b="1" dirty="0" smtClean="0"/>
               <a:t>Submit</a:t>
             </a:r>
             <a:r>
+              <a:rPr lang="en-US" dirty="0" smtClean="0"/>
+              <a:t> </a:t>
+            </a:r>
+            <a:r>
               <a:rPr lang="en-US" dirty="0"/>
-              <a:t> 5 questions for review in class tomorrow using electronic survey</a:t>
+              <a:t>5 questions for review in class tomorrow using electronic survey</a:t>
             </a:r>
           </a:p>
           <a:p>
@@ -5894,9 +6178,10 @@
           <a:lstStyle/>
           <a:p>
             <a:r>
-              <a:rPr lang="en-US"/>
+              <a:rPr lang="en-US" smtClean="0"/>
               <a:t>Developed by TEALS in 2015  www.tealsk12.org</a:t>
             </a:r>
+            <a:endParaRPr lang="en-US"/>
           </a:p>
         </p:txBody>
       </p:sp>
@@ -6880,18 +7165,37 @@
 </file>
 
 <file path=customXml/item2.xml><?xml version="1.0" encoding="utf-8"?>
-<ct:contentTypeSchema xmlns:ct="http://schemas.microsoft.com/office/2006/metadata/contentType" xmlns:ma="http://schemas.microsoft.com/office/2006/metadata/properties/metaAttributes" ct:_="" ma:_="" ma:contentTypeName="Document" ma:contentTypeID="0x010100BABADD3A0624AA4E97287821B8F4D7D6" ma:contentTypeVersion="3" ma:contentTypeDescription="Create a new document." ma:contentTypeScope="" ma:versionID="e0073545f5cddffb46c9fa8d01738dd8">
-  <xsd:schema xmlns:xsd="http://www.w3.org/2001/XMLSchema" xmlns:xs="http://www.w3.org/2001/XMLSchema" xmlns:p="http://schemas.microsoft.com/office/2006/metadata/properties" xmlns:ns2="5edd459b-714d-42ed-b78f-512da7d1c14e" targetNamespace="http://schemas.microsoft.com/office/2006/metadata/properties" ma:root="true" ma:fieldsID="5b223eadad92f795ae696ccb91d8f218" ns2:_="">
-    <xsd:import namespace="5edd459b-714d-42ed-b78f-512da7d1c14e"/>
+<?mso-contentType ?>
+<FormTemplates xmlns="http://schemas.microsoft.com/sharepoint/v3/contenttype/forms">
+  <Display>DocumentLibraryForm</Display>
+  <Edit>DocumentLibraryForm</Edit>
+  <New>DocumentLibraryForm</New>
+</FormTemplates>
+</file>
+
+<file path=customXml/item3.xml><?xml version="1.0" encoding="utf-8"?>
+<ct:contentTypeSchema xmlns:ct="http://schemas.microsoft.com/office/2006/metadata/contentType" xmlns:ma="http://schemas.microsoft.com/office/2006/metadata/properties/metaAttributes" ct:_="" ma:_="" ma:contentTypeName="Document" ma:contentTypeID="0x01010011E83E049C87AC4AB56F27089B4ACA55" ma:contentTypeVersion="12" ma:contentTypeDescription="Create a new document." ma:contentTypeScope="" ma:versionID="1178fe99ddca204d3fc8224f4ed0acf8">
+  <xsd:schema xmlns:xsd="http://www.w3.org/2001/XMLSchema" xmlns:xs="http://www.w3.org/2001/XMLSchema" xmlns:p="http://schemas.microsoft.com/office/2006/metadata/properties" xmlns:ns2="be898649-fe57-4b08-9fd4-31fc752880e3" xmlns:ns3="6f430b7c-f2e9-4385-9cb2-4dd06cc2317e" targetNamespace="http://schemas.microsoft.com/office/2006/metadata/properties" ma:root="true" ma:fieldsID="05a700af6660b82c6e85ae510b7169e9" ns2:_="" ns3:_="">
+    <xsd:import namespace="be898649-fe57-4b08-9fd4-31fc752880e3"/>
+    <xsd:import namespace="6f430b7c-f2e9-4385-9cb2-4dd06cc2317e"/>
     <xsd:element name="properties">
       <xsd:complexType>
         <xsd:sequence>
           <xsd:element name="documentManagement">
             <xsd:complexType>
               <xsd:all>
-                <xsd:element ref="ns2:SharedWithUsers" minOccurs="0"/>
-                <xsd:element ref="ns2:SharedWithDetails" minOccurs="0"/>
-                <xsd:element ref="ns2:SharingHintHash" minOccurs="0"/>
+                <xsd:element ref="ns2:MediaServiceMetadata" minOccurs="0"/>
+                <xsd:element ref="ns2:MediaServiceFastMetadata" minOccurs="0"/>
+                <xsd:element ref="ns2:MediaServiceAutoTags" minOccurs="0"/>
+                <xsd:element ref="ns2:MediaServiceDateTaken" minOccurs="0"/>
+                <xsd:element ref="ns3:SharedWithUsers" minOccurs="0"/>
+                <xsd:element ref="ns3:SharedWithDetails" minOccurs="0"/>
+                <xsd:element ref="ns2:MediaServiceLocation" minOccurs="0"/>
+                <xsd:element ref="ns2:MediaServiceOCR" minOccurs="0"/>
+                <xsd:element ref="ns2:MediaServiceEventHashCode" minOccurs="0"/>
+                <xsd:element ref="ns2:MediaServiceGenerationTime" minOccurs="0"/>
+                <xsd:element ref="ns2:MediaServiceAutoKeyPoints" minOccurs="0"/>
+                <xsd:element ref="ns2:MediaServiceKeyPoints" minOccurs="0"/>
               </xsd:all>
             </xsd:complexType>
           </xsd:element>
@@ -6899,10 +7203,68 @@
       </xsd:complexType>
     </xsd:element>
   </xsd:schema>
-  <xsd:schema xmlns:xsd="http://www.w3.org/2001/XMLSchema" xmlns:xs="http://www.w3.org/2001/XMLSchema" xmlns:dms="http://schemas.microsoft.com/office/2006/documentManagement/types" xmlns:pc="http://schemas.microsoft.com/office/infopath/2007/PartnerControls" targetNamespace="5edd459b-714d-42ed-b78f-512da7d1c14e" elementFormDefault="qualified">
+  <xsd:schema xmlns:xsd="http://www.w3.org/2001/XMLSchema" xmlns:xs="http://www.w3.org/2001/XMLSchema" xmlns:dms="http://schemas.microsoft.com/office/2006/documentManagement/types" xmlns:pc="http://schemas.microsoft.com/office/infopath/2007/PartnerControls" targetNamespace="be898649-fe57-4b08-9fd4-31fc752880e3" elementFormDefault="qualified">
     <xsd:import namespace="http://schemas.microsoft.com/office/2006/documentManagement/types"/>
     <xsd:import namespace="http://schemas.microsoft.com/office/infopath/2007/PartnerControls"/>
-    <xsd:element name="SharedWithUsers" ma:index="8" nillable="true" ma:displayName="Shared With" ma:internalName="SharedWithUsers" ma:readOnly="true">
+    <xsd:element name="MediaServiceMetadata" ma:index="8" nillable="true" ma:displayName="MediaServiceMetadata" ma:description="" ma:hidden="true" ma:internalName="MediaServiceMetadata" ma:readOnly="true">
+      <xsd:simpleType>
+        <xsd:restriction base="dms:Note"/>
+      </xsd:simpleType>
+    </xsd:element>
+    <xsd:element name="MediaServiceFastMetadata" ma:index="9" nillable="true" ma:displayName="MediaServiceFastMetadata" ma:description="" ma:hidden="true" ma:internalName="MediaServiceFastMetadata" ma:readOnly="true">
+      <xsd:simpleType>
+        <xsd:restriction base="dms:Note"/>
+      </xsd:simpleType>
+    </xsd:element>
+    <xsd:element name="MediaServiceAutoTags" ma:index="10" nillable="true" ma:displayName="MediaServiceAutoTags" ma:description="" ma:internalName="MediaServiceAutoTags" ma:readOnly="true">
+      <xsd:simpleType>
+        <xsd:restriction base="dms:Text"/>
+      </xsd:simpleType>
+    </xsd:element>
+    <xsd:element name="MediaServiceDateTaken" ma:index="11" nillable="true" ma:displayName="MediaServiceDateTaken" ma:description="" ma:hidden="true" ma:internalName="MediaServiceDateTaken" ma:readOnly="true">
+      <xsd:simpleType>
+        <xsd:restriction base="dms:Text"/>
+      </xsd:simpleType>
+    </xsd:element>
+    <xsd:element name="MediaServiceLocation" ma:index="14" nillable="true" ma:displayName="MediaServiceLocation" ma:internalName="MediaServiceLocation" ma:readOnly="true">
+      <xsd:simpleType>
+        <xsd:restriction base="dms:Text"/>
+      </xsd:simpleType>
+    </xsd:element>
+    <xsd:element name="MediaServiceOCR" ma:index="15" nillable="true" ma:displayName="MediaServiceOCR" ma:internalName="MediaServiceOCR" ma:readOnly="true">
+      <xsd:simpleType>
+        <xsd:restriction base="dms:Note">
+          <xsd:maxLength value="255"/>
+        </xsd:restriction>
+      </xsd:simpleType>
+    </xsd:element>
+    <xsd:element name="MediaServiceEventHashCode" ma:index="16" nillable="true" ma:displayName="MediaServiceEventHashCode" ma:hidden="true" ma:internalName="MediaServiceEventHashCode" ma:readOnly="true">
+      <xsd:simpleType>
+        <xsd:restriction base="dms:Text"/>
+      </xsd:simpleType>
+    </xsd:element>
+    <xsd:element name="MediaServiceGenerationTime" ma:index="17" nillable="true" ma:displayName="MediaServiceGenerationTime" ma:hidden="true" ma:internalName="MediaServiceGenerationTime" ma:readOnly="true">
+      <xsd:simpleType>
+        <xsd:restriction base="dms:Text"/>
+      </xsd:simpleType>
+    </xsd:element>
+    <xsd:element name="MediaServiceAutoKeyPoints" ma:index="18" nillable="true" ma:displayName="MediaServiceAutoKeyPoints" ma:hidden="true" ma:internalName="MediaServiceAutoKeyPoints" ma:readOnly="true">
+      <xsd:simpleType>
+        <xsd:restriction base="dms:Note"/>
+      </xsd:simpleType>
+    </xsd:element>
+    <xsd:element name="MediaServiceKeyPoints" ma:index="19" nillable="true" ma:displayName="KeyPoints" ma:internalName="MediaServiceKeyPoints" ma:readOnly="true">
+      <xsd:simpleType>
+        <xsd:restriction base="dms:Note">
+          <xsd:maxLength value="255"/>
+        </xsd:restriction>
+      </xsd:simpleType>
+    </xsd:element>
+  </xsd:schema>
+  <xsd:schema xmlns:xsd="http://www.w3.org/2001/XMLSchema" xmlns:xs="http://www.w3.org/2001/XMLSchema" xmlns:dms="http://schemas.microsoft.com/office/2006/documentManagement/types" xmlns:pc="http://schemas.microsoft.com/office/infopath/2007/PartnerControls" targetNamespace="6f430b7c-f2e9-4385-9cb2-4dd06cc2317e" elementFormDefault="qualified">
+    <xsd:import namespace="http://schemas.microsoft.com/office/2006/documentManagement/types"/>
+    <xsd:import namespace="http://schemas.microsoft.com/office/infopath/2007/PartnerControls"/>
+    <xsd:element name="SharedWithUsers" ma:index="12" nillable="true" ma:displayName="Shared With" ma:internalName="SharedWithUsers" ma:readOnly="true">
       <xsd:complexType>
         <xsd:complexContent>
           <xsd:extension base="dms:UserMulti">
@@ -6921,16 +7283,11 @@
         </xsd:complexContent>
       </xsd:complexType>
     </xsd:element>
-    <xsd:element name="SharedWithDetails" ma:index="9" nillable="true" ma:displayName="Shared With Details" ma:internalName="SharedWithDetails" ma:readOnly="true">
+    <xsd:element name="SharedWithDetails" ma:index="13" nillable="true" ma:displayName="Shared With Details" ma:internalName="SharedWithDetails" ma:readOnly="true">
       <xsd:simpleType>
         <xsd:restriction base="dms:Note">
           <xsd:maxLength value="255"/>
         </xsd:restriction>
-      </xsd:simpleType>
-    </xsd:element>
-    <xsd:element name="SharingHintHash" ma:index="10" nillable="true" ma:displayName="Sharing Hint Hash" ma:internalName="SharingHintHash" ma:readOnly="true">
-      <xsd:simpleType>
-        <xsd:restriction base="dms:Text"/>
       </xsd:simpleType>
     </xsd:element>
   </xsd:schema>
@@ -7033,46 +7390,14 @@
 </ct:contentTypeSchema>
 </file>
 
-<file path=customXml/item3.xml><?xml version="1.0" encoding="utf-8"?>
-<?mso-contentType ?>
-<FormTemplates xmlns="http://schemas.microsoft.com/sharepoint/v3/contenttype/forms">
-  <Display>DocumentLibraryForm</Display>
-  <Edit>DocumentLibraryForm</Edit>
-  <New>DocumentLibraryForm</New>
-</FormTemplates>
-</file>
-
 <file path=customXml/itemProps1.xml><?xml version="1.0" encoding="utf-8"?>
-<ds:datastoreItem xmlns:ds="http://schemas.openxmlformats.org/officeDocument/2006/customXml" ds:itemID="{4A4E0F3F-3F9A-4C32-8F90-EA1BBC36BA3B}">
-  <ds:schemaRefs>
-    <ds:schemaRef ds:uri="http://schemas.microsoft.com/office/2006/metadata/properties"/>
-    <ds:schemaRef ds:uri="http://schemas.microsoft.com/office/infopath/2007/PartnerControls"/>
-  </ds:schemaRefs>
-</ds:datastoreItem>
+<ds:datastoreItem xmlns:ds="http://schemas.openxmlformats.org/officeDocument/2006/customXml" ds:itemID="{4A4E0F3F-3F9A-4C32-8F90-EA1BBC36BA3B}"/>
 </file>
 
 <file path=customXml/itemProps2.xml><?xml version="1.0" encoding="utf-8"?>
-<ds:datastoreItem xmlns:ds="http://schemas.openxmlformats.org/officeDocument/2006/customXml" ds:itemID="{65492335-8183-4BB2-996E-C4C7DAABB57A}">
-  <ds:schemaRefs>
-    <ds:schemaRef ds:uri="http://schemas.microsoft.com/office/2006/metadata/contentType"/>
-    <ds:schemaRef ds:uri="http://schemas.microsoft.com/office/2006/metadata/properties/metaAttributes"/>
-    <ds:schemaRef ds:uri="http://www.w3.org/2001/XMLSchema"/>
-    <ds:schemaRef ds:uri="http://schemas.microsoft.com/office/2006/metadata/properties"/>
-    <ds:schemaRef ds:uri="5edd459b-714d-42ed-b78f-512da7d1c14e"/>
-    <ds:schemaRef ds:uri="http://schemas.microsoft.com/office/2006/documentManagement/types"/>
-    <ds:schemaRef ds:uri="http://schemas.microsoft.com/office/infopath/2007/PartnerControls"/>
-    <ds:schemaRef ds:uri="http://schemas.openxmlformats.org/package/2006/metadata/core-properties"/>
-    <ds:schemaRef ds:uri="http://purl.org/dc/elements/1.1/"/>
-    <ds:schemaRef ds:uri="http://purl.org/dc/terms/"/>
-    <ds:schemaRef ds:uri="http://schemas.microsoft.com/internal/obd"/>
-  </ds:schemaRefs>
-</ds:datastoreItem>
+<ds:datastoreItem xmlns:ds="http://schemas.openxmlformats.org/officeDocument/2006/customXml" ds:itemID="{19E621E7-6B4C-43DF-85CE-9272C3F8347B}"/>
 </file>
 
 <file path=customXml/itemProps3.xml><?xml version="1.0" encoding="utf-8"?>
-<ds:datastoreItem xmlns:ds="http://schemas.openxmlformats.org/officeDocument/2006/customXml" ds:itemID="{19E621E7-6B4C-43DF-85CE-9272C3F8347B}">
-  <ds:schemaRefs>
-    <ds:schemaRef ds:uri="http://schemas.microsoft.com/sharepoint/v3/contenttype/forms"/>
-  </ds:schemaRefs>
-</ds:datastoreItem>
+<ds:datastoreItem xmlns:ds="http://schemas.openxmlformats.org/officeDocument/2006/customXml" ds:itemID="{4960E11C-742F-4165-AF23-D043167A2306}"/>
 </file>
--- a/curriculum/Unit4/Unit 4 Slides.pptx
+++ b/curriculum/Unit4/Unit 4 Slides.pptx
@@ -2,26 +2,26 @@
 <file path=ppt/presentation.xml><?xml version="1.0" encoding="utf-8"?>
 <p:presentation xmlns:a="http://schemas.openxmlformats.org/drawingml/2006/main" xmlns:r="http://schemas.openxmlformats.org/officeDocument/2006/relationships" xmlns:p="http://schemas.openxmlformats.org/presentationml/2006/main" saveSubsetFonts="1" autoCompressPictures="0">
   <p:sldMasterIdLst>
-    <p:sldMasterId id="2147483648" r:id="rId1"/>
+    <p:sldMasterId id="2147483648" r:id="rId4"/>
   </p:sldMasterIdLst>
   <p:notesMasterIdLst>
-    <p:notesMasterId r:id="rId13"/>
+    <p:notesMasterId r:id="rId16"/>
   </p:notesMasterIdLst>
   <p:handoutMasterIdLst>
-    <p:handoutMasterId r:id="rId14"/>
+    <p:handoutMasterId r:id="rId17"/>
   </p:handoutMasterIdLst>
   <p:sldIdLst>
-    <p:sldId id="271" r:id="rId2"/>
-    <p:sldId id="282" r:id="rId3"/>
-    <p:sldId id="278" r:id="rId4"/>
-    <p:sldId id="279" r:id="rId5"/>
-    <p:sldId id="276" r:id="rId6"/>
-    <p:sldId id="277" r:id="rId7"/>
-    <p:sldId id="274" r:id="rId8"/>
-    <p:sldId id="275" r:id="rId9"/>
-    <p:sldId id="273" r:id="rId10"/>
-    <p:sldId id="272" r:id="rId11"/>
-    <p:sldId id="281" r:id="rId12"/>
+    <p:sldId id="271" r:id="rId5"/>
+    <p:sldId id="282" r:id="rId6"/>
+    <p:sldId id="278" r:id="rId7"/>
+    <p:sldId id="279" r:id="rId8"/>
+    <p:sldId id="276" r:id="rId9"/>
+    <p:sldId id="277" r:id="rId10"/>
+    <p:sldId id="274" r:id="rId11"/>
+    <p:sldId id="275" r:id="rId12"/>
+    <p:sldId id="273" r:id="rId13"/>
+    <p:sldId id="272" r:id="rId14"/>
+    <p:sldId id="281" r:id="rId15"/>
   </p:sldIdLst>
   <p:sldSz cx="9144000" cy="6858000" type="screen4x3"/>
   <p:notesSz cx="6858000" cy="9144000"/>
@@ -120,6 +120,22 @@
       </a:defRPr>
     </a:lvl9pPr>
   </p:defaultTextStyle>
+  <p:extLst>
+    <p:ext uri="{EFAFB233-063F-42B5-8137-9DF3F51BA10A}">
+      <p15:sldGuideLst xmlns:p15="http://schemas.microsoft.com/office/powerpoint/2012/main">
+        <p15:guide id="1" orient="horz" pos="2160">
+          <p15:clr>
+            <a:srgbClr val="A4A3A4"/>
+          </p15:clr>
+        </p15:guide>
+        <p15:guide id="2" pos="2880">
+          <p15:clr>
+            <a:srgbClr val="A4A3A4"/>
+          </p15:clr>
+        </p15:guide>
+      </p15:sldGuideLst>
+    </p:ext>
+  </p:extLst>
 </p:presentation>
 </file>
 
@@ -205,7 +221,7 @@
           <a:p>
             <a:fld id="{6D0754E3-E03E-ED44-9A59-706283C2F2CC}" type="datetimeFigureOut">
               <a:rPr lang="en-US" smtClean="0"/>
-              <a:t>6/19/15</a:t>
+              <a:t>2/18/2020</a:t>
             </a:fld>
             <a:endParaRPr lang="en-US"/>
           </a:p>
@@ -371,7 +387,7 @@
           <a:p>
             <a:fld id="{44996FB4-6AD2-FE4B-B45E-D44A9C110DAF}" type="datetimeFigureOut">
               <a:rPr lang="en-US" smtClean="0"/>
-              <a:t>6/19/15</a:t>
+              <a:t>2/18/2020</a:t>
             </a:fld>
             <a:endParaRPr lang="en-US"/>
           </a:p>
@@ -435,38 +451,37 @@
           <a:p>
             <a:pPr lvl="0"/>
             <a:r>
-              <a:rPr lang="en-US" smtClean="0"/>
+              <a:rPr lang="en-US"/>
               <a:t>Click to edit Master text styles</a:t>
             </a:r>
           </a:p>
           <a:p>
             <a:pPr lvl="1"/>
             <a:r>
-              <a:rPr lang="en-US" smtClean="0"/>
+              <a:rPr lang="en-US"/>
               <a:t>Second level</a:t>
             </a:r>
           </a:p>
           <a:p>
             <a:pPr lvl="2"/>
             <a:r>
-              <a:rPr lang="en-US" smtClean="0"/>
+              <a:rPr lang="en-US"/>
               <a:t>Third level</a:t>
             </a:r>
           </a:p>
           <a:p>
             <a:pPr lvl="3"/>
             <a:r>
-              <a:rPr lang="en-US" smtClean="0"/>
+              <a:rPr lang="en-US"/>
               <a:t>Fourth level</a:t>
             </a:r>
           </a:p>
           <a:p>
             <a:pPr lvl="4"/>
             <a:r>
-              <a:rPr lang="en-US" smtClean="0"/>
+              <a:rPr lang="en-US"/>
               <a:t>Fifth level</a:t>
             </a:r>
-            <a:endParaRPr lang="en-US"/>
           </a:p>
         </p:txBody>
       </p:sp>
@@ -678,10 +693,9 @@
           <a:lstStyle/>
           <a:p>
             <a:r>
-              <a:rPr lang="en-US" smtClean="0"/>
+              <a:rPr lang="en-US"/>
               <a:t>Click to edit Master title style</a:t>
             </a:r>
-            <a:endParaRPr lang="en-US"/>
           </a:p>
         </p:txBody>
       </p:sp>
@@ -797,10 +811,9 @@
           </a:lstStyle>
           <a:p>
             <a:r>
-              <a:rPr lang="en-US" smtClean="0"/>
+              <a:rPr lang="en-US"/>
               <a:t>Click to edit Master subtitle style</a:t>
             </a:r>
-            <a:endParaRPr lang="en-US"/>
           </a:p>
         </p:txBody>
       </p:sp>
@@ -821,7 +834,7 @@
           <a:p>
             <a:fld id="{34990CC2-A8CC-B149-BA8F-DDB0E524EE45}" type="datetime1">
               <a:rPr lang="en-US" smtClean="0"/>
-              <a:t>6/19/15</a:t>
+              <a:t>2/18/2020</a:t>
             </a:fld>
             <a:endParaRPr lang="en-US"/>
           </a:p>
@@ -843,10 +856,9 @@
           <a:lstStyle/>
           <a:p>
             <a:r>
-              <a:rPr lang="en-US" smtClean="0"/>
+              <a:rPr lang="en-US"/>
               <a:t>Developed by TEALS in 2015  www.tealsk12.org</a:t>
             </a:r>
-            <a:endParaRPr lang="en-US"/>
           </a:p>
         </p:txBody>
       </p:sp>
@@ -919,10 +931,9 @@
           <a:lstStyle/>
           <a:p>
             <a:r>
-              <a:rPr lang="en-US" smtClean="0"/>
+              <a:rPr lang="en-US"/>
               <a:t>Click to edit Master title style</a:t>
             </a:r>
-            <a:endParaRPr lang="en-US"/>
           </a:p>
         </p:txBody>
       </p:sp>
@@ -943,38 +954,37 @@
           <a:p>
             <a:pPr lvl="0"/>
             <a:r>
-              <a:rPr lang="en-US" smtClean="0"/>
+              <a:rPr lang="en-US"/>
               <a:t>Click to edit Master text styles</a:t>
             </a:r>
           </a:p>
           <a:p>
             <a:pPr lvl="1"/>
             <a:r>
-              <a:rPr lang="en-US" smtClean="0"/>
+              <a:rPr lang="en-US"/>
               <a:t>Second level</a:t>
             </a:r>
           </a:p>
           <a:p>
             <a:pPr lvl="2"/>
             <a:r>
-              <a:rPr lang="en-US" smtClean="0"/>
+              <a:rPr lang="en-US"/>
               <a:t>Third level</a:t>
             </a:r>
           </a:p>
           <a:p>
             <a:pPr lvl="3"/>
             <a:r>
-              <a:rPr lang="en-US" smtClean="0"/>
+              <a:rPr lang="en-US"/>
               <a:t>Fourth level</a:t>
             </a:r>
           </a:p>
           <a:p>
             <a:pPr lvl="4"/>
             <a:r>
-              <a:rPr lang="en-US" smtClean="0"/>
+              <a:rPr lang="en-US"/>
               <a:t>Fifth level</a:t>
             </a:r>
-            <a:endParaRPr lang="en-US"/>
           </a:p>
         </p:txBody>
       </p:sp>
@@ -995,7 +1005,7 @@
           <a:p>
             <a:fld id="{96267D05-F6C2-F64A-9C7F-A94B43164B5C}" type="datetime1">
               <a:rPr lang="en-US" smtClean="0"/>
-              <a:t>6/19/15</a:t>
+              <a:t>2/18/2020</a:t>
             </a:fld>
             <a:endParaRPr lang="en-US"/>
           </a:p>
@@ -1017,10 +1027,9 @@
           <a:lstStyle/>
           <a:p>
             <a:r>
-              <a:rPr lang="en-US" smtClean="0"/>
+              <a:rPr lang="en-US"/>
               <a:t>Developed by TEALS in 2015  www.tealsk12.org</a:t>
             </a:r>
-            <a:endParaRPr lang="en-US"/>
           </a:p>
         </p:txBody>
       </p:sp>
@@ -1098,10 +1107,9 @@
           <a:lstStyle/>
           <a:p>
             <a:r>
-              <a:rPr lang="en-US" smtClean="0"/>
+              <a:rPr lang="en-US"/>
               <a:t>Click to edit Master title style</a:t>
             </a:r>
-            <a:endParaRPr lang="en-US"/>
           </a:p>
         </p:txBody>
       </p:sp>
@@ -1127,38 +1135,37 @@
           <a:p>
             <a:pPr lvl="0"/>
             <a:r>
-              <a:rPr lang="en-US" smtClean="0"/>
+              <a:rPr lang="en-US"/>
               <a:t>Click to edit Master text styles</a:t>
             </a:r>
           </a:p>
           <a:p>
             <a:pPr lvl="1"/>
             <a:r>
-              <a:rPr lang="en-US" smtClean="0"/>
+              <a:rPr lang="en-US"/>
               <a:t>Second level</a:t>
             </a:r>
           </a:p>
           <a:p>
             <a:pPr lvl="2"/>
             <a:r>
-              <a:rPr lang="en-US" smtClean="0"/>
+              <a:rPr lang="en-US"/>
               <a:t>Third level</a:t>
             </a:r>
           </a:p>
           <a:p>
             <a:pPr lvl="3"/>
             <a:r>
-              <a:rPr lang="en-US" smtClean="0"/>
+              <a:rPr lang="en-US"/>
               <a:t>Fourth level</a:t>
             </a:r>
           </a:p>
           <a:p>
             <a:pPr lvl="4"/>
             <a:r>
-              <a:rPr lang="en-US" smtClean="0"/>
+              <a:rPr lang="en-US"/>
               <a:t>Fifth level</a:t>
             </a:r>
-            <a:endParaRPr lang="en-US"/>
           </a:p>
         </p:txBody>
       </p:sp>
@@ -1179,7 +1186,7 @@
           <a:p>
             <a:fld id="{087C1978-9D0A-A345-9E84-F995A3601C8E}" type="datetime1">
               <a:rPr lang="en-US" smtClean="0"/>
-              <a:t>6/19/15</a:t>
+              <a:t>2/18/2020</a:t>
             </a:fld>
             <a:endParaRPr lang="en-US"/>
           </a:p>
@@ -1201,10 +1208,9 @@
           <a:lstStyle/>
           <a:p>
             <a:r>
-              <a:rPr lang="en-US" smtClean="0"/>
+              <a:rPr lang="en-US"/>
               <a:t>Developed by TEALS in 2015  www.tealsk12.org</a:t>
             </a:r>
-            <a:endParaRPr lang="en-US"/>
           </a:p>
         </p:txBody>
       </p:sp>
@@ -1277,10 +1283,9 @@
           <a:lstStyle/>
           <a:p>
             <a:r>
-              <a:rPr lang="en-US" smtClean="0"/>
+              <a:rPr lang="en-US"/>
               <a:t>Click to edit Master title style</a:t>
             </a:r>
-            <a:endParaRPr lang="en-US"/>
           </a:p>
         </p:txBody>
       </p:sp>
@@ -1301,38 +1306,37 @@
           <a:p>
             <a:pPr lvl="0"/>
             <a:r>
-              <a:rPr lang="en-US" smtClean="0"/>
+              <a:rPr lang="en-US"/>
               <a:t>Click to edit Master text styles</a:t>
             </a:r>
           </a:p>
           <a:p>
             <a:pPr lvl="1"/>
             <a:r>
-              <a:rPr lang="en-US" smtClean="0"/>
+              <a:rPr lang="en-US"/>
               <a:t>Second level</a:t>
             </a:r>
           </a:p>
           <a:p>
             <a:pPr lvl="2"/>
             <a:r>
-              <a:rPr lang="en-US" smtClean="0"/>
+              <a:rPr lang="en-US"/>
               <a:t>Third level</a:t>
             </a:r>
           </a:p>
           <a:p>
             <a:pPr lvl="3"/>
             <a:r>
-              <a:rPr lang="en-US" smtClean="0"/>
+              <a:rPr lang="en-US"/>
               <a:t>Fourth level</a:t>
             </a:r>
           </a:p>
           <a:p>
             <a:pPr lvl="4"/>
             <a:r>
-              <a:rPr lang="en-US" smtClean="0"/>
+              <a:rPr lang="en-US"/>
               <a:t>Fifth level</a:t>
             </a:r>
-            <a:endParaRPr lang="en-US"/>
           </a:p>
         </p:txBody>
       </p:sp>
@@ -1353,7 +1357,7 @@
           <a:p>
             <a:fld id="{620CD570-9DDA-524E-9F58-9DBC8D3A8C31}" type="datetime1">
               <a:rPr lang="en-US" smtClean="0"/>
-              <a:t>6/19/15</a:t>
+              <a:t>2/18/2020</a:t>
             </a:fld>
             <a:endParaRPr lang="en-US"/>
           </a:p>
@@ -1375,10 +1379,9 @@
           <a:lstStyle/>
           <a:p>
             <a:r>
-              <a:rPr lang="en-US" smtClean="0"/>
+              <a:rPr lang="en-US"/>
               <a:t>Developed by TEALS in 2015  www.tealsk12.org</a:t>
             </a:r>
-            <a:endParaRPr lang="en-US"/>
           </a:p>
         </p:txBody>
       </p:sp>
@@ -1460,10 +1463,9 @@
           </a:lstStyle>
           <a:p>
             <a:r>
-              <a:rPr lang="en-US" smtClean="0"/>
+              <a:rPr lang="en-US"/>
               <a:t>Click to edit Master title style</a:t>
             </a:r>
-            <a:endParaRPr lang="en-US"/>
           </a:p>
         </p:txBody>
       </p:sp>
@@ -1580,7 +1582,7 @@
           <a:p>
             <a:pPr lvl="0"/>
             <a:r>
-              <a:rPr lang="en-US" smtClean="0"/>
+              <a:rPr lang="en-US"/>
               <a:t>Click to edit Master text styles</a:t>
             </a:r>
           </a:p>
@@ -1603,7 +1605,7 @@
           <a:p>
             <a:fld id="{FEBAD56B-400E-5542-B4A1-CD46AB8B4D0E}" type="datetime1">
               <a:rPr lang="en-US" smtClean="0"/>
-              <a:t>6/19/15</a:t>
+              <a:t>2/18/2020</a:t>
             </a:fld>
             <a:endParaRPr lang="en-US"/>
           </a:p>
@@ -1625,10 +1627,9 @@
           <a:lstStyle/>
           <a:p>
             <a:r>
-              <a:rPr lang="en-US" smtClean="0"/>
+              <a:rPr lang="en-US"/>
               <a:t>Developed by TEALS in 2015  www.tealsk12.org</a:t>
             </a:r>
-            <a:endParaRPr lang="en-US"/>
           </a:p>
         </p:txBody>
       </p:sp>
@@ -1701,10 +1702,9 @@
           <a:lstStyle/>
           <a:p>
             <a:r>
-              <a:rPr lang="en-US" smtClean="0"/>
+              <a:rPr lang="en-US"/>
               <a:t>Click to edit Master title style</a:t>
             </a:r>
-            <a:endParaRPr lang="en-US"/>
           </a:p>
         </p:txBody>
       </p:sp>
@@ -1758,38 +1758,37 @@
           <a:p>
             <a:pPr lvl="0"/>
             <a:r>
-              <a:rPr lang="en-US" smtClean="0"/>
+              <a:rPr lang="en-US"/>
               <a:t>Click to edit Master text styles</a:t>
             </a:r>
           </a:p>
           <a:p>
             <a:pPr lvl="1"/>
             <a:r>
-              <a:rPr lang="en-US" smtClean="0"/>
+              <a:rPr lang="en-US"/>
               <a:t>Second level</a:t>
             </a:r>
           </a:p>
           <a:p>
             <a:pPr lvl="2"/>
             <a:r>
-              <a:rPr lang="en-US" smtClean="0"/>
+              <a:rPr lang="en-US"/>
               <a:t>Third level</a:t>
             </a:r>
           </a:p>
           <a:p>
             <a:pPr lvl="3"/>
             <a:r>
-              <a:rPr lang="en-US" smtClean="0"/>
+              <a:rPr lang="en-US"/>
               <a:t>Fourth level</a:t>
             </a:r>
           </a:p>
           <a:p>
             <a:pPr lvl="4"/>
             <a:r>
-              <a:rPr lang="en-US" smtClean="0"/>
+              <a:rPr lang="en-US"/>
               <a:t>Fifth level</a:t>
             </a:r>
-            <a:endParaRPr lang="en-US"/>
           </a:p>
         </p:txBody>
       </p:sp>
@@ -1843,38 +1842,37 @@
           <a:p>
             <a:pPr lvl="0"/>
             <a:r>
-              <a:rPr lang="en-US" smtClean="0"/>
+              <a:rPr lang="en-US"/>
               <a:t>Click to edit Master text styles</a:t>
             </a:r>
           </a:p>
           <a:p>
             <a:pPr lvl="1"/>
             <a:r>
-              <a:rPr lang="en-US" smtClean="0"/>
+              <a:rPr lang="en-US"/>
               <a:t>Second level</a:t>
             </a:r>
           </a:p>
           <a:p>
             <a:pPr lvl="2"/>
             <a:r>
-              <a:rPr lang="en-US" smtClean="0"/>
+              <a:rPr lang="en-US"/>
               <a:t>Third level</a:t>
             </a:r>
           </a:p>
           <a:p>
             <a:pPr lvl="3"/>
             <a:r>
-              <a:rPr lang="en-US" smtClean="0"/>
+              <a:rPr lang="en-US"/>
               <a:t>Fourth level</a:t>
             </a:r>
           </a:p>
           <a:p>
             <a:pPr lvl="4"/>
             <a:r>
-              <a:rPr lang="en-US" smtClean="0"/>
+              <a:rPr lang="en-US"/>
               <a:t>Fifth level</a:t>
             </a:r>
-            <a:endParaRPr lang="en-US"/>
           </a:p>
         </p:txBody>
       </p:sp>
@@ -1895,7 +1893,7 @@
           <a:p>
             <a:fld id="{43394E63-B418-1F4A-9C08-2548B9C5B3C1}" type="datetime1">
               <a:rPr lang="en-US" smtClean="0"/>
-              <a:t>6/19/15</a:t>
+              <a:t>2/18/2020</a:t>
             </a:fld>
             <a:endParaRPr lang="en-US"/>
           </a:p>
@@ -1917,10 +1915,9 @@
           <a:lstStyle/>
           <a:p>
             <a:r>
-              <a:rPr lang="en-US" smtClean="0"/>
+              <a:rPr lang="en-US"/>
               <a:t>Developed by TEALS in 2015  www.tealsk12.org</a:t>
             </a:r>
-            <a:endParaRPr lang="en-US"/>
           </a:p>
         </p:txBody>
       </p:sp>
@@ -1997,10 +1994,9 @@
           </a:lstStyle>
           <a:p>
             <a:r>
-              <a:rPr lang="en-US" smtClean="0"/>
+              <a:rPr lang="en-US"/>
               <a:t>Click to edit Master title style</a:t>
             </a:r>
-            <a:endParaRPr lang="en-US"/>
           </a:p>
         </p:txBody>
       </p:sp>
@@ -2063,7 +2059,7 @@
           <a:p>
             <a:pPr lvl="0"/>
             <a:r>
-              <a:rPr lang="en-US" smtClean="0"/>
+              <a:rPr lang="en-US"/>
               <a:t>Click to edit Master text styles</a:t>
             </a:r>
           </a:p>
@@ -2119,38 +2115,37 @@
           <a:p>
             <a:pPr lvl="0"/>
             <a:r>
-              <a:rPr lang="en-US" smtClean="0"/>
+              <a:rPr lang="en-US"/>
               <a:t>Click to edit Master text styles</a:t>
             </a:r>
           </a:p>
           <a:p>
             <a:pPr lvl="1"/>
             <a:r>
-              <a:rPr lang="en-US" smtClean="0"/>
+              <a:rPr lang="en-US"/>
               <a:t>Second level</a:t>
             </a:r>
           </a:p>
           <a:p>
             <a:pPr lvl="2"/>
             <a:r>
-              <a:rPr lang="en-US" smtClean="0"/>
+              <a:rPr lang="en-US"/>
               <a:t>Third level</a:t>
             </a:r>
           </a:p>
           <a:p>
             <a:pPr lvl="3"/>
             <a:r>
-              <a:rPr lang="en-US" smtClean="0"/>
+              <a:rPr lang="en-US"/>
               <a:t>Fourth level</a:t>
             </a:r>
           </a:p>
           <a:p>
             <a:pPr lvl="4"/>
             <a:r>
-              <a:rPr lang="en-US" smtClean="0"/>
+              <a:rPr lang="en-US"/>
               <a:t>Fifth level</a:t>
             </a:r>
-            <a:endParaRPr lang="en-US"/>
           </a:p>
         </p:txBody>
       </p:sp>
@@ -2213,7 +2208,7 @@
           <a:p>
             <a:pPr lvl="0"/>
             <a:r>
-              <a:rPr lang="en-US" smtClean="0"/>
+              <a:rPr lang="en-US"/>
               <a:t>Click to edit Master text styles</a:t>
             </a:r>
           </a:p>
@@ -2269,38 +2264,37 @@
           <a:p>
             <a:pPr lvl="0"/>
             <a:r>
-              <a:rPr lang="en-US" smtClean="0"/>
+              <a:rPr lang="en-US"/>
               <a:t>Click to edit Master text styles</a:t>
             </a:r>
           </a:p>
           <a:p>
             <a:pPr lvl="1"/>
             <a:r>
-              <a:rPr lang="en-US" smtClean="0"/>
+              <a:rPr lang="en-US"/>
               <a:t>Second level</a:t>
             </a:r>
           </a:p>
           <a:p>
             <a:pPr lvl="2"/>
             <a:r>
-              <a:rPr lang="en-US" smtClean="0"/>
+              <a:rPr lang="en-US"/>
               <a:t>Third level</a:t>
             </a:r>
           </a:p>
           <a:p>
             <a:pPr lvl="3"/>
             <a:r>
-              <a:rPr lang="en-US" smtClean="0"/>
+              <a:rPr lang="en-US"/>
               <a:t>Fourth level</a:t>
             </a:r>
           </a:p>
           <a:p>
             <a:pPr lvl="4"/>
             <a:r>
-              <a:rPr lang="en-US" smtClean="0"/>
+              <a:rPr lang="en-US"/>
               <a:t>Fifth level</a:t>
             </a:r>
-            <a:endParaRPr lang="en-US"/>
           </a:p>
         </p:txBody>
       </p:sp>
@@ -2321,7 +2315,7 @@
           <a:p>
             <a:fld id="{6F92EF41-DD41-C742-BC3B-970F41658B68}" type="datetime1">
               <a:rPr lang="en-US" smtClean="0"/>
-              <a:t>6/19/15</a:t>
+              <a:t>2/18/2020</a:t>
             </a:fld>
             <a:endParaRPr lang="en-US"/>
           </a:p>
@@ -2343,10 +2337,9 @@
           <a:lstStyle/>
           <a:p>
             <a:r>
-              <a:rPr lang="en-US" smtClean="0"/>
+              <a:rPr lang="en-US"/>
               <a:t>Developed by TEALS in 2015  www.tealsk12.org</a:t>
             </a:r>
-            <a:endParaRPr lang="en-US"/>
           </a:p>
         </p:txBody>
       </p:sp>
@@ -2419,10 +2412,9 @@
           <a:lstStyle/>
           <a:p>
             <a:r>
-              <a:rPr lang="en-US" smtClean="0"/>
+              <a:rPr lang="en-US"/>
               <a:t>Click to edit Master title style</a:t>
             </a:r>
-            <a:endParaRPr lang="en-US"/>
           </a:p>
         </p:txBody>
       </p:sp>
@@ -2443,7 +2435,7 @@
           <a:p>
             <a:fld id="{631009B9-6DC3-0349-8BB5-CE1E5B2C68D1}" type="datetime1">
               <a:rPr lang="en-US" smtClean="0"/>
-              <a:t>6/19/15</a:t>
+              <a:t>2/18/2020</a:t>
             </a:fld>
             <a:endParaRPr lang="en-US"/>
           </a:p>
@@ -2465,10 +2457,9 @@
           <a:lstStyle/>
           <a:p>
             <a:r>
-              <a:rPr lang="en-US" smtClean="0"/>
+              <a:rPr lang="en-US"/>
               <a:t>Developed by TEALS in 2015  www.tealsk12.org</a:t>
             </a:r>
-            <a:endParaRPr lang="en-US"/>
           </a:p>
         </p:txBody>
       </p:sp>
@@ -2542,7 +2533,7 @@
           <a:p>
             <a:fld id="{DBD68779-2025-B44F-AD23-DF62F9874F1B}" type="datetime1">
               <a:rPr lang="en-US" smtClean="0"/>
-              <a:t>6/19/15</a:t>
+              <a:t>2/18/2020</a:t>
             </a:fld>
             <a:endParaRPr lang="en-US"/>
           </a:p>
@@ -2564,10 +2555,9 @@
           <a:lstStyle/>
           <a:p>
             <a:r>
-              <a:rPr lang="en-US" smtClean="0"/>
+              <a:rPr lang="en-US"/>
               <a:t>Developed by TEALS in 2015  www.tealsk12.org</a:t>
             </a:r>
-            <a:endParaRPr lang="en-US"/>
           </a:p>
         </p:txBody>
       </p:sp>
@@ -2649,10 +2639,9 @@
           </a:lstStyle>
           <a:p>
             <a:r>
-              <a:rPr lang="en-US" smtClean="0"/>
+              <a:rPr lang="en-US"/>
               <a:t>Click to edit Master title style</a:t>
             </a:r>
-            <a:endParaRPr lang="en-US"/>
           </a:p>
         </p:txBody>
       </p:sp>
@@ -2706,38 +2695,37 @@
           <a:p>
             <a:pPr lvl="0"/>
             <a:r>
-              <a:rPr lang="en-US" smtClean="0"/>
+              <a:rPr lang="en-US"/>
               <a:t>Click to edit Master text styles</a:t>
             </a:r>
           </a:p>
           <a:p>
             <a:pPr lvl="1"/>
             <a:r>
-              <a:rPr lang="en-US" smtClean="0"/>
+              <a:rPr lang="en-US"/>
               <a:t>Second level</a:t>
             </a:r>
           </a:p>
           <a:p>
             <a:pPr lvl="2"/>
             <a:r>
-              <a:rPr lang="en-US" smtClean="0"/>
+              <a:rPr lang="en-US"/>
               <a:t>Third level</a:t>
             </a:r>
           </a:p>
           <a:p>
             <a:pPr lvl="3"/>
             <a:r>
-              <a:rPr lang="en-US" smtClean="0"/>
+              <a:rPr lang="en-US"/>
               <a:t>Fourth level</a:t>
             </a:r>
           </a:p>
           <a:p>
             <a:pPr lvl="4"/>
             <a:r>
-              <a:rPr lang="en-US" smtClean="0"/>
+              <a:rPr lang="en-US"/>
               <a:t>Fifth level</a:t>
             </a:r>
-            <a:endParaRPr lang="en-US"/>
           </a:p>
         </p:txBody>
       </p:sp>
@@ -2800,7 +2788,7 @@
           <a:p>
             <a:pPr lvl="0"/>
             <a:r>
-              <a:rPr lang="en-US" smtClean="0"/>
+              <a:rPr lang="en-US"/>
               <a:t>Click to edit Master text styles</a:t>
             </a:r>
           </a:p>
@@ -2823,7 +2811,7 @@
           <a:p>
             <a:fld id="{1C533E1B-B859-DB4E-86F0-BE8C9C0ABFF7}" type="datetime1">
               <a:rPr lang="en-US" smtClean="0"/>
-              <a:t>6/19/15</a:t>
+              <a:t>2/18/2020</a:t>
             </a:fld>
             <a:endParaRPr lang="en-US"/>
           </a:p>
@@ -2845,10 +2833,9 @@
           <a:lstStyle/>
           <a:p>
             <a:r>
-              <a:rPr lang="en-US" smtClean="0"/>
+              <a:rPr lang="en-US"/>
               <a:t>Developed by TEALS in 2015  www.tealsk12.org</a:t>
             </a:r>
-            <a:endParaRPr lang="en-US"/>
           </a:p>
         </p:txBody>
       </p:sp>
@@ -2930,10 +2917,9 @@
           </a:lstStyle>
           <a:p>
             <a:r>
-              <a:rPr lang="en-US" smtClean="0"/>
+              <a:rPr lang="en-US"/>
               <a:t>Click to edit Master title style</a:t>
             </a:r>
-            <a:endParaRPr lang="en-US"/>
           </a:p>
         </p:txBody>
       </p:sp>
@@ -3057,7 +3043,7 @@
           <a:p>
             <a:pPr lvl="0"/>
             <a:r>
-              <a:rPr lang="en-US" smtClean="0"/>
+              <a:rPr lang="en-US"/>
               <a:t>Click to edit Master text styles</a:t>
             </a:r>
           </a:p>
@@ -3080,7 +3066,7 @@
           <a:p>
             <a:fld id="{AC1EAEA1-8470-6B4A-8D60-97578450ABB9}" type="datetime1">
               <a:rPr lang="en-US" smtClean="0"/>
-              <a:t>6/19/15</a:t>
+              <a:t>2/18/2020</a:t>
             </a:fld>
             <a:endParaRPr lang="en-US"/>
           </a:p>
@@ -3102,10 +3088,9 @@
           <a:lstStyle/>
           <a:p>
             <a:r>
-              <a:rPr lang="en-US" smtClean="0"/>
+              <a:rPr lang="en-US"/>
               <a:t>Developed by TEALS in 2015  www.tealsk12.org</a:t>
             </a:r>
-            <a:endParaRPr lang="en-US"/>
           </a:p>
         </p:txBody>
       </p:sp>
@@ -3193,10 +3178,9 @@
           <a:lstStyle/>
           <a:p>
             <a:r>
-              <a:rPr lang="en-US" smtClean="0"/>
+              <a:rPr lang="en-US"/>
               <a:t>Click to edit Master title style</a:t>
             </a:r>
-            <a:endParaRPr lang="en-US"/>
           </a:p>
         </p:txBody>
       </p:sp>
@@ -3227,38 +3211,37 @@
           <a:p>
             <a:pPr lvl="0"/>
             <a:r>
-              <a:rPr lang="en-US" smtClean="0"/>
+              <a:rPr lang="en-US"/>
               <a:t>Click to edit Master text styles</a:t>
             </a:r>
           </a:p>
           <a:p>
             <a:pPr lvl="1"/>
             <a:r>
-              <a:rPr lang="en-US" smtClean="0"/>
+              <a:rPr lang="en-US"/>
               <a:t>Second level</a:t>
             </a:r>
           </a:p>
           <a:p>
             <a:pPr lvl="2"/>
             <a:r>
-              <a:rPr lang="en-US" smtClean="0"/>
+              <a:rPr lang="en-US"/>
               <a:t>Third level</a:t>
             </a:r>
           </a:p>
           <a:p>
             <a:pPr lvl="3"/>
             <a:r>
-              <a:rPr lang="en-US" smtClean="0"/>
+              <a:rPr lang="en-US"/>
               <a:t>Fourth level</a:t>
             </a:r>
           </a:p>
           <a:p>
             <a:pPr lvl="4"/>
             <a:r>
-              <a:rPr lang="en-US" smtClean="0"/>
+              <a:rPr lang="en-US"/>
               <a:t>Fifth level</a:t>
             </a:r>
-            <a:endParaRPr lang="en-US"/>
           </a:p>
         </p:txBody>
       </p:sp>
@@ -3297,7 +3280,7 @@
           <a:p>
             <a:fld id="{EB2A284D-251E-7046-B0B7-6A85726BD855}" type="datetime1">
               <a:rPr lang="en-US" smtClean="0"/>
-              <a:t>6/19/15</a:t>
+              <a:t>2/18/2020</a:t>
             </a:fld>
             <a:endParaRPr lang="en-US"/>
           </a:p>
@@ -3337,10 +3320,9 @@
           </a:lstStyle>
           <a:p>
             <a:r>
-              <a:rPr lang="en-US" smtClean="0"/>
+              <a:rPr lang="en-US"/>
               <a:t>Developed by TEALS in 2015  www.tealsk12.org</a:t>
             </a:r>
-            <a:endParaRPr lang="en-US"/>
           </a:p>
         </p:txBody>
       </p:sp>
@@ -3695,22 +3677,17 @@
           <a:lstStyle/>
           <a:p>
             <a:r>
-              <a:rPr lang="en-US" b="1" dirty="0" smtClean="0"/>
+              <a:rPr lang="en-US" b="1" dirty="0"/>
               <a:t>Lesson 4.0 </a:t>
             </a:r>
             <a:r>
-              <a:rPr lang="en-US" dirty="0" smtClean="0">
+              <a:rPr lang="en-US" dirty="0">
                 <a:solidFill>
                   <a:srgbClr val="17B1AA"/>
                 </a:solidFill>
               </a:rPr>
               <a:t>Test Review and Reteach</a:t>
             </a:r>
-            <a:endParaRPr lang="en-US" dirty="0">
-              <a:solidFill>
-                <a:srgbClr val="17B1AA"/>
-              </a:solidFill>
-            </a:endParaRPr>
           </a:p>
         </p:txBody>
       </p:sp>
@@ -3739,34 +3716,29 @@
               </a:rPr>
               <a:t>Objectives </a:t>
             </a:r>
-            <a:endParaRPr lang="en-US" dirty="0" smtClean="0">
+          </a:p>
+          <a:p>
+            <a:pPr lvl="1"/>
+            <a:r>
+              <a:rPr lang="en-US" b="1" dirty="0"/>
+              <a:t>Re-learn or strengthen</a:t>
+            </a:r>
+            <a:r>
+              <a:rPr lang="en-US" dirty="0"/>
+              <a:t> content knowledge and skills from Unit 3.</a:t>
+            </a:r>
+            <a:endParaRPr lang="en-US" b="1" dirty="0"/>
+          </a:p>
+          <a:p>
+            <a:endParaRPr lang="en-US" dirty="0">
               <a:solidFill>
                 <a:srgbClr val="17B1AA"/>
               </a:solidFill>
             </a:endParaRPr>
           </a:p>
           <a:p>
-            <a:pPr lvl="1"/>
-            <a:r>
-              <a:rPr lang="en-US" b="1" dirty="0" smtClean="0"/>
-              <a:t>Re-learn or strengthen</a:t>
-            </a:r>
-            <a:r>
-              <a:rPr lang="en-US" dirty="0" smtClean="0"/>
-              <a:t> content knowledge and skills from Unit 3.</a:t>
-            </a:r>
-            <a:endParaRPr lang="en-US" b="1" dirty="0"/>
-          </a:p>
-          <a:p>
-            <a:endParaRPr lang="en-US" dirty="0" smtClean="0">
-              <a:solidFill>
-                <a:srgbClr val="17B1AA"/>
-              </a:solidFill>
-            </a:endParaRPr>
-          </a:p>
-          <a:p>
-            <a:r>
-              <a:rPr lang="en-US" dirty="0" smtClean="0">
+            <a:r>
+              <a:rPr lang="en-US" dirty="0">
                 <a:solidFill>
                   <a:srgbClr val="17B1AA"/>
                 </a:solidFill>
@@ -3777,11 +3749,11 @@
           <a:p>
             <a:pPr lvl="1"/>
             <a:r>
-              <a:rPr lang="en-US" b="1" dirty="0" smtClean="0"/>
+              <a:rPr lang="en-US" b="1" dirty="0"/>
               <a:t>Re-submit</a:t>
             </a:r>
             <a:r>
-              <a:rPr lang="en-US" dirty="0" smtClean="0"/>
+              <a:rPr lang="en-US" dirty="0"/>
               <a:t> test answers with updated corrections</a:t>
             </a:r>
             <a:endParaRPr lang="en-US" b="1" dirty="0"/>
@@ -3801,32 +3773,27 @@
               </a:rPr>
               <a:t>Homework </a:t>
             </a:r>
-            <a:endParaRPr lang="en-US" dirty="0" smtClean="0">
-              <a:solidFill>
-                <a:srgbClr val="17B1AA"/>
-              </a:solidFill>
-            </a:endParaRPr>
           </a:p>
           <a:p>
             <a:pPr lvl="1"/>
             <a:r>
-              <a:rPr lang="en-US" b="1" smtClean="0"/>
+              <a:rPr lang="en-US" b="1"/>
               <a:t>Read</a:t>
             </a:r>
             <a:r>
-              <a:rPr lang="en-US" smtClean="0"/>
+              <a:rPr lang="en-US"/>
               <a:t> HW 6.1</a:t>
             </a:r>
-            <a:endParaRPr lang="en-US" dirty="0" smtClean="0"/>
+            <a:endParaRPr lang="en-US" dirty="0"/>
           </a:p>
           <a:p>
             <a:pPr lvl="1"/>
             <a:r>
-              <a:rPr lang="en-US" b="1" dirty="0" smtClean="0"/>
+              <a:rPr lang="en-US" b="1" dirty="0"/>
               <a:t>Correct</a:t>
             </a:r>
             <a:r>
-              <a:rPr lang="en-US" dirty="0" smtClean="0"/>
+              <a:rPr lang="en-US" dirty="0"/>
               <a:t> any incorrect test answers by re-answering on a separate sheet of paper</a:t>
             </a:r>
             <a:endParaRPr lang="en-US" b="1" dirty="0"/>
@@ -3852,10 +3819,9 @@
           <a:lstStyle/>
           <a:p>
             <a:r>
-              <a:rPr lang="en-US" smtClean="0"/>
+              <a:rPr lang="en-US"/>
               <a:t>Developed by TEALS in 2015  www.tealsk12.org</a:t>
             </a:r>
-            <a:endParaRPr lang="en-US"/>
           </a:p>
         </p:txBody>
       </p:sp>
@@ -3905,11 +3871,11 @@
           <a:lstStyle/>
           <a:p>
             <a:r>
-              <a:rPr lang="en-US" b="1" dirty="0" smtClean="0"/>
+              <a:rPr lang="en-US" b="1" dirty="0"/>
               <a:t>Lesson 4.9 </a:t>
             </a:r>
             <a:r>
-              <a:rPr lang="en-US" dirty="0" smtClean="0">
+              <a:rPr lang="en-US" dirty="0">
                 <a:solidFill>
                   <a:srgbClr val="17B1AA"/>
                 </a:solidFill>
@@ -3917,7 +3883,7 @@
               <a:t>Magpie </a:t>
             </a:r>
             <a:r>
-              <a:rPr lang="en-US" dirty="0" err="1" smtClean="0">
+              <a:rPr lang="en-US" dirty="0" err="1">
                 <a:solidFill>
                   <a:srgbClr val="17B1AA"/>
                 </a:solidFill>
@@ -3925,18 +3891,13 @@
               <a:t>Chatbot</a:t>
             </a:r>
             <a:r>
-              <a:rPr lang="en-US" dirty="0" smtClean="0">
+              <a:rPr lang="en-US" dirty="0">
                 <a:solidFill>
                   <a:srgbClr val="17B1AA"/>
                 </a:solidFill>
               </a:rPr>
               <a:t> Lab</a:t>
             </a:r>
-            <a:endParaRPr lang="en-US" dirty="0">
-              <a:solidFill>
-                <a:srgbClr val="17B1AA"/>
-              </a:solidFill>
-            </a:endParaRPr>
           </a:p>
         </p:txBody>
       </p:sp>
@@ -3965,11 +3926,6 @@
               </a:rPr>
               <a:t>Objectives </a:t>
             </a:r>
-            <a:endParaRPr lang="en-US" dirty="0" smtClean="0">
-              <a:solidFill>
-                <a:srgbClr val="17B1AA"/>
-              </a:solidFill>
-            </a:endParaRPr>
           </a:p>
           <a:p>
             <a:pPr lvl="1"/>
@@ -4005,11 +3961,6 @@
               </a:rPr>
               <a:t>Assessments </a:t>
             </a:r>
-            <a:endParaRPr lang="en-US" dirty="0" smtClean="0">
-              <a:solidFill>
-                <a:srgbClr val="17B1AA"/>
-              </a:solidFill>
-            </a:endParaRPr>
           </a:p>
           <a:p>
             <a:pPr lvl="1"/>
@@ -4064,11 +4015,6 @@
               </a:rPr>
               <a:t>Homework </a:t>
             </a:r>
-            <a:endParaRPr lang="en-US" dirty="0" smtClean="0">
-              <a:solidFill>
-                <a:srgbClr val="17B1AA"/>
-              </a:solidFill>
-            </a:endParaRPr>
           </a:p>
           <a:p>
             <a:pPr lvl="1"/>
@@ -4103,10 +4049,9 @@
           <a:lstStyle/>
           <a:p>
             <a:r>
-              <a:rPr lang="en-US" smtClean="0"/>
+              <a:rPr lang="en-US"/>
               <a:t>Developed by TEALS in 2015  www.tealsk12.org</a:t>
             </a:r>
-            <a:endParaRPr lang="en-US"/>
           </a:p>
         </p:txBody>
       </p:sp>
@@ -4156,22 +4101,17 @@
           <a:lstStyle/>
           <a:p>
             <a:r>
-              <a:rPr lang="en-US" b="1" dirty="0" smtClean="0"/>
+              <a:rPr lang="en-US" b="1" dirty="0"/>
               <a:t>Lesson 4.10 </a:t>
             </a:r>
             <a:r>
-              <a:rPr lang="en-US" dirty="0" smtClean="0">
+              <a:rPr lang="en-US" dirty="0">
                 <a:solidFill>
                   <a:srgbClr val="17B1AA"/>
                 </a:solidFill>
               </a:rPr>
               <a:t>Review</a:t>
             </a:r>
-            <a:endParaRPr lang="en-US" dirty="0">
-              <a:solidFill>
-                <a:srgbClr val="17B1AA"/>
-              </a:solidFill>
-            </a:endParaRPr>
           </a:p>
         </p:txBody>
       </p:sp>
@@ -4200,41 +4140,16 @@
               </a:rPr>
               <a:t>Objectives </a:t>
             </a:r>
-            <a:endParaRPr lang="en-US" dirty="0" smtClean="0">
-              <a:solidFill>
-                <a:srgbClr val="17B1AA"/>
-              </a:solidFill>
-            </a:endParaRPr>
           </a:p>
           <a:p>
             <a:pPr lvl="1"/>
             <a:r>
-              <a:rPr lang="en-US" b="1" dirty="0" smtClean="0"/>
+              <a:rPr lang="en-US" b="1" dirty="0"/>
               <a:t>Identify</a:t>
             </a:r>
             <a:r>
-              <a:rPr lang="en-US" dirty="0" smtClean="0"/>
-              <a:t> </a:t>
-            </a:r>
-            <a:r>
               <a:rPr lang="en-US" dirty="0"/>
-              <a:t>weaknesses in </a:t>
-            </a:r>
-            <a:r>
-              <a:rPr lang="en-US" dirty="0" smtClean="0"/>
-              <a:t>Unit </a:t>
-            </a:r>
-            <a:r>
-              <a:rPr lang="en-US" dirty="0"/>
-              <a:t>4</a:t>
-            </a:r>
-            <a:r>
-              <a:rPr lang="en-US" dirty="0" smtClean="0"/>
-              <a:t> </a:t>
-            </a:r>
-            <a:r>
-              <a:rPr lang="en-US" dirty="0"/>
-              <a:t>knowledge.</a:t>
+              <a:t> weaknesses in Unit 4 knowledge.</a:t>
             </a:r>
           </a:p>
           <a:p>
@@ -4252,25 +4167,16 @@
               </a:rPr>
               <a:t>Assessments </a:t>
             </a:r>
-            <a:endParaRPr lang="en-US" dirty="0" smtClean="0">
-              <a:solidFill>
-                <a:srgbClr val="17B1AA"/>
-              </a:solidFill>
-            </a:endParaRPr>
           </a:p>
           <a:p>
             <a:pPr lvl="1"/>
             <a:r>
-              <a:rPr lang="en-US" b="1" dirty="0" smtClean="0"/>
+              <a:rPr lang="en-US" b="1" dirty="0"/>
               <a:t>Create</a:t>
             </a:r>
             <a:r>
-              <a:rPr lang="en-US" dirty="0" smtClean="0"/>
-              <a:t> </a:t>
-            </a:r>
-            <a:r>
               <a:rPr lang="en-US" dirty="0"/>
-              <a:t>a personalized list of review topics to guide tonight’s study session.</a:t>
+              <a:t> a personalized list of review topics to guide tonight’s study session.</a:t>
             </a:r>
           </a:p>
           <a:p>
@@ -4288,25 +4194,16 @@
               </a:rPr>
               <a:t>Homework </a:t>
             </a:r>
-            <a:endParaRPr lang="en-US" dirty="0" smtClean="0">
-              <a:solidFill>
-                <a:srgbClr val="17B1AA"/>
-              </a:solidFill>
-            </a:endParaRPr>
           </a:p>
           <a:p>
             <a:pPr lvl="1"/>
             <a:r>
-              <a:rPr lang="en-US" b="1" dirty="0" smtClean="0"/>
+              <a:rPr lang="en-US" b="1" dirty="0"/>
               <a:t>Study</a:t>
             </a:r>
             <a:r>
-              <a:rPr lang="en-US" dirty="0" smtClean="0"/>
-              <a:t> </a:t>
-            </a:r>
-            <a:r>
               <a:rPr lang="en-US" dirty="0"/>
-              <a:t>for tomorrow’s test!</a:t>
+              <a:t> for tomorrow’s test!</a:t>
             </a:r>
           </a:p>
           <a:p>
@@ -4330,10 +4227,9 @@
           <a:lstStyle/>
           <a:p>
             <a:r>
-              <a:rPr lang="en-US" smtClean="0"/>
+              <a:rPr lang="en-US"/>
               <a:t>Developed by TEALS in 2015  www.tealsk12.org</a:t>
             </a:r>
-            <a:endParaRPr lang="en-US"/>
           </a:p>
         </p:txBody>
       </p:sp>
@@ -4385,22 +4281,17 @@
           <a:lstStyle/>
           <a:p>
             <a:r>
-              <a:rPr lang="en-US" b="1" dirty="0" smtClean="0"/>
+              <a:rPr lang="en-US" b="1" dirty="0"/>
               <a:t>Lesson 4.1 </a:t>
             </a:r>
             <a:r>
-              <a:rPr lang="en-US" dirty="0" smtClean="0">
+              <a:rPr lang="en-US" dirty="0">
                 <a:solidFill>
                   <a:srgbClr val="17B1AA"/>
                 </a:solidFill>
               </a:rPr>
               <a:t>Array Basics</a:t>
             </a:r>
-            <a:endParaRPr lang="en-US" dirty="0">
-              <a:solidFill>
-                <a:srgbClr val="17B1AA"/>
-              </a:solidFill>
-            </a:endParaRPr>
           </a:p>
         </p:txBody>
       </p:sp>
@@ -4429,33 +4320,28 @@
               </a:rPr>
               <a:t>Objectives </a:t>
             </a:r>
-            <a:endParaRPr lang="en-US" dirty="0" smtClean="0">
+          </a:p>
+          <a:p>
+            <a:pPr lvl="1"/>
+            <a:r>
+              <a:rPr lang="en-US" b="1" dirty="0"/>
+              <a:t>Define, populate, and access</a:t>
+            </a:r>
+            <a:r>
+              <a:rPr lang="en-US" dirty="0"/>
+              <a:t> arrays.</a:t>
+            </a:r>
+          </a:p>
+          <a:p>
+            <a:endParaRPr lang="en-US" dirty="0">
               <a:solidFill>
                 <a:srgbClr val="17B1AA"/>
               </a:solidFill>
             </a:endParaRPr>
           </a:p>
           <a:p>
-            <a:pPr lvl="1"/>
-            <a:r>
-              <a:rPr lang="en-US" b="1" dirty="0"/>
-              <a:t>Define, populate, and access</a:t>
-            </a:r>
-            <a:r>
-              <a:rPr lang="en-US" dirty="0"/>
-              <a:t> arrays.</a:t>
-            </a:r>
-          </a:p>
-          <a:p>
-            <a:endParaRPr lang="en-US" dirty="0" smtClean="0">
-              <a:solidFill>
-                <a:srgbClr val="17B1AA"/>
-              </a:solidFill>
-            </a:endParaRPr>
-          </a:p>
-          <a:p>
-            <a:r>
-              <a:rPr lang="en-US" dirty="0" smtClean="0">
+            <a:r>
+              <a:rPr lang="en-US" dirty="0">
                 <a:solidFill>
                   <a:srgbClr val="17B1AA"/>
                 </a:solidFill>
@@ -4497,11 +4383,6 @@
               </a:rPr>
               <a:t>Homework </a:t>
             </a:r>
-            <a:endParaRPr lang="en-US" dirty="0" smtClean="0">
-              <a:solidFill>
-                <a:srgbClr val="17B1AA"/>
-              </a:solidFill>
-            </a:endParaRPr>
           </a:p>
           <a:p>
             <a:pPr lvl="1"/>
@@ -4546,10 +4427,9 @@
           <a:lstStyle/>
           <a:p>
             <a:r>
-              <a:rPr lang="en-US" smtClean="0"/>
+              <a:rPr lang="en-US"/>
               <a:t>Developed by TEALS in 2015  www.tealsk12.org</a:t>
             </a:r>
-            <a:endParaRPr lang="en-US"/>
           </a:p>
         </p:txBody>
       </p:sp>
@@ -4601,22 +4481,17 @@
           <a:lstStyle/>
           <a:p>
             <a:r>
-              <a:rPr lang="en-US" b="1" dirty="0" smtClean="0"/>
+              <a:rPr lang="en-US" b="1" dirty="0"/>
               <a:t>Lesson 4.2 </a:t>
             </a:r>
             <a:r>
-              <a:rPr lang="en-US" dirty="0" smtClean="0">
+              <a:rPr lang="en-US" dirty="0">
                 <a:solidFill>
                   <a:srgbClr val="17B1AA"/>
                 </a:solidFill>
               </a:rPr>
               <a:t>For-Each Loop &amp; Arrays Class</a:t>
             </a:r>
-            <a:endParaRPr lang="en-US" dirty="0">
-              <a:solidFill>
-                <a:srgbClr val="17B1AA"/>
-              </a:solidFill>
-            </a:endParaRPr>
           </a:p>
         </p:txBody>
       </p:sp>
@@ -4645,11 +4520,6 @@
               </a:rPr>
               <a:t>Objectives </a:t>
             </a:r>
-            <a:endParaRPr lang="en-US" dirty="0" smtClean="0">
-              <a:solidFill>
-                <a:srgbClr val="17B1AA"/>
-              </a:solidFill>
-            </a:endParaRPr>
           </a:p>
           <a:p>
             <a:pPr lvl="1"/>
@@ -4677,11 +4547,6 @@
               </a:rPr>
               <a:t>Assessments </a:t>
             </a:r>
-            <a:endParaRPr lang="en-US" dirty="0" smtClean="0">
-              <a:solidFill>
-                <a:srgbClr val="17B1AA"/>
-              </a:solidFill>
-            </a:endParaRPr>
           </a:p>
           <a:p>
             <a:pPr lvl="1"/>
@@ -4715,11 +4580,6 @@
               </a:rPr>
               <a:t>Homework </a:t>
             </a:r>
-            <a:endParaRPr lang="en-US" dirty="0" smtClean="0">
-              <a:solidFill>
-                <a:srgbClr val="17B1AA"/>
-              </a:solidFill>
-            </a:endParaRPr>
           </a:p>
           <a:p>
             <a:pPr lvl="1"/>
@@ -4764,10 +4624,9 @@
           <a:lstStyle/>
           <a:p>
             <a:r>
-              <a:rPr lang="en-US" smtClean="0"/>
+              <a:rPr lang="en-US"/>
               <a:t>Developed by TEALS in 2015  www.tealsk12.org</a:t>
             </a:r>
-            <a:endParaRPr lang="en-US"/>
           </a:p>
         </p:txBody>
       </p:sp>
@@ -4819,22 +4678,17 @@
           <a:lstStyle/>
           <a:p>
             <a:r>
-              <a:rPr lang="en-US" b="1" dirty="0" smtClean="0"/>
+              <a:rPr lang="en-US" b="1" dirty="0"/>
               <a:t>Lesson 4.3 </a:t>
             </a:r>
             <a:r>
-              <a:rPr lang="en-US" dirty="0" smtClean="0">
+              <a:rPr lang="en-US" dirty="0">
                 <a:solidFill>
                   <a:srgbClr val="17B1AA"/>
                 </a:solidFill>
               </a:rPr>
               <a:t>Printing, Searching, &amp; Testing for Equality</a:t>
             </a:r>
-            <a:endParaRPr lang="en-US" dirty="0">
-              <a:solidFill>
-                <a:srgbClr val="17B1AA"/>
-              </a:solidFill>
-            </a:endParaRPr>
           </a:p>
         </p:txBody>
       </p:sp>
@@ -4863,33 +4717,28 @@
               </a:rPr>
               <a:t>Objectives </a:t>
             </a:r>
-            <a:endParaRPr lang="en-US" dirty="0" smtClean="0">
+          </a:p>
+          <a:p>
+            <a:pPr lvl="1"/>
+            <a:r>
+              <a:rPr lang="en-US" b="1" dirty="0"/>
+              <a:t>Manipulate</a:t>
+            </a:r>
+            <a:r>
+              <a:rPr lang="en-US" dirty="0"/>
+              <a:t> single-dimension arrays using a variety of array transversal algorithms.</a:t>
+            </a:r>
+          </a:p>
+          <a:p>
+            <a:endParaRPr lang="en-US" dirty="0">
               <a:solidFill>
                 <a:srgbClr val="17B1AA"/>
               </a:solidFill>
             </a:endParaRPr>
           </a:p>
           <a:p>
-            <a:pPr lvl="1"/>
-            <a:r>
-              <a:rPr lang="en-US" b="1" dirty="0"/>
-              <a:t>Manipulate</a:t>
-            </a:r>
-            <a:r>
-              <a:rPr lang="en-US" dirty="0"/>
-              <a:t> single-dimension arrays using a variety of array transversal algorithms.</a:t>
-            </a:r>
-          </a:p>
-          <a:p>
-            <a:endParaRPr lang="en-US" dirty="0" smtClean="0">
-              <a:solidFill>
-                <a:srgbClr val="17B1AA"/>
-              </a:solidFill>
-            </a:endParaRPr>
-          </a:p>
-          <a:p>
-            <a:r>
-              <a:rPr lang="en-US" dirty="0" smtClean="0">
+            <a:r>
+              <a:rPr lang="en-US" dirty="0">
                 <a:solidFill>
                   <a:srgbClr val="17B1AA"/>
                 </a:solidFill>
@@ -4934,11 +4783,6 @@
               </a:rPr>
               <a:t>Homework </a:t>
             </a:r>
-            <a:endParaRPr lang="en-US" dirty="0" smtClean="0">
-              <a:solidFill>
-                <a:srgbClr val="17B1AA"/>
-              </a:solidFill>
-            </a:endParaRPr>
           </a:p>
           <a:p>
             <a:pPr lvl="1"/>
@@ -4983,10 +4827,9 @@
           <a:lstStyle/>
           <a:p>
             <a:r>
-              <a:rPr lang="en-US" smtClean="0"/>
+              <a:rPr lang="en-US"/>
               <a:t>Developed by TEALS in 2015  www.tealsk12.org</a:t>
             </a:r>
-            <a:endParaRPr lang="en-US"/>
           </a:p>
         </p:txBody>
       </p:sp>
@@ -5038,22 +4881,17 @@
           <a:lstStyle/>
           <a:p>
             <a:r>
-              <a:rPr lang="en-US" b="1" dirty="0" smtClean="0"/>
+              <a:rPr lang="en-US" b="1" dirty="0"/>
               <a:t>Lesson 4.4 </a:t>
             </a:r>
             <a:r>
-              <a:rPr lang="en-US" dirty="0" smtClean="0">
+              <a:rPr lang="en-US" dirty="0">
                 <a:solidFill>
                   <a:srgbClr val="17B1AA"/>
                 </a:solidFill>
               </a:rPr>
               <a:t>Reference Semantics</a:t>
             </a:r>
-            <a:endParaRPr lang="en-US" dirty="0">
-              <a:solidFill>
-                <a:srgbClr val="17B1AA"/>
-              </a:solidFill>
-            </a:endParaRPr>
           </a:p>
         </p:txBody>
       </p:sp>
@@ -5082,11 +4920,6 @@
               </a:rPr>
               <a:t>Objectives </a:t>
             </a:r>
-            <a:endParaRPr lang="en-US" dirty="0" smtClean="0">
-              <a:solidFill>
-                <a:srgbClr val="17B1AA"/>
-              </a:solidFill>
-            </a:endParaRPr>
           </a:p>
           <a:p>
             <a:pPr lvl="1"/>
@@ -5114,11 +4947,6 @@
               </a:rPr>
               <a:t>Assessments </a:t>
             </a:r>
-            <a:endParaRPr lang="en-US" dirty="0" smtClean="0">
-              <a:solidFill>
-                <a:srgbClr val="17B1AA"/>
-              </a:solidFill>
-            </a:endParaRPr>
           </a:p>
           <a:p>
             <a:pPr lvl="1"/>
@@ -5157,11 +4985,6 @@
               </a:rPr>
               <a:t>Homework </a:t>
             </a:r>
-            <a:endParaRPr lang="en-US" dirty="0" smtClean="0">
-              <a:solidFill>
-                <a:srgbClr val="17B1AA"/>
-              </a:solidFill>
-            </a:endParaRPr>
           </a:p>
           <a:p>
             <a:pPr lvl="1"/>
@@ -5206,10 +5029,9 @@
           <a:lstStyle/>
           <a:p>
             <a:r>
-              <a:rPr lang="en-US" smtClean="0"/>
+              <a:rPr lang="en-US"/>
               <a:t>Developed by TEALS in 2015  www.tealsk12.org</a:t>
             </a:r>
-            <a:endParaRPr lang="en-US"/>
           </a:p>
         </p:txBody>
       </p:sp>
@@ -5261,22 +5083,17 @@
           <a:lstStyle/>
           <a:p>
             <a:r>
-              <a:rPr lang="en-US" b="1" dirty="0" smtClean="0"/>
+              <a:rPr lang="en-US" b="1" dirty="0"/>
               <a:t>Lesson 4.5 </a:t>
             </a:r>
             <a:r>
-              <a:rPr lang="en-US" dirty="0" smtClean="0">
+              <a:rPr lang="en-US" dirty="0">
                 <a:solidFill>
                   <a:srgbClr val="17B1AA"/>
                 </a:solidFill>
               </a:rPr>
               <a:t>Shifting Values &amp; Arrays of Objects</a:t>
             </a:r>
-            <a:endParaRPr lang="en-US" dirty="0">
-              <a:solidFill>
-                <a:srgbClr val="17B1AA"/>
-              </a:solidFill>
-            </a:endParaRPr>
           </a:p>
         </p:txBody>
       </p:sp>
@@ -5305,11 +5122,6 @@
               </a:rPr>
               <a:t>Objectives </a:t>
             </a:r>
-            <a:endParaRPr lang="en-US" dirty="0" smtClean="0">
-              <a:solidFill>
-                <a:srgbClr val="17B1AA"/>
-              </a:solidFill>
-            </a:endParaRPr>
           </a:p>
           <a:p>
             <a:pPr lvl="1"/>
@@ -5348,21 +5160,20 @@
               </a:rPr>
               <a:t>Assessments </a:t>
             </a:r>
-            <a:endParaRPr lang="en-US" dirty="0" smtClean="0">
-              <a:solidFill>
-                <a:srgbClr val="17B1AA"/>
-              </a:solidFill>
-            </a:endParaRPr>
           </a:p>
           <a:p>
             <a:pPr lvl="1"/>
             <a:r>
-              <a:rPr lang="en-US" b="1" dirty="0"/>
+              <a:rPr lang="en-US" b="1"/>
               <a:t>Complete</a:t>
             </a:r>
             <a:r>
+              <a:rPr lang="en-US"/>
+              <a:t> Practice </a:t>
+            </a:r>
+            <a:r>
               <a:rPr lang="en-US" dirty="0"/>
-              <a:t> Practice-It questions</a:t>
+              <a:t>questions</a:t>
             </a:r>
           </a:p>
           <a:p>
@@ -5391,11 +5202,6 @@
               </a:rPr>
               <a:t>Homework </a:t>
             </a:r>
-            <a:endParaRPr lang="en-US" dirty="0" smtClean="0">
-              <a:solidFill>
-                <a:srgbClr val="17B1AA"/>
-              </a:solidFill>
-            </a:endParaRPr>
           </a:p>
           <a:p>
             <a:pPr lvl="1"/>
@@ -5440,10 +5246,9 @@
           <a:lstStyle/>
           <a:p>
             <a:r>
-              <a:rPr lang="en-US" smtClean="0"/>
+              <a:rPr lang="en-US"/>
               <a:t>Developed by TEALS in 2015  www.tealsk12.org</a:t>
             </a:r>
-            <a:endParaRPr lang="en-US"/>
           </a:p>
         </p:txBody>
       </p:sp>
@@ -5495,30 +5300,17 @@
           <a:lstStyle/>
           <a:p>
             <a:r>
-              <a:rPr lang="en-US" b="1" dirty="0" smtClean="0"/>
-              <a:t>Lesson </a:t>
-            </a:r>
-            <a:r>
               <a:rPr lang="en-US" b="1" dirty="0"/>
-              <a:t>4</a:t>
-            </a:r>
-            <a:r>
-              <a:rPr lang="en-US" b="1" dirty="0" smtClean="0"/>
-              <a:t>.6 </a:t>
-            </a:r>
-            <a:r>
-              <a:rPr lang="en-US" dirty="0" smtClean="0">
+              <a:t>Lesson 4.6 </a:t>
+            </a:r>
+            <a:r>
+              <a:rPr lang="en-US" dirty="0">
                 <a:solidFill>
                   <a:srgbClr val="17B1AA"/>
                 </a:solidFill>
               </a:rPr>
               <a:t>Nested Loop Algorithms &amp; Rectangular Arrays</a:t>
             </a:r>
-            <a:endParaRPr lang="en-US" dirty="0">
-              <a:solidFill>
-                <a:srgbClr val="17B1AA"/>
-              </a:solidFill>
-            </a:endParaRPr>
           </a:p>
         </p:txBody>
       </p:sp>
@@ -5547,44 +5339,39 @@
               </a:rPr>
               <a:t>Objectives </a:t>
             </a:r>
-            <a:endParaRPr lang="en-US" dirty="0" smtClean="0">
+          </a:p>
+          <a:p>
+            <a:pPr lvl="1"/>
+            <a:r>
+              <a:rPr lang="en-US" b="1" dirty="0"/>
+              <a:t>Correctly adjust</a:t>
+            </a:r>
+            <a:r>
+              <a:rPr lang="en-US" dirty="0"/>
+              <a:t> nested loop headers for use with arrays.</a:t>
+            </a:r>
+          </a:p>
+          <a:p>
+            <a:pPr lvl="1"/>
+            <a:r>
+              <a:rPr lang="en-US" b="1" dirty="0"/>
+              <a:t>Correctly construct</a:t>
+            </a:r>
+            <a:r>
+              <a:rPr lang="en-US" dirty="0"/>
+              <a:t> two-dimensional arrays.</a:t>
+            </a:r>
+          </a:p>
+          <a:p>
+            <a:endParaRPr lang="en-US" dirty="0">
               <a:solidFill>
                 <a:srgbClr val="17B1AA"/>
               </a:solidFill>
             </a:endParaRPr>
           </a:p>
           <a:p>
-            <a:pPr lvl="1"/>
-            <a:r>
-              <a:rPr lang="en-US" b="1" dirty="0"/>
-              <a:t>Correctly adjust</a:t>
-            </a:r>
-            <a:r>
-              <a:rPr lang="en-US" dirty="0"/>
-              <a:t> nested loop headers for use with arrays.</a:t>
-            </a:r>
-          </a:p>
-          <a:p>
-            <a:pPr lvl="1"/>
-            <a:r>
-              <a:rPr lang="en-US" b="1" dirty="0"/>
-              <a:t>Correctly construct</a:t>
-            </a:r>
-            <a:r>
-              <a:rPr lang="en-US" dirty="0"/>
-              <a:t> two-dimensional arrays.</a:t>
-            </a:r>
-          </a:p>
-          <a:p>
-            <a:endParaRPr lang="en-US" dirty="0" smtClean="0">
-              <a:solidFill>
-                <a:srgbClr val="17B1AA"/>
-              </a:solidFill>
-            </a:endParaRPr>
-          </a:p>
-          <a:p>
-            <a:r>
-              <a:rPr lang="en-US" dirty="0" smtClean="0">
+            <a:r>
+              <a:rPr lang="en-US" dirty="0">
                 <a:solidFill>
                   <a:srgbClr val="17B1AA"/>
                 </a:solidFill>
@@ -5618,11 +5405,6 @@
               </a:rPr>
               <a:t>Homework </a:t>
             </a:r>
-            <a:endParaRPr lang="en-US" dirty="0" smtClean="0">
-              <a:solidFill>
-                <a:srgbClr val="17B1AA"/>
-              </a:solidFill>
-            </a:endParaRPr>
           </a:p>
           <a:p>
             <a:pPr lvl="1"/>
@@ -5635,7 +5417,7 @@
               <a:t> HW 10.1 up to “Adding to and Removing from an </a:t>
             </a:r>
             <a:r>
-              <a:rPr lang="en-US" dirty="0" err="1" smtClean="0"/>
+              <a:rPr lang="en-US" dirty="0" err="1"/>
               <a:t>ArrayList</a:t>
             </a:r>
             <a:r>
@@ -5675,10 +5457,9 @@
           <a:lstStyle/>
           <a:p>
             <a:r>
-              <a:rPr lang="en-US" smtClean="0"/>
+              <a:rPr lang="en-US"/>
               <a:t>Developed by TEALS in 2015  www.tealsk12.org</a:t>
             </a:r>
-            <a:endParaRPr lang="en-US"/>
           </a:p>
         </p:txBody>
       </p:sp>
@@ -5728,11 +5509,11 @@
           <a:lstStyle/>
           <a:p>
             <a:r>
-              <a:rPr lang="en-US" b="1" dirty="0" smtClean="0"/>
+              <a:rPr lang="en-US" b="1" dirty="0"/>
               <a:t>Lesson 4.7 </a:t>
             </a:r>
             <a:r>
-              <a:rPr lang="en-US" dirty="0" err="1" smtClean="0">
+              <a:rPr lang="en-US" dirty="0" err="1">
                 <a:solidFill>
                   <a:srgbClr val="17B1AA"/>
                 </a:solidFill>
@@ -5772,11 +5553,6 @@
               </a:rPr>
               <a:t>Objectives </a:t>
             </a:r>
-            <a:endParaRPr lang="en-US" dirty="0" smtClean="0">
-              <a:solidFill>
-                <a:srgbClr val="17B1AA"/>
-              </a:solidFill>
-            </a:endParaRPr>
           </a:p>
           <a:p>
             <a:pPr lvl="1"/>
@@ -5823,11 +5599,6 @@
               </a:rPr>
               <a:t>Assessments </a:t>
             </a:r>
-            <a:endParaRPr lang="en-US" dirty="0" smtClean="0">
-              <a:solidFill>
-                <a:srgbClr val="17B1AA"/>
-              </a:solidFill>
-            </a:endParaRPr>
           </a:p>
           <a:p>
             <a:pPr lvl="1"/>
@@ -5868,11 +5639,6 @@
               </a:rPr>
               <a:t>Homework </a:t>
             </a:r>
-            <a:endParaRPr lang="en-US" dirty="0" smtClean="0">
-              <a:solidFill>
-                <a:srgbClr val="17B1AA"/>
-              </a:solidFill>
-            </a:endParaRPr>
           </a:p>
           <a:p>
             <a:pPr lvl="1"/>
@@ -5925,10 +5691,9 @@
           <a:lstStyle/>
           <a:p>
             <a:r>
-              <a:rPr lang="en-US" smtClean="0"/>
+              <a:rPr lang="en-US"/>
               <a:t>Developed by TEALS in 2015  www.tealsk12.org</a:t>
             </a:r>
-            <a:endParaRPr lang="en-US"/>
           </a:p>
         </p:txBody>
       </p:sp>
@@ -5980,22 +5745,17 @@
           <a:lstStyle/>
           <a:p>
             <a:r>
-              <a:rPr lang="en-US" b="1" dirty="0" smtClean="0"/>
+              <a:rPr lang="en-US" b="1" dirty="0"/>
               <a:t>Lesson 4.8 </a:t>
             </a:r>
             <a:r>
-              <a:rPr lang="en-US" dirty="0" smtClean="0">
+              <a:rPr lang="en-US" dirty="0">
                 <a:solidFill>
                   <a:srgbClr val="17B1AA"/>
                 </a:solidFill>
               </a:rPr>
               <a:t>Finding and Fixing Errors</a:t>
             </a:r>
-            <a:endParaRPr lang="en-US" dirty="0">
-              <a:solidFill>
-                <a:srgbClr val="17B1AA"/>
-              </a:solidFill>
-            </a:endParaRPr>
           </a:p>
         </p:txBody>
       </p:sp>
@@ -6024,31 +5784,26 @@
               </a:rPr>
               <a:t>Objectives </a:t>
             </a:r>
-            <a:endParaRPr lang="en-US" dirty="0" smtClean="0">
-              <a:solidFill>
-                <a:srgbClr val="17B1AA"/>
-              </a:solidFill>
-            </a:endParaRPr>
           </a:p>
           <a:p>
             <a:pPr lvl="1"/>
             <a:r>
-              <a:rPr lang="en-US" b="1" dirty="0" smtClean="0"/>
+              <a:rPr lang="en-US" b="1" dirty="0"/>
               <a:t>Find</a:t>
             </a:r>
             <a:r>
-              <a:rPr lang="en-US" dirty="0" smtClean="0"/>
+              <a:rPr lang="en-US" dirty="0"/>
               <a:t> errors in returned homework assignments.</a:t>
             </a:r>
           </a:p>
           <a:p>
             <a:pPr lvl="1"/>
             <a:r>
-              <a:rPr lang="en-US" b="1" dirty="0" smtClean="0"/>
+              <a:rPr lang="en-US" b="1" dirty="0"/>
               <a:t>Correct</a:t>
             </a:r>
             <a:r>
-              <a:rPr lang="en-US" dirty="0" smtClean="0"/>
+              <a:rPr lang="en-US" dirty="0"/>
               <a:t> code</a:t>
             </a:r>
             <a:endParaRPr lang="en-US" b="1" dirty="0"/>
@@ -6068,11 +5823,6 @@
               </a:rPr>
               <a:t>Assessments </a:t>
             </a:r>
-            <a:endParaRPr lang="en-US" dirty="0" smtClean="0">
-              <a:solidFill>
-                <a:srgbClr val="17B1AA"/>
-              </a:solidFill>
-            </a:endParaRPr>
           </a:p>
           <a:p>
             <a:pPr lvl="1"/>
@@ -6082,13 +5832,8 @@
             </a:r>
             <a:r>
               <a:rPr lang="en-US" dirty="0"/>
-              <a:t> all homework assignments with corrected </a:t>
-            </a:r>
-            <a:r>
-              <a:rPr lang="en-US" dirty="0" smtClean="0"/>
-              <a:t>answers.</a:t>
-            </a:r>
-            <a:endParaRPr lang="en-US" dirty="0"/>
+              <a:t> all homework assignments with corrected answers.</a:t>
+            </a:r>
           </a:p>
           <a:p>
             <a:pPr marL="0" indent="0">
@@ -6105,25 +5850,16 @@
               </a:rPr>
               <a:t>Homework </a:t>
             </a:r>
-            <a:endParaRPr lang="en-US" dirty="0" smtClean="0">
-              <a:solidFill>
-                <a:srgbClr val="17B1AA"/>
-              </a:solidFill>
-            </a:endParaRPr>
           </a:p>
           <a:p>
             <a:pPr lvl="1"/>
             <a:r>
-              <a:rPr lang="en-US" b="1" dirty="0" smtClean="0"/>
+              <a:rPr lang="en-US" b="1" dirty="0"/>
               <a:t>Review</a:t>
             </a:r>
             <a:r>
-              <a:rPr lang="en-US" dirty="0" smtClean="0"/>
-              <a:t> materials for the Magpie Lab by</a:t>
-            </a:r>
-            <a:r>
               <a:rPr lang="en-US" dirty="0"/>
-              <a:t>:</a:t>
+              <a:t> materials for the Magpie Lab by:</a:t>
             </a:r>
           </a:p>
           <a:p>
@@ -6134,32 +5870,23 @@
             </a:r>
             <a:r>
               <a:rPr lang="en-US" dirty="0"/>
-              <a:t> all the blue pages at the end of Chapter </a:t>
-            </a:r>
-            <a:r>
-              <a:rPr lang="en-US" dirty="0" smtClean="0"/>
-              <a:t>7 and Chapter 10 (10.1)</a:t>
-            </a:r>
+              <a:t> all the blue pages at the end of Chapter 7 and Chapter 10 (10.1)</a:t>
+            </a:r>
+          </a:p>
+          <a:p>
+            <a:pPr lvl="1"/>
+            <a:r>
+              <a:rPr lang="en-US" b="1" dirty="0"/>
+              <a:t>Submit</a:t>
+            </a:r>
+            <a:r>
+              <a:rPr lang="en-US" dirty="0"/>
+              <a:t> 5 questions for review in class tomorrow using electronic survey</a:t>
+            </a:r>
+          </a:p>
+          <a:p>
             <a:endParaRPr lang="en-US" dirty="0"/>
           </a:p>
-          <a:p>
-            <a:pPr lvl="1"/>
-            <a:r>
-              <a:rPr lang="en-US" b="1" dirty="0" smtClean="0"/>
-              <a:t>Submit</a:t>
-            </a:r>
-            <a:r>
-              <a:rPr lang="en-US" dirty="0" smtClean="0"/>
-              <a:t> </a:t>
-            </a:r>
-            <a:r>
-              <a:rPr lang="en-US" dirty="0"/>
-              <a:t>5 questions for review in class tomorrow using electronic survey</a:t>
-            </a:r>
-          </a:p>
-          <a:p>
-            <a:endParaRPr lang="en-US" dirty="0"/>
-          </a:p>
         </p:txBody>
       </p:sp>
       <p:sp>
@@ -6178,10 +5905,9 @@
           <a:lstStyle/>
           <a:p>
             <a:r>
-              <a:rPr lang="en-US" smtClean="0"/>
+              <a:rPr lang="en-US"/>
               <a:t>Developed by TEALS in 2015  www.tealsk12.org</a:t>
             </a:r>
-            <a:endParaRPr lang="en-US"/>
           </a:p>
         </p:txBody>
       </p:sp>
@@ -7165,15 +6891,6 @@
 </file>
 
 <file path=customXml/item2.xml><?xml version="1.0" encoding="utf-8"?>
-<?mso-contentType ?>
-<FormTemplates xmlns="http://schemas.microsoft.com/sharepoint/v3/contenttype/forms">
-  <Display>DocumentLibraryForm</Display>
-  <Edit>DocumentLibraryForm</Edit>
-  <New>DocumentLibraryForm</New>
-</FormTemplates>
-</file>
-
-<file path=customXml/item3.xml><?xml version="1.0" encoding="utf-8"?>
 <ct:contentTypeSchema xmlns:ct="http://schemas.microsoft.com/office/2006/metadata/contentType" xmlns:ma="http://schemas.microsoft.com/office/2006/metadata/properties/metaAttributes" ct:_="" ma:_="" ma:contentTypeName="Document" ma:contentTypeID="0x01010011E83E049C87AC4AB56F27089B4ACA55" ma:contentTypeVersion="12" ma:contentTypeDescription="Create a new document." ma:contentTypeScope="" ma:versionID="1178fe99ddca204d3fc8224f4ed0acf8">
   <xsd:schema xmlns:xsd="http://www.w3.org/2001/XMLSchema" xmlns:xs="http://www.w3.org/2001/XMLSchema" xmlns:p="http://schemas.microsoft.com/office/2006/metadata/properties" xmlns:ns2="be898649-fe57-4b08-9fd4-31fc752880e3" xmlns:ns3="6f430b7c-f2e9-4385-9cb2-4dd06cc2317e" targetNamespace="http://schemas.microsoft.com/office/2006/metadata/properties" ma:root="true" ma:fieldsID="05a700af6660b82c6e85ae510b7169e9" ns2:_="" ns3:_="">
     <xsd:import namespace="be898649-fe57-4b08-9fd4-31fc752880e3"/>
@@ -7390,14 +7107,47 @@
 </ct:contentTypeSchema>
 </file>
 
+<file path=customXml/item3.xml><?xml version="1.0" encoding="utf-8"?>
+<?mso-contentType ?>
+<FormTemplates xmlns="http://schemas.microsoft.com/sharepoint/v3/contenttype/forms">
+  <Display>DocumentLibraryForm</Display>
+  <Edit>DocumentLibraryForm</Edit>
+  <New>DocumentLibraryForm</New>
+</FormTemplates>
+</file>
+
 <file path=customXml/itemProps1.xml><?xml version="1.0" encoding="utf-8"?>
-<ds:datastoreItem xmlns:ds="http://schemas.openxmlformats.org/officeDocument/2006/customXml" ds:itemID="{4A4E0F3F-3F9A-4C32-8F90-EA1BBC36BA3B}"/>
+<ds:datastoreItem xmlns:ds="http://schemas.openxmlformats.org/officeDocument/2006/customXml" ds:itemID="{4A4E0F3F-3F9A-4C32-8F90-EA1BBC36BA3B}">
+  <ds:schemaRefs>
+    <ds:schemaRef ds:uri="http://schemas.microsoft.com/office/2006/metadata/properties"/>
+    <ds:schemaRef ds:uri="http://schemas.microsoft.com/office/infopath/2007/PartnerControls"/>
+  </ds:schemaRefs>
+</ds:datastoreItem>
 </file>
 
 <file path=customXml/itemProps2.xml><?xml version="1.0" encoding="utf-8"?>
-<ds:datastoreItem xmlns:ds="http://schemas.openxmlformats.org/officeDocument/2006/customXml" ds:itemID="{19E621E7-6B4C-43DF-85CE-9272C3F8347B}"/>
+<ds:datastoreItem xmlns:ds="http://schemas.openxmlformats.org/officeDocument/2006/customXml" ds:itemID="{4960E11C-742F-4165-AF23-D043167A2306}">
+  <ds:schemaRefs>
+    <ds:schemaRef ds:uri="http://schemas.microsoft.com/office/2006/metadata/contentType"/>
+    <ds:schemaRef ds:uri="http://schemas.microsoft.com/office/2006/metadata/properties/metaAttributes"/>
+    <ds:schemaRef ds:uri="http://www.w3.org/2001/XMLSchema"/>
+    <ds:schemaRef ds:uri="http://schemas.microsoft.com/office/2006/metadata/properties"/>
+    <ds:schemaRef ds:uri="be898649-fe57-4b08-9fd4-31fc752880e3"/>
+    <ds:schemaRef ds:uri="6f430b7c-f2e9-4385-9cb2-4dd06cc2317e"/>
+    <ds:schemaRef ds:uri="http://schemas.microsoft.com/office/2006/documentManagement/types"/>
+    <ds:schemaRef ds:uri="http://schemas.microsoft.com/office/infopath/2007/PartnerControls"/>
+    <ds:schemaRef ds:uri="http://schemas.openxmlformats.org/package/2006/metadata/core-properties"/>
+    <ds:schemaRef ds:uri="http://purl.org/dc/elements/1.1/"/>
+    <ds:schemaRef ds:uri="http://purl.org/dc/terms/"/>
+    <ds:schemaRef ds:uri="http://schemas.microsoft.com/internal/obd"/>
+  </ds:schemaRefs>
+</ds:datastoreItem>
 </file>
 
 <file path=customXml/itemProps3.xml><?xml version="1.0" encoding="utf-8"?>
-<ds:datastoreItem xmlns:ds="http://schemas.openxmlformats.org/officeDocument/2006/customXml" ds:itemID="{4960E11C-742F-4165-AF23-D043167A2306}"/>
+<ds:datastoreItem xmlns:ds="http://schemas.openxmlformats.org/officeDocument/2006/customXml" ds:itemID="{19E621E7-6B4C-43DF-85CE-9272C3F8347B}">
+  <ds:schemaRefs>
+    <ds:schemaRef ds:uri="http://schemas.microsoft.com/sharepoint/v3/contenttype/forms"/>
+  </ds:schemaRefs>
+</ds:datastoreItem>
 </file>